--- a/Proposal/eConductor.pptx
+++ b/Proposal/eConductor.pptx
@@ -4,10 +4,24 @@
   <p:sldMasterIdLst>
     <p:sldMasterId id="2147483648" r:id="rId1"/>
   </p:sldMasterIdLst>
+  <p:notesMasterIdLst>
+    <p:notesMasterId r:id="rId13"/>
+  </p:notesMasterIdLst>
+  <p:handoutMasterIdLst>
+    <p:handoutMasterId r:id="rId14"/>
+  </p:handoutMasterIdLst>
   <p:sldIdLst>
     <p:sldId id="256" r:id="rId2"/>
     <p:sldId id="262" r:id="rId3"/>
-    <p:sldId id="263" r:id="rId4"/>
+    <p:sldId id="267" r:id="rId4"/>
+    <p:sldId id="268" r:id="rId5"/>
+    <p:sldId id="269" r:id="rId6"/>
+    <p:sldId id="270" r:id="rId7"/>
+    <p:sldId id="271" r:id="rId8"/>
+    <p:sldId id="272" r:id="rId9"/>
+    <p:sldId id="273" r:id="rId10"/>
+    <p:sldId id="274" r:id="rId11"/>
+    <p:sldId id="275" r:id="rId12"/>
   </p:sldIdLst>
   <p:sldSz cx="12192000" cy="6858000"/>
   <p:notesSz cx="6858000" cy="9144000"/>
@@ -114,6 +128,628 @@
 </p:presentation>
 </file>
 
+<file path=ppt/handoutMasters/handoutMaster1.xml><?xml version="1.0" encoding="utf-8"?>
+<p:handoutMaster xmlns:a="http://schemas.openxmlformats.org/drawingml/2006/main" xmlns:r="http://schemas.openxmlformats.org/officeDocument/2006/relationships" xmlns:p="http://schemas.openxmlformats.org/presentationml/2006/main">
+  <p:cSld>
+    <p:bg>
+      <p:bgRef idx="1001">
+        <a:schemeClr val="bg1"/>
+      </p:bgRef>
+    </p:bg>
+    <p:spTree>
+      <p:nvGrpSpPr>
+        <p:cNvPr id="1" name=""/>
+        <p:cNvGrpSpPr/>
+        <p:nvPr/>
+      </p:nvGrpSpPr>
+      <p:grpSpPr>
+        <a:xfrm>
+          <a:off x="0" y="0"/>
+          <a:ext cx="0" cy="0"/>
+          <a:chOff x="0" y="0"/>
+          <a:chExt cx="0" cy="0"/>
+        </a:xfrm>
+      </p:grpSpPr>
+      <p:sp>
+        <p:nvSpPr>
+          <p:cNvPr id="2" name="Header Placeholder 1">
+            <a:extLst>
+              <a:ext uri="{FF2B5EF4-FFF2-40B4-BE49-F238E27FC236}">
+                <a16:creationId xmlns:a16="http://schemas.microsoft.com/office/drawing/2014/main" id="{61AC55FA-C3CE-7BE5-D62C-5727D3D6FCC8}"/>
+              </a:ext>
+            </a:extLst>
+          </p:cNvPr>
+          <p:cNvSpPr>
+            <a:spLocks noGrp="1"/>
+          </p:cNvSpPr>
+          <p:nvPr>
+            <p:ph type="hdr" sz="quarter"/>
+          </p:nvPr>
+        </p:nvSpPr>
+        <p:spPr>
+          <a:xfrm>
+            <a:off x="0" y="0"/>
+            <a:ext cx="2971800" cy="458788"/>
+          </a:xfrm>
+          <a:prstGeom prst="rect">
+            <a:avLst/>
+          </a:prstGeom>
+        </p:spPr>
+        <p:txBody>
+          <a:bodyPr vert="horz" lIns="91440" tIns="45720" rIns="91440" bIns="45720" rtlCol="0"/>
+          <a:lstStyle>
+            <a:lvl1pPr algn="l">
+              <a:defRPr sz="1200"/>
+            </a:lvl1pPr>
+          </a:lstStyle>
+          <a:p>
+            <a:endParaRPr lang="en-US"/>
+          </a:p>
+        </p:txBody>
+      </p:sp>
+      <p:sp>
+        <p:nvSpPr>
+          <p:cNvPr id="3" name="Date Placeholder 2">
+            <a:extLst>
+              <a:ext uri="{FF2B5EF4-FFF2-40B4-BE49-F238E27FC236}">
+                <a16:creationId xmlns:a16="http://schemas.microsoft.com/office/drawing/2014/main" id="{2C38F59E-4298-8A50-A84C-472F227E6F6B}"/>
+              </a:ext>
+            </a:extLst>
+          </p:cNvPr>
+          <p:cNvSpPr>
+            <a:spLocks noGrp="1"/>
+          </p:cNvSpPr>
+          <p:nvPr>
+            <p:ph type="dt" sz="quarter" idx="1"/>
+          </p:nvPr>
+        </p:nvSpPr>
+        <p:spPr>
+          <a:xfrm>
+            <a:off x="3884613" y="0"/>
+            <a:ext cx="2971800" cy="458788"/>
+          </a:xfrm>
+          <a:prstGeom prst="rect">
+            <a:avLst/>
+          </a:prstGeom>
+        </p:spPr>
+        <p:txBody>
+          <a:bodyPr vert="horz" lIns="91440" tIns="45720" rIns="91440" bIns="45720" rtlCol="0"/>
+          <a:lstStyle>
+            <a:lvl1pPr algn="r">
+              <a:defRPr sz="1200"/>
+            </a:lvl1pPr>
+          </a:lstStyle>
+          <a:p>
+            <a:fld id="{A663C87F-0EE6-45AC-BC49-A96A6ADDC0C2}" type="datetimeFigureOut">
+              <a:rPr lang="en-US" smtClean="0"/>
+              <a:t>2024-05-04</a:t>
+            </a:fld>
+            <a:endParaRPr lang="en-US"/>
+          </a:p>
+        </p:txBody>
+      </p:sp>
+      <p:sp>
+        <p:nvSpPr>
+          <p:cNvPr id="4" name="Footer Placeholder 3">
+            <a:extLst>
+              <a:ext uri="{FF2B5EF4-FFF2-40B4-BE49-F238E27FC236}">
+                <a16:creationId xmlns:a16="http://schemas.microsoft.com/office/drawing/2014/main" id="{40FC6E52-83B8-F0D7-3004-51E175B07555}"/>
+              </a:ext>
+            </a:extLst>
+          </p:cNvPr>
+          <p:cNvSpPr>
+            <a:spLocks noGrp="1"/>
+          </p:cNvSpPr>
+          <p:nvPr>
+            <p:ph type="ftr" sz="quarter" idx="2"/>
+          </p:nvPr>
+        </p:nvSpPr>
+        <p:spPr>
+          <a:xfrm>
+            <a:off x="0" y="8685213"/>
+            <a:ext cx="2971800" cy="458787"/>
+          </a:xfrm>
+          <a:prstGeom prst="rect">
+            <a:avLst/>
+          </a:prstGeom>
+        </p:spPr>
+        <p:txBody>
+          <a:bodyPr vert="horz" lIns="91440" tIns="45720" rIns="91440" bIns="45720" rtlCol="0" anchor="b"/>
+          <a:lstStyle>
+            <a:lvl1pPr algn="l">
+              <a:defRPr sz="1200"/>
+            </a:lvl1pPr>
+          </a:lstStyle>
+          <a:p>
+            <a:endParaRPr lang="en-US"/>
+          </a:p>
+        </p:txBody>
+      </p:sp>
+      <p:sp>
+        <p:nvSpPr>
+          <p:cNvPr id="5" name="Slide Number Placeholder 4">
+            <a:extLst>
+              <a:ext uri="{FF2B5EF4-FFF2-40B4-BE49-F238E27FC236}">
+                <a16:creationId xmlns:a16="http://schemas.microsoft.com/office/drawing/2014/main" id="{6F593C7F-6920-FEAC-B9A8-294025253369}"/>
+              </a:ext>
+            </a:extLst>
+          </p:cNvPr>
+          <p:cNvSpPr>
+            <a:spLocks noGrp="1"/>
+          </p:cNvSpPr>
+          <p:nvPr>
+            <p:ph type="sldNum" sz="quarter" idx="3"/>
+          </p:nvPr>
+        </p:nvSpPr>
+        <p:spPr>
+          <a:xfrm>
+            <a:off x="3884613" y="8685213"/>
+            <a:ext cx="2971800" cy="458787"/>
+          </a:xfrm>
+          <a:prstGeom prst="rect">
+            <a:avLst/>
+          </a:prstGeom>
+        </p:spPr>
+        <p:txBody>
+          <a:bodyPr vert="horz" lIns="91440" tIns="45720" rIns="91440" bIns="45720" rtlCol="0" anchor="b"/>
+          <a:lstStyle>
+            <a:lvl1pPr algn="r">
+              <a:defRPr sz="1200"/>
+            </a:lvl1pPr>
+          </a:lstStyle>
+          <a:p>
+            <a:fld id="{B65F45A0-2093-41EE-AE4B-62446364C6C8}" type="slidenum">
+              <a:rPr lang="en-US" smtClean="0"/>
+              <a:t>‹#›</a:t>
+            </a:fld>
+            <a:endParaRPr lang="en-US"/>
+          </a:p>
+        </p:txBody>
+      </p:sp>
+    </p:spTree>
+    <p:extLst>
+      <p:ext uri="{BB962C8B-B14F-4D97-AF65-F5344CB8AC3E}">
+        <p14:creationId xmlns:p14="http://schemas.microsoft.com/office/powerpoint/2010/main" val="1647804722"/>
+      </p:ext>
+    </p:extLst>
+  </p:cSld>
+  <p:clrMap bg1="lt1" tx1="dk1" bg2="lt2" tx2="dk2" accent1="accent1" accent2="accent2" accent3="accent3" accent4="accent4" accent5="accent5" accent6="accent6" hlink="hlink" folHlink="folHlink"/>
+</p:handoutMaster>
+</file>
+
+<file path=ppt/notesMasters/notesMaster1.xml><?xml version="1.0" encoding="utf-8"?>
+<p:notesMaster xmlns:a="http://schemas.openxmlformats.org/drawingml/2006/main" xmlns:r="http://schemas.openxmlformats.org/officeDocument/2006/relationships" xmlns:p="http://schemas.openxmlformats.org/presentationml/2006/main">
+  <p:cSld>
+    <p:bg>
+      <p:bgRef idx="1001">
+        <a:schemeClr val="bg1"/>
+      </p:bgRef>
+    </p:bg>
+    <p:spTree>
+      <p:nvGrpSpPr>
+        <p:cNvPr id="1" name=""/>
+        <p:cNvGrpSpPr/>
+        <p:nvPr/>
+      </p:nvGrpSpPr>
+      <p:grpSpPr>
+        <a:xfrm>
+          <a:off x="0" y="0"/>
+          <a:ext cx="0" cy="0"/>
+          <a:chOff x="0" y="0"/>
+          <a:chExt cx="0" cy="0"/>
+        </a:xfrm>
+      </p:grpSpPr>
+      <p:sp>
+        <p:nvSpPr>
+          <p:cNvPr id="2" name="Header Placeholder 1"/>
+          <p:cNvSpPr>
+            <a:spLocks noGrp="1"/>
+          </p:cNvSpPr>
+          <p:nvPr>
+            <p:ph type="hdr" sz="quarter"/>
+          </p:nvPr>
+        </p:nvSpPr>
+        <p:spPr>
+          <a:xfrm>
+            <a:off x="0" y="0"/>
+            <a:ext cx="2971800" cy="458788"/>
+          </a:xfrm>
+          <a:prstGeom prst="rect">
+            <a:avLst/>
+          </a:prstGeom>
+        </p:spPr>
+        <p:txBody>
+          <a:bodyPr vert="horz" lIns="91440" tIns="45720" rIns="91440" bIns="45720" rtlCol="0"/>
+          <a:lstStyle>
+            <a:lvl1pPr algn="l">
+              <a:defRPr sz="1200"/>
+            </a:lvl1pPr>
+          </a:lstStyle>
+          <a:p>
+            <a:endParaRPr lang="en-US"/>
+          </a:p>
+        </p:txBody>
+      </p:sp>
+      <p:sp>
+        <p:nvSpPr>
+          <p:cNvPr id="3" name="Date Placeholder 2"/>
+          <p:cNvSpPr>
+            <a:spLocks noGrp="1"/>
+          </p:cNvSpPr>
+          <p:nvPr>
+            <p:ph type="dt" idx="1"/>
+          </p:nvPr>
+        </p:nvSpPr>
+        <p:spPr>
+          <a:xfrm>
+            <a:off x="3884613" y="0"/>
+            <a:ext cx="2971800" cy="458788"/>
+          </a:xfrm>
+          <a:prstGeom prst="rect">
+            <a:avLst/>
+          </a:prstGeom>
+        </p:spPr>
+        <p:txBody>
+          <a:bodyPr vert="horz" lIns="91440" tIns="45720" rIns="91440" bIns="45720" rtlCol="0"/>
+          <a:lstStyle>
+            <a:lvl1pPr algn="r">
+              <a:defRPr sz="1200"/>
+            </a:lvl1pPr>
+          </a:lstStyle>
+          <a:p>
+            <a:fld id="{EBF8D450-DC0F-4A23-ABAF-BA50B3B75C39}" type="datetimeFigureOut">
+              <a:rPr lang="en-US" smtClean="0"/>
+              <a:t>2024-05-04</a:t>
+            </a:fld>
+            <a:endParaRPr lang="en-US"/>
+          </a:p>
+        </p:txBody>
+      </p:sp>
+      <p:sp>
+        <p:nvSpPr>
+          <p:cNvPr id="4" name="Slide Image Placeholder 3"/>
+          <p:cNvSpPr>
+            <a:spLocks noGrp="1" noRot="1" noChangeAspect="1"/>
+          </p:cNvSpPr>
+          <p:nvPr>
+            <p:ph type="sldImg" idx="2"/>
+          </p:nvPr>
+        </p:nvSpPr>
+        <p:spPr>
+          <a:xfrm>
+            <a:off x="685800" y="1143000"/>
+            <a:ext cx="5486400" cy="3086100"/>
+          </a:xfrm>
+          <a:prstGeom prst="rect">
+            <a:avLst/>
+          </a:prstGeom>
+          <a:noFill/>
+          <a:ln w="12700">
+            <a:solidFill>
+              <a:prstClr val="black"/>
+            </a:solidFill>
+          </a:ln>
+        </p:spPr>
+        <p:txBody>
+          <a:bodyPr vert="horz" lIns="91440" tIns="45720" rIns="91440" bIns="45720" rtlCol="0" anchor="ctr"/>
+          <a:lstStyle/>
+          <a:p>
+            <a:endParaRPr lang="en-US"/>
+          </a:p>
+        </p:txBody>
+      </p:sp>
+      <p:sp>
+        <p:nvSpPr>
+          <p:cNvPr id="5" name="Notes Placeholder 4"/>
+          <p:cNvSpPr>
+            <a:spLocks noGrp="1"/>
+          </p:cNvSpPr>
+          <p:nvPr>
+            <p:ph type="body" sz="quarter" idx="3"/>
+          </p:nvPr>
+        </p:nvSpPr>
+        <p:spPr>
+          <a:xfrm>
+            <a:off x="685800" y="4400550"/>
+            <a:ext cx="5486400" cy="3600450"/>
+          </a:xfrm>
+          <a:prstGeom prst="rect">
+            <a:avLst/>
+          </a:prstGeom>
+        </p:spPr>
+        <p:txBody>
+          <a:bodyPr vert="horz" lIns="91440" tIns="45720" rIns="91440" bIns="45720" rtlCol="0"/>
+          <a:lstStyle/>
+          <a:p>
+            <a:pPr lvl="0"/>
+            <a:r>
+              <a:rPr lang="en-US"/>
+              <a:t>Click to edit Master text styles</a:t>
+            </a:r>
+          </a:p>
+          <a:p>
+            <a:pPr lvl="1"/>
+            <a:r>
+              <a:rPr lang="en-US"/>
+              <a:t>Second level</a:t>
+            </a:r>
+          </a:p>
+          <a:p>
+            <a:pPr lvl="2"/>
+            <a:r>
+              <a:rPr lang="en-US"/>
+              <a:t>Third level</a:t>
+            </a:r>
+          </a:p>
+          <a:p>
+            <a:pPr lvl="3"/>
+            <a:r>
+              <a:rPr lang="en-US"/>
+              <a:t>Fourth level</a:t>
+            </a:r>
+          </a:p>
+          <a:p>
+            <a:pPr lvl="4"/>
+            <a:r>
+              <a:rPr lang="en-US"/>
+              <a:t>Fifth level</a:t>
+            </a:r>
+          </a:p>
+        </p:txBody>
+      </p:sp>
+      <p:sp>
+        <p:nvSpPr>
+          <p:cNvPr id="6" name="Footer Placeholder 5"/>
+          <p:cNvSpPr>
+            <a:spLocks noGrp="1"/>
+          </p:cNvSpPr>
+          <p:nvPr>
+            <p:ph type="ftr" sz="quarter" idx="4"/>
+          </p:nvPr>
+        </p:nvSpPr>
+        <p:spPr>
+          <a:xfrm>
+            <a:off x="0" y="8685213"/>
+            <a:ext cx="2971800" cy="458787"/>
+          </a:xfrm>
+          <a:prstGeom prst="rect">
+            <a:avLst/>
+          </a:prstGeom>
+        </p:spPr>
+        <p:txBody>
+          <a:bodyPr vert="horz" lIns="91440" tIns="45720" rIns="91440" bIns="45720" rtlCol="0" anchor="b"/>
+          <a:lstStyle>
+            <a:lvl1pPr algn="l">
+              <a:defRPr sz="1200"/>
+            </a:lvl1pPr>
+          </a:lstStyle>
+          <a:p>
+            <a:endParaRPr lang="en-US"/>
+          </a:p>
+        </p:txBody>
+      </p:sp>
+      <p:sp>
+        <p:nvSpPr>
+          <p:cNvPr id="7" name="Slide Number Placeholder 6"/>
+          <p:cNvSpPr>
+            <a:spLocks noGrp="1"/>
+          </p:cNvSpPr>
+          <p:nvPr>
+            <p:ph type="sldNum" sz="quarter" idx="5"/>
+          </p:nvPr>
+        </p:nvSpPr>
+        <p:spPr>
+          <a:xfrm>
+            <a:off x="3884613" y="8685213"/>
+            <a:ext cx="2971800" cy="458787"/>
+          </a:xfrm>
+          <a:prstGeom prst="rect">
+            <a:avLst/>
+          </a:prstGeom>
+        </p:spPr>
+        <p:txBody>
+          <a:bodyPr vert="horz" lIns="91440" tIns="45720" rIns="91440" bIns="45720" rtlCol="0" anchor="b"/>
+          <a:lstStyle>
+            <a:lvl1pPr algn="r">
+              <a:defRPr sz="1200"/>
+            </a:lvl1pPr>
+          </a:lstStyle>
+          <a:p>
+            <a:fld id="{0E7B42CC-9E8D-4AA4-B409-5CEE25226DCF}" type="slidenum">
+              <a:rPr lang="en-US" smtClean="0"/>
+              <a:t>‹#›</a:t>
+            </a:fld>
+            <a:endParaRPr lang="en-US"/>
+          </a:p>
+        </p:txBody>
+      </p:sp>
+    </p:spTree>
+    <p:extLst>
+      <p:ext uri="{BB962C8B-B14F-4D97-AF65-F5344CB8AC3E}">
+        <p14:creationId xmlns:p14="http://schemas.microsoft.com/office/powerpoint/2010/main" val="3258156274"/>
+      </p:ext>
+    </p:extLst>
+  </p:cSld>
+  <p:clrMap bg1="lt1" tx1="dk1" bg2="lt2" tx2="dk2" accent1="accent1" accent2="accent2" accent3="accent3" accent4="accent4" accent5="accent5" accent6="accent6" hlink="hlink" folHlink="folHlink"/>
+  <p:notesStyle>
+    <a:lvl1pPr marL="0" algn="l" defTabSz="914400" rtl="0" eaLnBrk="1" latinLnBrk="0" hangingPunct="1">
+      <a:defRPr sz="1200" kern="1200">
+        <a:solidFill>
+          <a:schemeClr val="tx1"/>
+        </a:solidFill>
+        <a:latin typeface="+mn-lt"/>
+        <a:ea typeface="+mn-ea"/>
+        <a:cs typeface="+mn-cs"/>
+      </a:defRPr>
+    </a:lvl1pPr>
+    <a:lvl2pPr marL="457200" algn="l" defTabSz="914400" rtl="0" eaLnBrk="1" latinLnBrk="0" hangingPunct="1">
+      <a:defRPr sz="1200" kern="1200">
+        <a:solidFill>
+          <a:schemeClr val="tx1"/>
+        </a:solidFill>
+        <a:latin typeface="+mn-lt"/>
+        <a:ea typeface="+mn-ea"/>
+        <a:cs typeface="+mn-cs"/>
+      </a:defRPr>
+    </a:lvl2pPr>
+    <a:lvl3pPr marL="914400" algn="l" defTabSz="914400" rtl="0" eaLnBrk="1" latinLnBrk="0" hangingPunct="1">
+      <a:defRPr sz="1200" kern="1200">
+        <a:solidFill>
+          <a:schemeClr val="tx1"/>
+        </a:solidFill>
+        <a:latin typeface="+mn-lt"/>
+        <a:ea typeface="+mn-ea"/>
+        <a:cs typeface="+mn-cs"/>
+      </a:defRPr>
+    </a:lvl3pPr>
+    <a:lvl4pPr marL="1371600" algn="l" defTabSz="914400" rtl="0" eaLnBrk="1" latinLnBrk="0" hangingPunct="1">
+      <a:defRPr sz="1200" kern="1200">
+        <a:solidFill>
+          <a:schemeClr val="tx1"/>
+        </a:solidFill>
+        <a:latin typeface="+mn-lt"/>
+        <a:ea typeface="+mn-ea"/>
+        <a:cs typeface="+mn-cs"/>
+      </a:defRPr>
+    </a:lvl4pPr>
+    <a:lvl5pPr marL="1828800" algn="l" defTabSz="914400" rtl="0" eaLnBrk="1" latinLnBrk="0" hangingPunct="1">
+      <a:defRPr sz="1200" kern="1200">
+        <a:solidFill>
+          <a:schemeClr val="tx1"/>
+        </a:solidFill>
+        <a:latin typeface="+mn-lt"/>
+        <a:ea typeface="+mn-ea"/>
+        <a:cs typeface="+mn-cs"/>
+      </a:defRPr>
+    </a:lvl5pPr>
+    <a:lvl6pPr marL="2286000" algn="l" defTabSz="914400" rtl="0" eaLnBrk="1" latinLnBrk="0" hangingPunct="1">
+      <a:defRPr sz="1200" kern="1200">
+        <a:solidFill>
+          <a:schemeClr val="tx1"/>
+        </a:solidFill>
+        <a:latin typeface="+mn-lt"/>
+        <a:ea typeface="+mn-ea"/>
+        <a:cs typeface="+mn-cs"/>
+      </a:defRPr>
+    </a:lvl6pPr>
+    <a:lvl7pPr marL="2743200" algn="l" defTabSz="914400" rtl="0" eaLnBrk="1" latinLnBrk="0" hangingPunct="1">
+      <a:defRPr sz="1200" kern="1200">
+        <a:solidFill>
+          <a:schemeClr val="tx1"/>
+        </a:solidFill>
+        <a:latin typeface="+mn-lt"/>
+        <a:ea typeface="+mn-ea"/>
+        <a:cs typeface="+mn-cs"/>
+      </a:defRPr>
+    </a:lvl7pPr>
+    <a:lvl8pPr marL="3200400" algn="l" defTabSz="914400" rtl="0" eaLnBrk="1" latinLnBrk="0" hangingPunct="1">
+      <a:defRPr sz="1200" kern="1200">
+        <a:solidFill>
+          <a:schemeClr val="tx1"/>
+        </a:solidFill>
+        <a:latin typeface="+mn-lt"/>
+        <a:ea typeface="+mn-ea"/>
+        <a:cs typeface="+mn-cs"/>
+      </a:defRPr>
+    </a:lvl8pPr>
+    <a:lvl9pPr marL="3657600" algn="l" defTabSz="914400" rtl="0" eaLnBrk="1" latinLnBrk="0" hangingPunct="1">
+      <a:defRPr sz="1200" kern="1200">
+        <a:solidFill>
+          <a:schemeClr val="tx1"/>
+        </a:solidFill>
+        <a:latin typeface="+mn-lt"/>
+        <a:ea typeface="+mn-ea"/>
+        <a:cs typeface="+mn-cs"/>
+      </a:defRPr>
+    </a:lvl9pPr>
+  </p:notesStyle>
+</p:notesMaster>
+</file>
+
+<file path=ppt/notesSlides/notesSlide1.xml><?xml version="1.0" encoding="utf-8"?>
+<p:notes xmlns:a="http://schemas.openxmlformats.org/drawingml/2006/main" xmlns:r="http://schemas.openxmlformats.org/officeDocument/2006/relationships" xmlns:p="http://schemas.openxmlformats.org/presentationml/2006/main">
+  <p:cSld>
+    <p:spTree>
+      <p:nvGrpSpPr>
+        <p:cNvPr id="1" name=""/>
+        <p:cNvGrpSpPr/>
+        <p:nvPr/>
+      </p:nvGrpSpPr>
+      <p:grpSpPr>
+        <a:xfrm>
+          <a:off x="0" y="0"/>
+          <a:ext cx="0" cy="0"/>
+          <a:chOff x="0" y="0"/>
+          <a:chExt cx="0" cy="0"/>
+        </a:xfrm>
+      </p:grpSpPr>
+      <p:sp>
+        <p:nvSpPr>
+          <p:cNvPr id="2" name="Slide Image Placeholder 1"/>
+          <p:cNvSpPr>
+            <a:spLocks noGrp="1" noRot="1" noChangeAspect="1"/>
+          </p:cNvSpPr>
+          <p:nvPr>
+            <p:ph type="sldImg"/>
+          </p:nvPr>
+        </p:nvSpPr>
+        <p:spPr/>
+      </p:sp>
+      <p:sp>
+        <p:nvSpPr>
+          <p:cNvPr id="3" name="Notes Placeholder 2"/>
+          <p:cNvSpPr>
+            <a:spLocks noGrp="1"/>
+          </p:cNvSpPr>
+          <p:nvPr>
+            <p:ph type="body" idx="1"/>
+          </p:nvPr>
+        </p:nvSpPr>
+        <p:spPr/>
+        <p:txBody>
+          <a:bodyPr/>
+          <a:lstStyle/>
+          <a:p>
+            <a:endParaRPr lang="en-US" dirty="0"/>
+          </a:p>
+        </p:txBody>
+      </p:sp>
+      <p:sp>
+        <p:nvSpPr>
+          <p:cNvPr id="4" name="Slide Number Placeholder 3"/>
+          <p:cNvSpPr>
+            <a:spLocks noGrp="1"/>
+          </p:cNvSpPr>
+          <p:nvPr>
+            <p:ph type="sldNum" sz="quarter" idx="5"/>
+          </p:nvPr>
+        </p:nvSpPr>
+        <p:spPr/>
+        <p:txBody>
+          <a:bodyPr/>
+          <a:lstStyle/>
+          <a:p>
+            <a:fld id="{0E7B42CC-9E8D-4AA4-B409-5CEE25226DCF}" type="slidenum">
+              <a:rPr lang="en-US" smtClean="0"/>
+              <a:t>4</a:t>
+            </a:fld>
+            <a:endParaRPr lang="en-US"/>
+          </a:p>
+        </p:txBody>
+      </p:sp>
+    </p:spTree>
+    <p:extLst>
+      <p:ext uri="{BB962C8B-B14F-4D97-AF65-F5344CB8AC3E}">
+        <p14:creationId xmlns:p14="http://schemas.microsoft.com/office/powerpoint/2010/main" val="3223407478"/>
+      </p:ext>
+    </p:extLst>
+  </p:cSld>
+  <p:clrMapOvr>
+    <a:masterClrMapping/>
+  </p:clrMapOvr>
+</p:notes>
+</file>
+
 <file path=ppt/slideLayouts/slideLayout1.xml><?xml version="1.0" encoding="utf-8"?>
 <p:sldLayout xmlns:a="http://schemas.openxmlformats.org/drawingml/2006/main" xmlns:r="http://schemas.openxmlformats.org/officeDocument/2006/relationships" xmlns:p="http://schemas.openxmlformats.org/presentationml/2006/main" type="title" preserve="1">
   <p:cSld name="Title Slide">
@@ -335,6 +971,605 @@
 </file>
 
 <file path=ppt/slideLayouts/slideLayout10.xml><?xml version="1.0" encoding="utf-8"?>
+<p:sldLayout xmlns:a="http://schemas.openxmlformats.org/drawingml/2006/main" xmlns:r="http://schemas.openxmlformats.org/officeDocument/2006/relationships" xmlns:p="http://schemas.openxmlformats.org/presentationml/2006/main" type="objTx" preserve="1">
+  <p:cSld name="Content with Caption">
+    <p:spTree>
+      <p:nvGrpSpPr>
+        <p:cNvPr id="1" name=""/>
+        <p:cNvGrpSpPr/>
+        <p:nvPr/>
+      </p:nvGrpSpPr>
+      <p:grpSpPr>
+        <a:xfrm>
+          <a:off x="0" y="0"/>
+          <a:ext cx="0" cy="0"/>
+          <a:chOff x="0" y="0"/>
+          <a:chExt cx="0" cy="0"/>
+        </a:xfrm>
+      </p:grpSpPr>
+      <p:sp>
+        <p:nvSpPr>
+          <p:cNvPr id="2" name="Title 1">
+            <a:extLst>
+              <a:ext uri="{FF2B5EF4-FFF2-40B4-BE49-F238E27FC236}">
+                <a16:creationId xmlns:a16="http://schemas.microsoft.com/office/drawing/2014/main" id="{47F4F5A8-056A-3EC7-E16D-3F53C9E3C9C6}"/>
+              </a:ext>
+            </a:extLst>
+          </p:cNvPr>
+          <p:cNvSpPr>
+            <a:spLocks noGrp="1"/>
+          </p:cNvSpPr>
+          <p:nvPr>
+            <p:ph type="title"/>
+          </p:nvPr>
+        </p:nvSpPr>
+        <p:spPr>
+          <a:xfrm>
+            <a:off x="839788" y="457200"/>
+            <a:ext cx="3932237" cy="1600200"/>
+          </a:xfrm>
+        </p:spPr>
+        <p:txBody>
+          <a:bodyPr anchor="b"/>
+          <a:lstStyle>
+            <a:lvl1pPr>
+              <a:defRPr sz="3200"/>
+            </a:lvl1pPr>
+          </a:lstStyle>
+          <a:p>
+            <a:r>
+              <a:rPr lang="en-US"/>
+              <a:t>Click to edit Master title style</a:t>
+            </a:r>
+          </a:p>
+        </p:txBody>
+      </p:sp>
+      <p:sp>
+        <p:nvSpPr>
+          <p:cNvPr id="3" name="Content Placeholder 2">
+            <a:extLst>
+              <a:ext uri="{FF2B5EF4-FFF2-40B4-BE49-F238E27FC236}">
+                <a16:creationId xmlns:a16="http://schemas.microsoft.com/office/drawing/2014/main" id="{B733DCAB-4721-5457-6B60-2FBC688E1887}"/>
+              </a:ext>
+            </a:extLst>
+          </p:cNvPr>
+          <p:cNvSpPr>
+            <a:spLocks noGrp="1"/>
+          </p:cNvSpPr>
+          <p:nvPr>
+            <p:ph idx="1"/>
+          </p:nvPr>
+        </p:nvSpPr>
+        <p:spPr>
+          <a:xfrm>
+            <a:off x="5183188" y="987425"/>
+            <a:ext cx="6172200" cy="4873625"/>
+          </a:xfrm>
+        </p:spPr>
+        <p:txBody>
+          <a:bodyPr/>
+          <a:lstStyle>
+            <a:lvl1pPr>
+              <a:defRPr sz="3200"/>
+            </a:lvl1pPr>
+            <a:lvl2pPr>
+              <a:defRPr sz="2800"/>
+            </a:lvl2pPr>
+            <a:lvl3pPr>
+              <a:defRPr sz="2400"/>
+            </a:lvl3pPr>
+            <a:lvl4pPr>
+              <a:defRPr sz="2000"/>
+            </a:lvl4pPr>
+            <a:lvl5pPr>
+              <a:defRPr sz="2000"/>
+            </a:lvl5pPr>
+            <a:lvl6pPr>
+              <a:defRPr sz="2000"/>
+            </a:lvl6pPr>
+            <a:lvl7pPr>
+              <a:defRPr sz="2000"/>
+            </a:lvl7pPr>
+            <a:lvl8pPr>
+              <a:defRPr sz="2000"/>
+            </a:lvl8pPr>
+            <a:lvl9pPr>
+              <a:defRPr sz="2000"/>
+            </a:lvl9pPr>
+          </a:lstStyle>
+          <a:p>
+            <a:pPr lvl="0"/>
+            <a:r>
+              <a:rPr lang="en-US"/>
+              <a:t>Click to edit Master text styles</a:t>
+            </a:r>
+          </a:p>
+          <a:p>
+            <a:pPr lvl="1"/>
+            <a:r>
+              <a:rPr lang="en-US"/>
+              <a:t>Second level</a:t>
+            </a:r>
+          </a:p>
+          <a:p>
+            <a:pPr lvl="2"/>
+            <a:r>
+              <a:rPr lang="en-US"/>
+              <a:t>Third level</a:t>
+            </a:r>
+          </a:p>
+          <a:p>
+            <a:pPr lvl="3"/>
+            <a:r>
+              <a:rPr lang="en-US"/>
+              <a:t>Fourth level</a:t>
+            </a:r>
+          </a:p>
+          <a:p>
+            <a:pPr lvl="4"/>
+            <a:r>
+              <a:rPr lang="en-US"/>
+              <a:t>Fifth level</a:t>
+            </a:r>
+          </a:p>
+        </p:txBody>
+      </p:sp>
+      <p:sp>
+        <p:nvSpPr>
+          <p:cNvPr id="4" name="Text Placeholder 3">
+            <a:extLst>
+              <a:ext uri="{FF2B5EF4-FFF2-40B4-BE49-F238E27FC236}">
+                <a16:creationId xmlns:a16="http://schemas.microsoft.com/office/drawing/2014/main" id="{9CE78F6F-33A0-0184-B079-E60A20A3B040}"/>
+              </a:ext>
+            </a:extLst>
+          </p:cNvPr>
+          <p:cNvSpPr>
+            <a:spLocks noGrp="1"/>
+          </p:cNvSpPr>
+          <p:nvPr>
+            <p:ph type="body" sz="half" idx="2"/>
+          </p:nvPr>
+        </p:nvSpPr>
+        <p:spPr>
+          <a:xfrm>
+            <a:off x="839788" y="2057400"/>
+            <a:ext cx="3932237" cy="3811588"/>
+          </a:xfrm>
+        </p:spPr>
+        <p:txBody>
+          <a:bodyPr/>
+          <a:lstStyle>
+            <a:lvl1pPr marL="0" indent="0">
+              <a:buNone/>
+              <a:defRPr sz="1600"/>
+            </a:lvl1pPr>
+            <a:lvl2pPr marL="457200" indent="0">
+              <a:buNone/>
+              <a:defRPr sz="1400"/>
+            </a:lvl2pPr>
+            <a:lvl3pPr marL="914400" indent="0">
+              <a:buNone/>
+              <a:defRPr sz="1200"/>
+            </a:lvl3pPr>
+            <a:lvl4pPr marL="1371600" indent="0">
+              <a:buNone/>
+              <a:defRPr sz="1000"/>
+            </a:lvl4pPr>
+            <a:lvl5pPr marL="1828800" indent="0">
+              <a:buNone/>
+              <a:defRPr sz="1000"/>
+            </a:lvl5pPr>
+            <a:lvl6pPr marL="2286000" indent="0">
+              <a:buNone/>
+              <a:defRPr sz="1000"/>
+            </a:lvl6pPr>
+            <a:lvl7pPr marL="2743200" indent="0">
+              <a:buNone/>
+              <a:defRPr sz="1000"/>
+            </a:lvl7pPr>
+            <a:lvl8pPr marL="3200400" indent="0">
+              <a:buNone/>
+              <a:defRPr sz="1000"/>
+            </a:lvl8pPr>
+            <a:lvl9pPr marL="3657600" indent="0">
+              <a:buNone/>
+              <a:defRPr sz="1000"/>
+            </a:lvl9pPr>
+          </a:lstStyle>
+          <a:p>
+            <a:pPr lvl="0"/>
+            <a:r>
+              <a:rPr lang="en-US"/>
+              <a:t>Click to edit Master text styles</a:t>
+            </a:r>
+          </a:p>
+        </p:txBody>
+      </p:sp>
+      <p:sp>
+        <p:nvSpPr>
+          <p:cNvPr id="5" name="Date Placeholder 4">
+            <a:extLst>
+              <a:ext uri="{FF2B5EF4-FFF2-40B4-BE49-F238E27FC236}">
+                <a16:creationId xmlns:a16="http://schemas.microsoft.com/office/drawing/2014/main" id="{E262BF19-3721-C668-6ADE-68E4BFB2AFA4}"/>
+              </a:ext>
+            </a:extLst>
+          </p:cNvPr>
+          <p:cNvSpPr>
+            <a:spLocks noGrp="1"/>
+          </p:cNvSpPr>
+          <p:nvPr>
+            <p:ph type="dt" sz="half" idx="10"/>
+          </p:nvPr>
+        </p:nvSpPr>
+        <p:spPr/>
+        <p:txBody>
+          <a:bodyPr/>
+          <a:lstStyle/>
+          <a:p>
+            <a:fld id="{CF7480CE-E348-4F31-ADCB-79B931D5CC13}" type="datetimeFigureOut">
+              <a:rPr lang="en-US" smtClean="0"/>
+              <a:t>2024-05-04</a:t>
+            </a:fld>
+            <a:endParaRPr lang="en-US"/>
+          </a:p>
+        </p:txBody>
+      </p:sp>
+      <p:sp>
+        <p:nvSpPr>
+          <p:cNvPr id="6" name="Footer Placeholder 5">
+            <a:extLst>
+              <a:ext uri="{FF2B5EF4-FFF2-40B4-BE49-F238E27FC236}">
+                <a16:creationId xmlns:a16="http://schemas.microsoft.com/office/drawing/2014/main" id="{006EC522-0DEC-35A1-A8B0-0B34ED26EB8A}"/>
+              </a:ext>
+            </a:extLst>
+          </p:cNvPr>
+          <p:cNvSpPr>
+            <a:spLocks noGrp="1"/>
+          </p:cNvSpPr>
+          <p:nvPr>
+            <p:ph type="ftr" sz="quarter" idx="11"/>
+          </p:nvPr>
+        </p:nvSpPr>
+        <p:spPr/>
+        <p:txBody>
+          <a:bodyPr/>
+          <a:lstStyle/>
+          <a:p>
+            <a:endParaRPr lang="en-US"/>
+          </a:p>
+        </p:txBody>
+      </p:sp>
+      <p:sp>
+        <p:nvSpPr>
+          <p:cNvPr id="7" name="Slide Number Placeholder 6">
+            <a:extLst>
+              <a:ext uri="{FF2B5EF4-FFF2-40B4-BE49-F238E27FC236}">
+                <a16:creationId xmlns:a16="http://schemas.microsoft.com/office/drawing/2014/main" id="{DC30AC4F-FE77-F092-EBE9-7069046614C5}"/>
+              </a:ext>
+            </a:extLst>
+          </p:cNvPr>
+          <p:cNvSpPr>
+            <a:spLocks noGrp="1"/>
+          </p:cNvSpPr>
+          <p:nvPr>
+            <p:ph type="sldNum" sz="quarter" idx="12"/>
+          </p:nvPr>
+        </p:nvSpPr>
+        <p:spPr/>
+        <p:txBody>
+          <a:bodyPr/>
+          <a:lstStyle/>
+          <a:p>
+            <a:fld id="{FA916E2B-9C48-440E-97F5-23A0F41587D8}" type="slidenum">
+              <a:rPr lang="en-US" smtClean="0"/>
+              <a:t>‹#›</a:t>
+            </a:fld>
+            <a:endParaRPr lang="en-US"/>
+          </a:p>
+        </p:txBody>
+      </p:sp>
+    </p:spTree>
+    <p:extLst>
+      <p:ext uri="{BB962C8B-B14F-4D97-AF65-F5344CB8AC3E}">
+        <p14:creationId xmlns:p14="http://schemas.microsoft.com/office/powerpoint/2010/main" val="1955011639"/>
+      </p:ext>
+    </p:extLst>
+  </p:cSld>
+  <p:clrMapOvr>
+    <a:masterClrMapping/>
+  </p:clrMapOvr>
+</p:sldLayout>
+</file>
+
+<file path=ppt/slideLayouts/slideLayout11.xml><?xml version="1.0" encoding="utf-8"?>
+<p:sldLayout xmlns:a="http://schemas.openxmlformats.org/drawingml/2006/main" xmlns:r="http://schemas.openxmlformats.org/officeDocument/2006/relationships" xmlns:p="http://schemas.openxmlformats.org/presentationml/2006/main" type="picTx" preserve="1">
+  <p:cSld name="Picture with Caption">
+    <p:spTree>
+      <p:nvGrpSpPr>
+        <p:cNvPr id="1" name=""/>
+        <p:cNvGrpSpPr/>
+        <p:nvPr/>
+      </p:nvGrpSpPr>
+      <p:grpSpPr>
+        <a:xfrm>
+          <a:off x="0" y="0"/>
+          <a:ext cx="0" cy="0"/>
+          <a:chOff x="0" y="0"/>
+          <a:chExt cx="0" cy="0"/>
+        </a:xfrm>
+      </p:grpSpPr>
+      <p:sp>
+        <p:nvSpPr>
+          <p:cNvPr id="2" name="Title 1">
+            <a:extLst>
+              <a:ext uri="{FF2B5EF4-FFF2-40B4-BE49-F238E27FC236}">
+                <a16:creationId xmlns:a16="http://schemas.microsoft.com/office/drawing/2014/main" id="{30E6D9CB-23AC-C86B-23E4-83E314E12062}"/>
+              </a:ext>
+            </a:extLst>
+          </p:cNvPr>
+          <p:cNvSpPr>
+            <a:spLocks noGrp="1"/>
+          </p:cNvSpPr>
+          <p:nvPr>
+            <p:ph type="title"/>
+          </p:nvPr>
+        </p:nvSpPr>
+        <p:spPr>
+          <a:xfrm>
+            <a:off x="839788" y="457200"/>
+            <a:ext cx="3932237" cy="1600200"/>
+          </a:xfrm>
+        </p:spPr>
+        <p:txBody>
+          <a:bodyPr anchor="b"/>
+          <a:lstStyle>
+            <a:lvl1pPr>
+              <a:defRPr sz="3200"/>
+            </a:lvl1pPr>
+          </a:lstStyle>
+          <a:p>
+            <a:r>
+              <a:rPr lang="en-US"/>
+              <a:t>Click to edit Master title style</a:t>
+            </a:r>
+          </a:p>
+        </p:txBody>
+      </p:sp>
+      <p:sp>
+        <p:nvSpPr>
+          <p:cNvPr id="3" name="Picture Placeholder 2">
+            <a:extLst>
+              <a:ext uri="{FF2B5EF4-FFF2-40B4-BE49-F238E27FC236}">
+                <a16:creationId xmlns:a16="http://schemas.microsoft.com/office/drawing/2014/main" id="{5383C943-23BF-CE91-B1CE-B3B517E72E07}"/>
+              </a:ext>
+            </a:extLst>
+          </p:cNvPr>
+          <p:cNvSpPr>
+            <a:spLocks noGrp="1"/>
+          </p:cNvSpPr>
+          <p:nvPr>
+            <p:ph type="pic" idx="1"/>
+          </p:nvPr>
+        </p:nvSpPr>
+        <p:spPr>
+          <a:xfrm>
+            <a:off x="5183188" y="987425"/>
+            <a:ext cx="6172200" cy="4873625"/>
+          </a:xfrm>
+        </p:spPr>
+        <p:txBody>
+          <a:bodyPr/>
+          <a:lstStyle>
+            <a:lvl1pPr marL="0" indent="0">
+              <a:buNone/>
+              <a:defRPr sz="3200"/>
+            </a:lvl1pPr>
+            <a:lvl2pPr marL="457200" indent="0">
+              <a:buNone/>
+              <a:defRPr sz="2800"/>
+            </a:lvl2pPr>
+            <a:lvl3pPr marL="914400" indent="0">
+              <a:buNone/>
+              <a:defRPr sz="2400"/>
+            </a:lvl3pPr>
+            <a:lvl4pPr marL="1371600" indent="0">
+              <a:buNone/>
+              <a:defRPr sz="2000"/>
+            </a:lvl4pPr>
+            <a:lvl5pPr marL="1828800" indent="0">
+              <a:buNone/>
+              <a:defRPr sz="2000"/>
+            </a:lvl5pPr>
+            <a:lvl6pPr marL="2286000" indent="0">
+              <a:buNone/>
+              <a:defRPr sz="2000"/>
+            </a:lvl6pPr>
+            <a:lvl7pPr marL="2743200" indent="0">
+              <a:buNone/>
+              <a:defRPr sz="2000"/>
+            </a:lvl7pPr>
+            <a:lvl8pPr marL="3200400" indent="0">
+              <a:buNone/>
+              <a:defRPr sz="2000"/>
+            </a:lvl8pPr>
+            <a:lvl9pPr marL="3657600" indent="0">
+              <a:buNone/>
+              <a:defRPr sz="2000"/>
+            </a:lvl9pPr>
+          </a:lstStyle>
+          <a:p>
+            <a:endParaRPr lang="en-US"/>
+          </a:p>
+        </p:txBody>
+      </p:sp>
+      <p:sp>
+        <p:nvSpPr>
+          <p:cNvPr id="4" name="Text Placeholder 3">
+            <a:extLst>
+              <a:ext uri="{FF2B5EF4-FFF2-40B4-BE49-F238E27FC236}">
+                <a16:creationId xmlns:a16="http://schemas.microsoft.com/office/drawing/2014/main" id="{106021B2-2EB8-788D-73A2-37B372C7569D}"/>
+              </a:ext>
+            </a:extLst>
+          </p:cNvPr>
+          <p:cNvSpPr>
+            <a:spLocks noGrp="1"/>
+          </p:cNvSpPr>
+          <p:nvPr>
+            <p:ph type="body" sz="half" idx="2"/>
+          </p:nvPr>
+        </p:nvSpPr>
+        <p:spPr>
+          <a:xfrm>
+            <a:off x="839788" y="2057400"/>
+            <a:ext cx="3932237" cy="3811588"/>
+          </a:xfrm>
+        </p:spPr>
+        <p:txBody>
+          <a:bodyPr/>
+          <a:lstStyle>
+            <a:lvl1pPr marL="0" indent="0">
+              <a:buNone/>
+              <a:defRPr sz="1600"/>
+            </a:lvl1pPr>
+            <a:lvl2pPr marL="457200" indent="0">
+              <a:buNone/>
+              <a:defRPr sz="1400"/>
+            </a:lvl2pPr>
+            <a:lvl3pPr marL="914400" indent="0">
+              <a:buNone/>
+              <a:defRPr sz="1200"/>
+            </a:lvl3pPr>
+            <a:lvl4pPr marL="1371600" indent="0">
+              <a:buNone/>
+              <a:defRPr sz="1000"/>
+            </a:lvl4pPr>
+            <a:lvl5pPr marL="1828800" indent="0">
+              <a:buNone/>
+              <a:defRPr sz="1000"/>
+            </a:lvl5pPr>
+            <a:lvl6pPr marL="2286000" indent="0">
+              <a:buNone/>
+              <a:defRPr sz="1000"/>
+            </a:lvl6pPr>
+            <a:lvl7pPr marL="2743200" indent="0">
+              <a:buNone/>
+              <a:defRPr sz="1000"/>
+            </a:lvl7pPr>
+            <a:lvl8pPr marL="3200400" indent="0">
+              <a:buNone/>
+              <a:defRPr sz="1000"/>
+            </a:lvl8pPr>
+            <a:lvl9pPr marL="3657600" indent="0">
+              <a:buNone/>
+              <a:defRPr sz="1000"/>
+            </a:lvl9pPr>
+          </a:lstStyle>
+          <a:p>
+            <a:pPr lvl="0"/>
+            <a:r>
+              <a:rPr lang="en-US"/>
+              <a:t>Click to edit Master text styles</a:t>
+            </a:r>
+          </a:p>
+        </p:txBody>
+      </p:sp>
+      <p:sp>
+        <p:nvSpPr>
+          <p:cNvPr id="5" name="Date Placeholder 4">
+            <a:extLst>
+              <a:ext uri="{FF2B5EF4-FFF2-40B4-BE49-F238E27FC236}">
+                <a16:creationId xmlns:a16="http://schemas.microsoft.com/office/drawing/2014/main" id="{55F25588-0711-3111-A586-146577994281}"/>
+              </a:ext>
+            </a:extLst>
+          </p:cNvPr>
+          <p:cNvSpPr>
+            <a:spLocks noGrp="1"/>
+          </p:cNvSpPr>
+          <p:nvPr>
+            <p:ph type="dt" sz="half" idx="10"/>
+          </p:nvPr>
+        </p:nvSpPr>
+        <p:spPr/>
+        <p:txBody>
+          <a:bodyPr/>
+          <a:lstStyle/>
+          <a:p>
+            <a:fld id="{CF7480CE-E348-4F31-ADCB-79B931D5CC13}" type="datetimeFigureOut">
+              <a:rPr lang="en-US" smtClean="0"/>
+              <a:t>2024-05-04</a:t>
+            </a:fld>
+            <a:endParaRPr lang="en-US"/>
+          </a:p>
+        </p:txBody>
+      </p:sp>
+      <p:sp>
+        <p:nvSpPr>
+          <p:cNvPr id="6" name="Footer Placeholder 5">
+            <a:extLst>
+              <a:ext uri="{FF2B5EF4-FFF2-40B4-BE49-F238E27FC236}">
+                <a16:creationId xmlns:a16="http://schemas.microsoft.com/office/drawing/2014/main" id="{F06F8AB3-7EDC-5B81-04CC-4DD864DE6544}"/>
+              </a:ext>
+            </a:extLst>
+          </p:cNvPr>
+          <p:cNvSpPr>
+            <a:spLocks noGrp="1"/>
+          </p:cNvSpPr>
+          <p:nvPr>
+            <p:ph type="ftr" sz="quarter" idx="11"/>
+          </p:nvPr>
+        </p:nvSpPr>
+        <p:spPr/>
+        <p:txBody>
+          <a:bodyPr/>
+          <a:lstStyle/>
+          <a:p>
+            <a:endParaRPr lang="en-US"/>
+          </a:p>
+        </p:txBody>
+      </p:sp>
+      <p:sp>
+        <p:nvSpPr>
+          <p:cNvPr id="7" name="Slide Number Placeholder 6">
+            <a:extLst>
+              <a:ext uri="{FF2B5EF4-FFF2-40B4-BE49-F238E27FC236}">
+                <a16:creationId xmlns:a16="http://schemas.microsoft.com/office/drawing/2014/main" id="{2D312C01-F185-2152-9288-8E1EFEA5316D}"/>
+              </a:ext>
+            </a:extLst>
+          </p:cNvPr>
+          <p:cNvSpPr>
+            <a:spLocks noGrp="1"/>
+          </p:cNvSpPr>
+          <p:nvPr>
+            <p:ph type="sldNum" sz="quarter" idx="12"/>
+          </p:nvPr>
+        </p:nvSpPr>
+        <p:spPr/>
+        <p:txBody>
+          <a:bodyPr/>
+          <a:lstStyle/>
+          <a:p>
+            <a:fld id="{FA916E2B-9C48-440E-97F5-23A0F41587D8}" type="slidenum">
+              <a:rPr lang="en-US" smtClean="0"/>
+              <a:t>‹#›</a:t>
+            </a:fld>
+            <a:endParaRPr lang="en-US"/>
+          </a:p>
+        </p:txBody>
+      </p:sp>
+    </p:spTree>
+    <p:extLst>
+      <p:ext uri="{BB962C8B-B14F-4D97-AF65-F5344CB8AC3E}">
+        <p14:creationId xmlns:p14="http://schemas.microsoft.com/office/powerpoint/2010/main" val="111641134"/>
+      </p:ext>
+    </p:extLst>
+  </p:cSld>
+  <p:clrMapOvr>
+    <a:masterClrMapping/>
+  </p:clrMapOvr>
+</p:sldLayout>
+</file>
+
+<file path=ppt/slideLayouts/slideLayout12.xml><?xml version="1.0" encoding="utf-8"?>
 <p:sldLayout xmlns:a="http://schemas.openxmlformats.org/drawingml/2006/main" xmlns:r="http://schemas.openxmlformats.org/officeDocument/2006/relationships" xmlns:p="http://schemas.openxmlformats.org/presentationml/2006/main" type="vertTx" preserve="1">
   <p:cSld name="Title and Vertical Text">
     <p:spTree>
@@ -532,7 +1767,7 @@
 </p:sldLayout>
 </file>
 
-<file path=ppt/slideLayouts/slideLayout11.xml><?xml version="1.0" encoding="utf-8"?>
+<file path=ppt/slideLayouts/slideLayout13.xml><?xml version="1.0" encoding="utf-8"?>
 <p:sldLayout xmlns:a="http://schemas.openxmlformats.org/drawingml/2006/main" xmlns:r="http://schemas.openxmlformats.org/officeDocument/2006/relationships" xmlns:p="http://schemas.openxmlformats.org/presentationml/2006/main" type="vertTitleAndTx" preserve="1">
   <p:cSld name="Vertical Title and Text">
     <p:spTree>
@@ -2145,8 +3380,8 @@
 </file>
 
 <file path=ppt/slideLayouts/slideLayout8.xml><?xml version="1.0" encoding="utf-8"?>
-<p:sldLayout xmlns:a="http://schemas.openxmlformats.org/drawingml/2006/main" xmlns:r="http://schemas.openxmlformats.org/officeDocument/2006/relationships" xmlns:p="http://schemas.openxmlformats.org/presentationml/2006/main" type="objTx" preserve="1">
-  <p:cSld name="Content with Caption">
+<p:sldLayout xmlns:a="http://schemas.openxmlformats.org/drawingml/2006/main" xmlns:r="http://schemas.openxmlformats.org/officeDocument/2006/relationships" xmlns:p="http://schemas.openxmlformats.org/presentationml/2006/main" preserve="1" userDrawn="1">
+  <p:cSld name="2_Blank">
     <p:spTree>
       <p:nvGrpSpPr>
         <p:cNvPr id="1" name=""/>
@@ -2163,10 +3398,10 @@
       </p:grpSpPr>
       <p:sp>
         <p:nvSpPr>
-          <p:cNvPr id="2" name="Title 1">
-            <a:extLst>
-              <a:ext uri="{FF2B5EF4-FFF2-40B4-BE49-F238E27FC236}">
-                <a16:creationId xmlns:a16="http://schemas.microsoft.com/office/drawing/2014/main" id="{47F4F5A8-056A-3EC7-E16D-3F53C9E3C9C6}"/>
+          <p:cNvPr id="13" name="Freeform: Shape 12">
+            <a:extLst>
+              <a:ext uri="{FF2B5EF4-FFF2-40B4-BE49-F238E27FC236}">
+                <a16:creationId xmlns:a16="http://schemas.microsoft.com/office/drawing/2014/main" id="{4669D0F7-1A5F-710E-366D-BF21CE659CB2}"/>
               </a:ext>
             </a:extLst>
           </p:cNvPr>
@@ -2174,36 +3409,101 @@
             <a:spLocks noGrp="1"/>
           </p:cNvSpPr>
           <p:nvPr>
-            <p:ph type="title"/>
+            <p:ph type="pic" sz="quarter" idx="10"/>
           </p:nvPr>
         </p:nvSpPr>
         <p:spPr>
           <a:xfrm>
-            <a:off x="839788" y="457200"/>
-            <a:ext cx="3932237" cy="1600200"/>
-          </a:xfrm>
+            <a:off x="7289096" y="-1096080"/>
+            <a:ext cx="3492288" cy="3324792"/>
+          </a:xfrm>
+          <a:custGeom>
+            <a:avLst/>
+            <a:gdLst>
+              <a:gd name="connsiteX0" fmla="*/ 990679 w 3492288"/>
+              <a:gd name="connsiteY0" fmla="*/ 0 h 3324792"/>
+              <a:gd name="connsiteX1" fmla="*/ 2977671 w 3492288"/>
+              <a:gd name="connsiteY1" fmla="*/ 314201 h 3324792"/>
+              <a:gd name="connsiteX2" fmla="*/ 3492288 w 3492288"/>
+              <a:gd name="connsiteY2" fmla="*/ 1938512 h 3324792"/>
+              <a:gd name="connsiteX3" fmla="*/ 2501608 w 3492288"/>
+              <a:gd name="connsiteY3" fmla="*/ 3324792 h 3324792"/>
+              <a:gd name="connsiteX4" fmla="*/ 514617 w 3492288"/>
+              <a:gd name="connsiteY4" fmla="*/ 3010591 h 3324792"/>
+              <a:gd name="connsiteX5" fmla="*/ 0 w 3492288"/>
+              <a:gd name="connsiteY5" fmla="*/ 1386280 h 3324792"/>
+            </a:gdLst>
+            <a:ahLst/>
+            <a:cxnLst>
+              <a:cxn ang="0">
+                <a:pos x="connsiteX0" y="connsiteY0"/>
+              </a:cxn>
+              <a:cxn ang="0">
+                <a:pos x="connsiteX1" y="connsiteY1"/>
+              </a:cxn>
+              <a:cxn ang="0">
+                <a:pos x="connsiteX2" y="connsiteY2"/>
+              </a:cxn>
+              <a:cxn ang="0">
+                <a:pos x="connsiteX3" y="connsiteY3"/>
+              </a:cxn>
+              <a:cxn ang="0">
+                <a:pos x="connsiteX4" y="connsiteY4"/>
+              </a:cxn>
+              <a:cxn ang="0">
+                <a:pos x="connsiteX5" y="connsiteY5"/>
+              </a:cxn>
+            </a:cxnLst>
+            <a:rect l="l" t="t" r="r" b="b"/>
+            <a:pathLst>
+              <a:path w="3492288" h="3324792">
+                <a:moveTo>
+                  <a:pt x="990679" y="0"/>
+                </a:moveTo>
+                <a:lnTo>
+                  <a:pt x="2977671" y="314201"/>
+                </a:lnTo>
+                <a:lnTo>
+                  <a:pt x="3492288" y="1938512"/>
+                </a:lnTo>
+                <a:lnTo>
+                  <a:pt x="2501608" y="3324792"/>
+                </a:lnTo>
+                <a:lnTo>
+                  <a:pt x="514617" y="3010591"/>
+                </a:lnTo>
+                <a:lnTo>
+                  <a:pt x="0" y="1386280"/>
+                </a:lnTo>
+                <a:close/>
+              </a:path>
+            </a:pathLst>
+          </a:custGeom>
+          <a:ln>
+            <a:solidFill>
+              <a:schemeClr val="tx1">
+                <a:lumMod val="95000"/>
+                <a:lumOff val="5000"/>
+              </a:schemeClr>
+            </a:solidFill>
+          </a:ln>
         </p:spPr>
         <p:txBody>
-          <a:bodyPr anchor="b"/>
-          <a:lstStyle>
-            <a:lvl1pPr>
-              <a:defRPr sz="3200"/>
-            </a:lvl1pPr>
-          </a:lstStyle>
-          <a:p>
-            <a:r>
-              <a:rPr lang="en-US"/>
-              <a:t>Click to edit Master title style</a:t>
-            </a:r>
+          <a:bodyPr wrap="square">
+            <a:noAutofit/>
+          </a:bodyPr>
+          <a:lstStyle/>
+          <a:p>
+            <a:endParaRPr lang="en-US"/>
           </a:p>
         </p:txBody>
       </p:sp>
       <p:sp>
         <p:nvSpPr>
-          <p:cNvPr id="3" name="Content Placeholder 2">
-            <a:extLst>
-              <a:ext uri="{FF2B5EF4-FFF2-40B4-BE49-F238E27FC236}">
-                <a16:creationId xmlns:a16="http://schemas.microsoft.com/office/drawing/2014/main" id="{B733DCAB-4721-5457-6B60-2FBC688E1887}"/>
+          <p:cNvPr id="16" name="Freeform: Shape 15">
+            <a:extLst>
+              <a:ext uri="{FF2B5EF4-FFF2-40B4-BE49-F238E27FC236}">
+                <a16:creationId xmlns:a16="http://schemas.microsoft.com/office/drawing/2014/main" id="{CEE53C41-7DCE-9658-7256-0847D74A00C4}"/>
               </a:ext>
             </a:extLst>
           </p:cNvPr>
@@ -2211,89 +3511,101 @@
             <a:spLocks noGrp="1"/>
           </p:cNvSpPr>
           <p:nvPr>
-            <p:ph idx="1"/>
+            <p:ph type="pic" sz="quarter" idx="11"/>
           </p:nvPr>
         </p:nvSpPr>
         <p:spPr>
           <a:xfrm>
-            <a:off x="5183188" y="987425"/>
-            <a:ext cx="6172200" cy="4873625"/>
-          </a:xfrm>
+            <a:off x="10458114" y="-2207334"/>
+            <a:ext cx="3492288" cy="3324792"/>
+          </a:xfrm>
+          <a:custGeom>
+            <a:avLst/>
+            <a:gdLst>
+              <a:gd name="connsiteX0" fmla="*/ 990680 w 3492288"/>
+              <a:gd name="connsiteY0" fmla="*/ 0 h 3324792"/>
+              <a:gd name="connsiteX1" fmla="*/ 2977671 w 3492288"/>
+              <a:gd name="connsiteY1" fmla="*/ 314201 h 3324792"/>
+              <a:gd name="connsiteX2" fmla="*/ 3492288 w 3492288"/>
+              <a:gd name="connsiteY2" fmla="*/ 1938512 h 3324792"/>
+              <a:gd name="connsiteX3" fmla="*/ 2501608 w 3492288"/>
+              <a:gd name="connsiteY3" fmla="*/ 3324792 h 3324792"/>
+              <a:gd name="connsiteX4" fmla="*/ 514617 w 3492288"/>
+              <a:gd name="connsiteY4" fmla="*/ 3010591 h 3324792"/>
+              <a:gd name="connsiteX5" fmla="*/ 0 w 3492288"/>
+              <a:gd name="connsiteY5" fmla="*/ 1386280 h 3324792"/>
+            </a:gdLst>
+            <a:ahLst/>
+            <a:cxnLst>
+              <a:cxn ang="0">
+                <a:pos x="connsiteX0" y="connsiteY0"/>
+              </a:cxn>
+              <a:cxn ang="0">
+                <a:pos x="connsiteX1" y="connsiteY1"/>
+              </a:cxn>
+              <a:cxn ang="0">
+                <a:pos x="connsiteX2" y="connsiteY2"/>
+              </a:cxn>
+              <a:cxn ang="0">
+                <a:pos x="connsiteX3" y="connsiteY3"/>
+              </a:cxn>
+              <a:cxn ang="0">
+                <a:pos x="connsiteX4" y="connsiteY4"/>
+              </a:cxn>
+              <a:cxn ang="0">
+                <a:pos x="connsiteX5" y="connsiteY5"/>
+              </a:cxn>
+            </a:cxnLst>
+            <a:rect l="l" t="t" r="r" b="b"/>
+            <a:pathLst>
+              <a:path w="3492288" h="3324792">
+                <a:moveTo>
+                  <a:pt x="990680" y="0"/>
+                </a:moveTo>
+                <a:lnTo>
+                  <a:pt x="2977671" y="314201"/>
+                </a:lnTo>
+                <a:lnTo>
+                  <a:pt x="3492288" y="1938512"/>
+                </a:lnTo>
+                <a:lnTo>
+                  <a:pt x="2501608" y="3324792"/>
+                </a:lnTo>
+                <a:lnTo>
+                  <a:pt x="514617" y="3010591"/>
+                </a:lnTo>
+                <a:lnTo>
+                  <a:pt x="0" y="1386280"/>
+                </a:lnTo>
+                <a:close/>
+              </a:path>
+            </a:pathLst>
+          </a:custGeom>
+          <a:ln>
+            <a:solidFill>
+              <a:schemeClr val="tx1">
+                <a:lumMod val="95000"/>
+                <a:lumOff val="5000"/>
+              </a:schemeClr>
+            </a:solidFill>
+          </a:ln>
         </p:spPr>
         <p:txBody>
-          <a:bodyPr/>
-          <a:lstStyle>
-            <a:lvl1pPr>
-              <a:defRPr sz="3200"/>
-            </a:lvl1pPr>
-            <a:lvl2pPr>
-              <a:defRPr sz="2800"/>
-            </a:lvl2pPr>
-            <a:lvl3pPr>
-              <a:defRPr sz="2400"/>
-            </a:lvl3pPr>
-            <a:lvl4pPr>
-              <a:defRPr sz="2000"/>
-            </a:lvl4pPr>
-            <a:lvl5pPr>
-              <a:defRPr sz="2000"/>
-            </a:lvl5pPr>
-            <a:lvl6pPr>
-              <a:defRPr sz="2000"/>
-            </a:lvl6pPr>
-            <a:lvl7pPr>
-              <a:defRPr sz="2000"/>
-            </a:lvl7pPr>
-            <a:lvl8pPr>
-              <a:defRPr sz="2000"/>
-            </a:lvl8pPr>
-            <a:lvl9pPr>
-              <a:defRPr sz="2000"/>
-            </a:lvl9pPr>
-          </a:lstStyle>
-          <a:p>
-            <a:pPr lvl="0"/>
-            <a:r>
-              <a:rPr lang="en-US"/>
-              <a:t>Click to edit Master text styles</a:t>
-            </a:r>
-          </a:p>
-          <a:p>
-            <a:pPr lvl="1"/>
-            <a:r>
-              <a:rPr lang="en-US"/>
-              <a:t>Second level</a:t>
-            </a:r>
-          </a:p>
-          <a:p>
-            <a:pPr lvl="2"/>
-            <a:r>
-              <a:rPr lang="en-US"/>
-              <a:t>Third level</a:t>
-            </a:r>
-          </a:p>
-          <a:p>
-            <a:pPr lvl="3"/>
-            <a:r>
-              <a:rPr lang="en-US"/>
-              <a:t>Fourth level</a:t>
-            </a:r>
-          </a:p>
-          <a:p>
-            <a:pPr lvl="4"/>
-            <a:r>
-              <a:rPr lang="en-US"/>
-              <a:t>Fifth level</a:t>
-            </a:r>
+          <a:bodyPr wrap="square">
+            <a:noAutofit/>
+          </a:bodyPr>
+          <a:lstStyle/>
+          <a:p>
+            <a:endParaRPr lang="en-US"/>
           </a:p>
         </p:txBody>
       </p:sp>
       <p:sp>
         <p:nvSpPr>
-          <p:cNvPr id="4" name="Text Placeholder 3">
-            <a:extLst>
-              <a:ext uri="{FF2B5EF4-FFF2-40B4-BE49-F238E27FC236}">
-                <a16:creationId xmlns:a16="http://schemas.microsoft.com/office/drawing/2014/main" id="{9CE78F6F-33A0-0184-B079-E60A20A3B040}"/>
+          <p:cNvPr id="19" name="Freeform: Shape 18">
+            <a:extLst>
+              <a:ext uri="{FF2B5EF4-FFF2-40B4-BE49-F238E27FC236}">
+                <a16:creationId xmlns:a16="http://schemas.microsoft.com/office/drawing/2014/main" id="{0ADA0B44-9AEF-DC7A-74C8-2B26969F0916}"/>
               </a:ext>
             </a:extLst>
           </p:cNvPr>
@@ -2301,70 +3613,101 @@
             <a:spLocks noGrp="1"/>
           </p:cNvSpPr>
           <p:nvPr>
-            <p:ph type="body" sz="half" idx="2"/>
+            <p:ph type="pic" sz="quarter" idx="12"/>
           </p:nvPr>
         </p:nvSpPr>
         <p:spPr>
           <a:xfrm>
-            <a:off x="839788" y="2057400"/>
-            <a:ext cx="3932237" cy="3811588"/>
-          </a:xfrm>
+            <a:off x="6780899" y="2117726"/>
+            <a:ext cx="3492288" cy="3324792"/>
+          </a:xfrm>
+          <a:custGeom>
+            <a:avLst/>
+            <a:gdLst>
+              <a:gd name="connsiteX0" fmla="*/ 990679 w 3492288"/>
+              <a:gd name="connsiteY0" fmla="*/ 0 h 3324792"/>
+              <a:gd name="connsiteX1" fmla="*/ 2977671 w 3492288"/>
+              <a:gd name="connsiteY1" fmla="*/ 314201 h 3324792"/>
+              <a:gd name="connsiteX2" fmla="*/ 3492288 w 3492288"/>
+              <a:gd name="connsiteY2" fmla="*/ 1938513 h 3324792"/>
+              <a:gd name="connsiteX3" fmla="*/ 2501608 w 3492288"/>
+              <a:gd name="connsiteY3" fmla="*/ 3324792 h 3324792"/>
+              <a:gd name="connsiteX4" fmla="*/ 514617 w 3492288"/>
+              <a:gd name="connsiteY4" fmla="*/ 3010591 h 3324792"/>
+              <a:gd name="connsiteX5" fmla="*/ 0 w 3492288"/>
+              <a:gd name="connsiteY5" fmla="*/ 1386280 h 3324792"/>
+            </a:gdLst>
+            <a:ahLst/>
+            <a:cxnLst>
+              <a:cxn ang="0">
+                <a:pos x="connsiteX0" y="connsiteY0"/>
+              </a:cxn>
+              <a:cxn ang="0">
+                <a:pos x="connsiteX1" y="connsiteY1"/>
+              </a:cxn>
+              <a:cxn ang="0">
+                <a:pos x="connsiteX2" y="connsiteY2"/>
+              </a:cxn>
+              <a:cxn ang="0">
+                <a:pos x="connsiteX3" y="connsiteY3"/>
+              </a:cxn>
+              <a:cxn ang="0">
+                <a:pos x="connsiteX4" y="connsiteY4"/>
+              </a:cxn>
+              <a:cxn ang="0">
+                <a:pos x="connsiteX5" y="connsiteY5"/>
+              </a:cxn>
+            </a:cxnLst>
+            <a:rect l="l" t="t" r="r" b="b"/>
+            <a:pathLst>
+              <a:path w="3492288" h="3324792">
+                <a:moveTo>
+                  <a:pt x="990679" y="0"/>
+                </a:moveTo>
+                <a:lnTo>
+                  <a:pt x="2977671" y="314201"/>
+                </a:lnTo>
+                <a:lnTo>
+                  <a:pt x="3492288" y="1938513"/>
+                </a:lnTo>
+                <a:lnTo>
+                  <a:pt x="2501608" y="3324792"/>
+                </a:lnTo>
+                <a:lnTo>
+                  <a:pt x="514617" y="3010591"/>
+                </a:lnTo>
+                <a:lnTo>
+                  <a:pt x="0" y="1386280"/>
+                </a:lnTo>
+                <a:close/>
+              </a:path>
+            </a:pathLst>
+          </a:custGeom>
+          <a:ln>
+            <a:solidFill>
+              <a:schemeClr val="tx1">
+                <a:lumMod val="95000"/>
+                <a:lumOff val="5000"/>
+              </a:schemeClr>
+            </a:solidFill>
+          </a:ln>
         </p:spPr>
         <p:txBody>
-          <a:bodyPr/>
-          <a:lstStyle>
-            <a:lvl1pPr marL="0" indent="0">
-              <a:buNone/>
-              <a:defRPr sz="1600"/>
-            </a:lvl1pPr>
-            <a:lvl2pPr marL="457200" indent="0">
-              <a:buNone/>
-              <a:defRPr sz="1400"/>
-            </a:lvl2pPr>
-            <a:lvl3pPr marL="914400" indent="0">
-              <a:buNone/>
-              <a:defRPr sz="1200"/>
-            </a:lvl3pPr>
-            <a:lvl4pPr marL="1371600" indent="0">
-              <a:buNone/>
-              <a:defRPr sz="1000"/>
-            </a:lvl4pPr>
-            <a:lvl5pPr marL="1828800" indent="0">
-              <a:buNone/>
-              <a:defRPr sz="1000"/>
-            </a:lvl5pPr>
-            <a:lvl6pPr marL="2286000" indent="0">
-              <a:buNone/>
-              <a:defRPr sz="1000"/>
-            </a:lvl6pPr>
-            <a:lvl7pPr marL="2743200" indent="0">
-              <a:buNone/>
-              <a:defRPr sz="1000"/>
-            </a:lvl7pPr>
-            <a:lvl8pPr marL="3200400" indent="0">
-              <a:buNone/>
-              <a:defRPr sz="1000"/>
-            </a:lvl8pPr>
-            <a:lvl9pPr marL="3657600" indent="0">
-              <a:buNone/>
-              <a:defRPr sz="1000"/>
-            </a:lvl9pPr>
-          </a:lstStyle>
-          <a:p>
-            <a:pPr lvl="0"/>
-            <a:r>
-              <a:rPr lang="en-US"/>
-              <a:t>Click to edit Master text styles</a:t>
-            </a:r>
+          <a:bodyPr wrap="square">
+            <a:noAutofit/>
+          </a:bodyPr>
+          <a:lstStyle/>
+          <a:p>
+            <a:endParaRPr lang="en-US"/>
           </a:p>
         </p:txBody>
       </p:sp>
       <p:sp>
         <p:nvSpPr>
-          <p:cNvPr id="5" name="Date Placeholder 4">
-            <a:extLst>
-              <a:ext uri="{FF2B5EF4-FFF2-40B4-BE49-F238E27FC236}">
-                <a16:creationId xmlns:a16="http://schemas.microsoft.com/office/drawing/2014/main" id="{E262BF19-3721-C668-6ADE-68E4BFB2AFA4}"/>
+          <p:cNvPr id="22" name="Freeform: Shape 21">
+            <a:extLst>
+              <a:ext uri="{FF2B5EF4-FFF2-40B4-BE49-F238E27FC236}">
+                <a16:creationId xmlns:a16="http://schemas.microsoft.com/office/drawing/2014/main" id="{C0EAE6D4-4B5C-ED96-E1BF-8962762AE9AA}"/>
               </a:ext>
             </a:extLst>
           </p:cNvPr>
@@ -2372,28 +3715,101 @@
             <a:spLocks noGrp="1"/>
           </p:cNvSpPr>
           <p:nvPr>
-            <p:ph type="dt" sz="half" idx="10"/>
+            <p:ph type="pic" sz="quarter" idx="13"/>
           </p:nvPr>
         </p:nvSpPr>
-        <p:spPr/>
+        <p:spPr>
+          <a:xfrm>
+            <a:off x="9949917" y="1006474"/>
+            <a:ext cx="3492288" cy="3324792"/>
+          </a:xfrm>
+          <a:custGeom>
+            <a:avLst/>
+            <a:gdLst>
+              <a:gd name="connsiteX0" fmla="*/ 990680 w 3492288"/>
+              <a:gd name="connsiteY0" fmla="*/ 0 h 3324792"/>
+              <a:gd name="connsiteX1" fmla="*/ 2977671 w 3492288"/>
+              <a:gd name="connsiteY1" fmla="*/ 314201 h 3324792"/>
+              <a:gd name="connsiteX2" fmla="*/ 3492288 w 3492288"/>
+              <a:gd name="connsiteY2" fmla="*/ 1938512 h 3324792"/>
+              <a:gd name="connsiteX3" fmla="*/ 2501608 w 3492288"/>
+              <a:gd name="connsiteY3" fmla="*/ 3324792 h 3324792"/>
+              <a:gd name="connsiteX4" fmla="*/ 514617 w 3492288"/>
+              <a:gd name="connsiteY4" fmla="*/ 3010591 h 3324792"/>
+              <a:gd name="connsiteX5" fmla="*/ 0 w 3492288"/>
+              <a:gd name="connsiteY5" fmla="*/ 1386280 h 3324792"/>
+            </a:gdLst>
+            <a:ahLst/>
+            <a:cxnLst>
+              <a:cxn ang="0">
+                <a:pos x="connsiteX0" y="connsiteY0"/>
+              </a:cxn>
+              <a:cxn ang="0">
+                <a:pos x="connsiteX1" y="connsiteY1"/>
+              </a:cxn>
+              <a:cxn ang="0">
+                <a:pos x="connsiteX2" y="connsiteY2"/>
+              </a:cxn>
+              <a:cxn ang="0">
+                <a:pos x="connsiteX3" y="connsiteY3"/>
+              </a:cxn>
+              <a:cxn ang="0">
+                <a:pos x="connsiteX4" y="connsiteY4"/>
+              </a:cxn>
+              <a:cxn ang="0">
+                <a:pos x="connsiteX5" y="connsiteY5"/>
+              </a:cxn>
+            </a:cxnLst>
+            <a:rect l="l" t="t" r="r" b="b"/>
+            <a:pathLst>
+              <a:path w="3492288" h="3324792">
+                <a:moveTo>
+                  <a:pt x="990680" y="0"/>
+                </a:moveTo>
+                <a:lnTo>
+                  <a:pt x="2977671" y="314201"/>
+                </a:lnTo>
+                <a:lnTo>
+                  <a:pt x="3492288" y="1938512"/>
+                </a:lnTo>
+                <a:lnTo>
+                  <a:pt x="2501608" y="3324792"/>
+                </a:lnTo>
+                <a:lnTo>
+                  <a:pt x="514617" y="3010591"/>
+                </a:lnTo>
+                <a:lnTo>
+                  <a:pt x="0" y="1386280"/>
+                </a:lnTo>
+                <a:close/>
+              </a:path>
+            </a:pathLst>
+          </a:custGeom>
+          <a:ln>
+            <a:solidFill>
+              <a:schemeClr val="tx1">
+                <a:lumMod val="95000"/>
+                <a:lumOff val="5000"/>
+              </a:schemeClr>
+            </a:solidFill>
+          </a:ln>
+        </p:spPr>
         <p:txBody>
-          <a:bodyPr/>
+          <a:bodyPr wrap="square">
+            <a:noAutofit/>
+          </a:bodyPr>
           <a:lstStyle/>
           <a:p>
-            <a:fld id="{CF7480CE-E348-4F31-ADCB-79B931D5CC13}" type="datetimeFigureOut">
-              <a:rPr lang="en-US" smtClean="0"/>
-              <a:t>2024-05-04</a:t>
-            </a:fld>
             <a:endParaRPr lang="en-US"/>
           </a:p>
         </p:txBody>
       </p:sp>
       <p:sp>
         <p:nvSpPr>
-          <p:cNvPr id="6" name="Footer Placeholder 5">
-            <a:extLst>
-              <a:ext uri="{FF2B5EF4-FFF2-40B4-BE49-F238E27FC236}">
-                <a16:creationId xmlns:a16="http://schemas.microsoft.com/office/drawing/2014/main" id="{006EC522-0DEC-35A1-A8B0-0B34ED26EB8A}"/>
+          <p:cNvPr id="25" name="Freeform: Shape 24">
+            <a:extLst>
+              <a:ext uri="{FF2B5EF4-FFF2-40B4-BE49-F238E27FC236}">
+                <a16:creationId xmlns:a16="http://schemas.microsoft.com/office/drawing/2014/main" id="{DAFC1D2A-C4A0-594E-EC8B-51FF755E98F3}"/>
               </a:ext>
             </a:extLst>
           </p:cNvPr>
@@ -2401,12 +3817,89 @@
             <a:spLocks noGrp="1"/>
           </p:cNvSpPr>
           <p:nvPr>
-            <p:ph type="ftr" sz="quarter" idx="11"/>
+            <p:ph type="pic" sz="quarter" idx="14"/>
           </p:nvPr>
         </p:nvSpPr>
-        <p:spPr/>
+        <p:spPr>
+          <a:xfrm>
+            <a:off x="9452432" y="4152542"/>
+            <a:ext cx="3492288" cy="3324792"/>
+          </a:xfrm>
+          <a:custGeom>
+            <a:avLst/>
+            <a:gdLst>
+              <a:gd name="connsiteX0" fmla="*/ 990680 w 3492288"/>
+              <a:gd name="connsiteY0" fmla="*/ 0 h 3324792"/>
+              <a:gd name="connsiteX1" fmla="*/ 2977671 w 3492288"/>
+              <a:gd name="connsiteY1" fmla="*/ 314201 h 3324792"/>
+              <a:gd name="connsiteX2" fmla="*/ 3492288 w 3492288"/>
+              <a:gd name="connsiteY2" fmla="*/ 1938513 h 3324792"/>
+              <a:gd name="connsiteX3" fmla="*/ 2501608 w 3492288"/>
+              <a:gd name="connsiteY3" fmla="*/ 3324792 h 3324792"/>
+              <a:gd name="connsiteX4" fmla="*/ 514617 w 3492288"/>
+              <a:gd name="connsiteY4" fmla="*/ 3010591 h 3324792"/>
+              <a:gd name="connsiteX5" fmla="*/ 0 w 3492288"/>
+              <a:gd name="connsiteY5" fmla="*/ 1386280 h 3324792"/>
+            </a:gdLst>
+            <a:ahLst/>
+            <a:cxnLst>
+              <a:cxn ang="0">
+                <a:pos x="connsiteX0" y="connsiteY0"/>
+              </a:cxn>
+              <a:cxn ang="0">
+                <a:pos x="connsiteX1" y="connsiteY1"/>
+              </a:cxn>
+              <a:cxn ang="0">
+                <a:pos x="connsiteX2" y="connsiteY2"/>
+              </a:cxn>
+              <a:cxn ang="0">
+                <a:pos x="connsiteX3" y="connsiteY3"/>
+              </a:cxn>
+              <a:cxn ang="0">
+                <a:pos x="connsiteX4" y="connsiteY4"/>
+              </a:cxn>
+              <a:cxn ang="0">
+                <a:pos x="connsiteX5" y="connsiteY5"/>
+              </a:cxn>
+            </a:cxnLst>
+            <a:rect l="l" t="t" r="r" b="b"/>
+            <a:pathLst>
+              <a:path w="3492288" h="3324792">
+                <a:moveTo>
+                  <a:pt x="990680" y="0"/>
+                </a:moveTo>
+                <a:lnTo>
+                  <a:pt x="2977671" y="314201"/>
+                </a:lnTo>
+                <a:lnTo>
+                  <a:pt x="3492288" y="1938513"/>
+                </a:lnTo>
+                <a:lnTo>
+                  <a:pt x="2501608" y="3324792"/>
+                </a:lnTo>
+                <a:lnTo>
+                  <a:pt x="514617" y="3010591"/>
+                </a:lnTo>
+                <a:lnTo>
+                  <a:pt x="0" y="1386280"/>
+                </a:lnTo>
+                <a:close/>
+              </a:path>
+            </a:pathLst>
+          </a:custGeom>
+          <a:ln>
+            <a:solidFill>
+              <a:schemeClr val="tx1">
+                <a:lumMod val="95000"/>
+                <a:lumOff val="5000"/>
+              </a:schemeClr>
+            </a:solidFill>
+          </a:ln>
+        </p:spPr>
         <p:txBody>
-          <a:bodyPr/>
+          <a:bodyPr wrap="square">
+            <a:noAutofit/>
+          </a:bodyPr>
           <a:lstStyle/>
           <a:p>
             <a:endParaRPr lang="en-US"/>
@@ -2415,10 +3908,10 @@
       </p:sp>
       <p:sp>
         <p:nvSpPr>
-          <p:cNvPr id="7" name="Slide Number Placeholder 6">
-            <a:extLst>
-              <a:ext uri="{FF2B5EF4-FFF2-40B4-BE49-F238E27FC236}">
-                <a16:creationId xmlns:a16="http://schemas.microsoft.com/office/drawing/2014/main" id="{DC30AC4F-FE77-F092-EBE9-7069046614C5}"/>
+          <p:cNvPr id="26" name="Freeform: Shape 25">
+            <a:extLst>
+              <a:ext uri="{FF2B5EF4-FFF2-40B4-BE49-F238E27FC236}">
+                <a16:creationId xmlns:a16="http://schemas.microsoft.com/office/drawing/2014/main" id="{EDA83EC9-40C9-E650-A96B-03A1ED7B973E}"/>
               </a:ext>
             </a:extLst>
           </p:cNvPr>
@@ -2426,18 +3919,91 @@
             <a:spLocks noGrp="1"/>
           </p:cNvSpPr>
           <p:nvPr>
-            <p:ph type="sldNum" sz="quarter" idx="12"/>
+            <p:ph type="pic" sz="quarter" idx="15"/>
           </p:nvPr>
         </p:nvSpPr>
-        <p:spPr/>
+        <p:spPr>
+          <a:xfrm>
+            <a:off x="6272702" y="5331532"/>
+            <a:ext cx="3492288" cy="3324792"/>
+          </a:xfrm>
+          <a:custGeom>
+            <a:avLst/>
+            <a:gdLst>
+              <a:gd name="connsiteX0" fmla="*/ 990679 w 3492288"/>
+              <a:gd name="connsiteY0" fmla="*/ 0 h 3324792"/>
+              <a:gd name="connsiteX1" fmla="*/ 2977671 w 3492288"/>
+              <a:gd name="connsiteY1" fmla="*/ 314201 h 3324792"/>
+              <a:gd name="connsiteX2" fmla="*/ 3492288 w 3492288"/>
+              <a:gd name="connsiteY2" fmla="*/ 1938513 h 3324792"/>
+              <a:gd name="connsiteX3" fmla="*/ 2501608 w 3492288"/>
+              <a:gd name="connsiteY3" fmla="*/ 3324792 h 3324792"/>
+              <a:gd name="connsiteX4" fmla="*/ 514617 w 3492288"/>
+              <a:gd name="connsiteY4" fmla="*/ 3010591 h 3324792"/>
+              <a:gd name="connsiteX5" fmla="*/ 0 w 3492288"/>
+              <a:gd name="connsiteY5" fmla="*/ 1386280 h 3324792"/>
+            </a:gdLst>
+            <a:ahLst/>
+            <a:cxnLst>
+              <a:cxn ang="0">
+                <a:pos x="connsiteX0" y="connsiteY0"/>
+              </a:cxn>
+              <a:cxn ang="0">
+                <a:pos x="connsiteX1" y="connsiteY1"/>
+              </a:cxn>
+              <a:cxn ang="0">
+                <a:pos x="connsiteX2" y="connsiteY2"/>
+              </a:cxn>
+              <a:cxn ang="0">
+                <a:pos x="connsiteX3" y="connsiteY3"/>
+              </a:cxn>
+              <a:cxn ang="0">
+                <a:pos x="connsiteX4" y="connsiteY4"/>
+              </a:cxn>
+              <a:cxn ang="0">
+                <a:pos x="connsiteX5" y="connsiteY5"/>
+              </a:cxn>
+            </a:cxnLst>
+            <a:rect l="l" t="t" r="r" b="b"/>
+            <a:pathLst>
+              <a:path w="3492288" h="3324792">
+                <a:moveTo>
+                  <a:pt x="990679" y="0"/>
+                </a:moveTo>
+                <a:lnTo>
+                  <a:pt x="2977671" y="314201"/>
+                </a:lnTo>
+                <a:lnTo>
+                  <a:pt x="3492288" y="1938513"/>
+                </a:lnTo>
+                <a:lnTo>
+                  <a:pt x="2501608" y="3324792"/>
+                </a:lnTo>
+                <a:lnTo>
+                  <a:pt x="514617" y="3010591"/>
+                </a:lnTo>
+                <a:lnTo>
+                  <a:pt x="0" y="1386280"/>
+                </a:lnTo>
+                <a:close/>
+              </a:path>
+            </a:pathLst>
+          </a:custGeom>
+          <a:ln>
+            <a:solidFill>
+              <a:schemeClr val="tx1">
+                <a:lumMod val="95000"/>
+                <a:lumOff val="5000"/>
+              </a:schemeClr>
+            </a:solidFill>
+          </a:ln>
+        </p:spPr>
         <p:txBody>
-          <a:bodyPr/>
+          <a:bodyPr wrap="square">
+            <a:noAutofit/>
+          </a:bodyPr>
           <a:lstStyle/>
           <a:p>
-            <a:fld id="{FA916E2B-9C48-440E-97F5-23A0F41587D8}" type="slidenum">
-              <a:rPr lang="en-US" smtClean="0"/>
-              <a:t>‹#›</a:t>
-            </a:fld>
             <a:endParaRPr lang="en-US"/>
           </a:p>
         </p:txBody>
@@ -2445,7 +4011,7 @@
     </p:spTree>
     <p:extLst>
       <p:ext uri="{BB962C8B-B14F-4D97-AF65-F5344CB8AC3E}">
-        <p14:creationId xmlns:p14="http://schemas.microsoft.com/office/powerpoint/2010/main" val="1955011639"/>
+        <p14:creationId xmlns:p14="http://schemas.microsoft.com/office/powerpoint/2010/main" val="3008198929"/>
       </p:ext>
     </p:extLst>
   </p:cSld>
@@ -2456,8 +4022,8 @@
 </file>
 
 <file path=ppt/slideLayouts/slideLayout9.xml><?xml version="1.0" encoding="utf-8"?>
-<p:sldLayout xmlns:a="http://schemas.openxmlformats.org/drawingml/2006/main" xmlns:r="http://schemas.openxmlformats.org/officeDocument/2006/relationships" xmlns:p="http://schemas.openxmlformats.org/presentationml/2006/main" type="picTx" preserve="1">
-  <p:cSld name="Picture with Caption">
+<p:sldLayout xmlns:a="http://schemas.openxmlformats.org/drawingml/2006/main" xmlns:r="http://schemas.openxmlformats.org/officeDocument/2006/relationships" xmlns:p="http://schemas.openxmlformats.org/presentationml/2006/main" preserve="1" userDrawn="1">
+  <p:cSld name="1_Blank">
     <p:spTree>
       <p:nvGrpSpPr>
         <p:cNvPr id="1" name=""/>
@@ -2474,10 +4040,10 @@
       </p:grpSpPr>
       <p:sp>
         <p:nvSpPr>
-          <p:cNvPr id="2" name="Title 1">
-            <a:extLst>
-              <a:ext uri="{FF2B5EF4-FFF2-40B4-BE49-F238E27FC236}">
-                <a16:creationId xmlns:a16="http://schemas.microsoft.com/office/drawing/2014/main" id="{30E6D9CB-23AC-C86B-23E4-83E314E12062}"/>
+          <p:cNvPr id="20" name="Freeform: Shape 19">
+            <a:extLst>
+              <a:ext uri="{FF2B5EF4-FFF2-40B4-BE49-F238E27FC236}">
+                <a16:creationId xmlns:a16="http://schemas.microsoft.com/office/drawing/2014/main" id="{5B396C2E-32AB-AD7D-A6AF-5BC6614A2792}"/>
               </a:ext>
             </a:extLst>
           </p:cNvPr>
@@ -2485,36 +4051,85 @@
             <a:spLocks noGrp="1"/>
           </p:cNvSpPr>
           <p:nvPr>
-            <p:ph type="title"/>
+            <p:ph type="pic" sz="quarter" idx="10"/>
           </p:nvPr>
         </p:nvSpPr>
         <p:spPr>
           <a:xfrm>
-            <a:off x="839788" y="457200"/>
-            <a:ext cx="3932237" cy="1600200"/>
-          </a:xfrm>
+            <a:off x="1498256" y="-3663488"/>
+            <a:ext cx="5552401" cy="5725236"/>
+          </a:xfrm>
+          <a:custGeom>
+            <a:avLst/>
+            <a:gdLst>
+              <a:gd name="connsiteX0" fmla="*/ 1962137 w 5552401"/>
+              <a:gd name="connsiteY0" fmla="*/ 0 h 5725236"/>
+              <a:gd name="connsiteX1" fmla="*/ 5552401 w 5552401"/>
+              <a:gd name="connsiteY1" fmla="*/ 3934996 h 5725236"/>
+              <a:gd name="connsiteX2" fmla="*/ 3590264 w 5552401"/>
+              <a:gd name="connsiteY2" fmla="*/ 5725236 h 5725236"/>
+              <a:gd name="connsiteX3" fmla="*/ 0 w 5552401"/>
+              <a:gd name="connsiteY3" fmla="*/ 1790240 h 5725236"/>
+            </a:gdLst>
+            <a:ahLst/>
+            <a:cxnLst>
+              <a:cxn ang="0">
+                <a:pos x="connsiteX0" y="connsiteY0"/>
+              </a:cxn>
+              <a:cxn ang="0">
+                <a:pos x="connsiteX1" y="connsiteY1"/>
+              </a:cxn>
+              <a:cxn ang="0">
+                <a:pos x="connsiteX2" y="connsiteY2"/>
+              </a:cxn>
+              <a:cxn ang="0">
+                <a:pos x="connsiteX3" y="connsiteY3"/>
+              </a:cxn>
+            </a:cxnLst>
+            <a:rect l="l" t="t" r="r" b="b"/>
+            <a:pathLst>
+              <a:path w="5552401" h="5725236">
+                <a:moveTo>
+                  <a:pt x="1962137" y="0"/>
+                </a:moveTo>
+                <a:lnTo>
+                  <a:pt x="5552401" y="3934996"/>
+                </a:lnTo>
+                <a:lnTo>
+                  <a:pt x="3590264" y="5725236"/>
+                </a:lnTo>
+                <a:lnTo>
+                  <a:pt x="0" y="1790240"/>
+                </a:lnTo>
+                <a:close/>
+              </a:path>
+            </a:pathLst>
+          </a:custGeom>
+          <a:ln>
+            <a:solidFill>
+              <a:schemeClr val="tx1">
+                <a:lumMod val="95000"/>
+                <a:lumOff val="5000"/>
+              </a:schemeClr>
+            </a:solidFill>
+          </a:ln>
         </p:spPr>
         <p:txBody>
-          <a:bodyPr anchor="b"/>
-          <a:lstStyle>
-            <a:lvl1pPr>
-              <a:defRPr sz="3200"/>
-            </a:lvl1pPr>
-          </a:lstStyle>
-          <a:p>
-            <a:r>
-              <a:rPr lang="en-US"/>
-              <a:t>Click to edit Master title style</a:t>
-            </a:r>
+          <a:bodyPr wrap="square">
+            <a:noAutofit/>
+          </a:bodyPr>
+          <a:lstStyle/>
+          <a:p>
+            <a:endParaRPr lang="en-US"/>
           </a:p>
         </p:txBody>
       </p:sp>
       <p:sp>
         <p:nvSpPr>
-          <p:cNvPr id="3" name="Picture Placeholder 2">
-            <a:extLst>
-              <a:ext uri="{FF2B5EF4-FFF2-40B4-BE49-F238E27FC236}">
-                <a16:creationId xmlns:a16="http://schemas.microsoft.com/office/drawing/2014/main" id="{5383C943-23BF-CE91-B1CE-B3B517E72E07}"/>
+          <p:cNvPr id="23" name="Freeform: Shape 22">
+            <a:extLst>
+              <a:ext uri="{FF2B5EF4-FFF2-40B4-BE49-F238E27FC236}">
+                <a16:creationId xmlns:a16="http://schemas.microsoft.com/office/drawing/2014/main" id="{72F04933-A3C1-EEB7-5E10-54B9C1FABA03}"/>
               </a:ext>
             </a:extLst>
           </p:cNvPr>
@@ -2522,55 +4137,74 @@
             <a:spLocks noGrp="1"/>
           </p:cNvSpPr>
           <p:nvPr>
-            <p:ph type="pic" idx="1"/>
+            <p:ph type="pic" sz="quarter" idx="11"/>
           </p:nvPr>
         </p:nvSpPr>
         <p:spPr>
           <a:xfrm>
-            <a:off x="5183188" y="987425"/>
-            <a:ext cx="6172200" cy="4873625"/>
-          </a:xfrm>
+            <a:off x="-2289971" y="-3663487"/>
+            <a:ext cx="5552401" cy="5725236"/>
+          </a:xfrm>
+          <a:custGeom>
+            <a:avLst/>
+            <a:gdLst>
+              <a:gd name="connsiteX0" fmla="*/ 1962137 w 5552401"/>
+              <a:gd name="connsiteY0" fmla="*/ 0 h 5725236"/>
+              <a:gd name="connsiteX1" fmla="*/ 5552401 w 5552401"/>
+              <a:gd name="connsiteY1" fmla="*/ 3934996 h 5725236"/>
+              <a:gd name="connsiteX2" fmla="*/ 3590264 w 5552401"/>
+              <a:gd name="connsiteY2" fmla="*/ 5725236 h 5725236"/>
+              <a:gd name="connsiteX3" fmla="*/ 0 w 5552401"/>
+              <a:gd name="connsiteY3" fmla="*/ 1790240 h 5725236"/>
+            </a:gdLst>
+            <a:ahLst/>
+            <a:cxnLst>
+              <a:cxn ang="0">
+                <a:pos x="connsiteX0" y="connsiteY0"/>
+              </a:cxn>
+              <a:cxn ang="0">
+                <a:pos x="connsiteX1" y="connsiteY1"/>
+              </a:cxn>
+              <a:cxn ang="0">
+                <a:pos x="connsiteX2" y="connsiteY2"/>
+              </a:cxn>
+              <a:cxn ang="0">
+                <a:pos x="connsiteX3" y="connsiteY3"/>
+              </a:cxn>
+            </a:cxnLst>
+            <a:rect l="l" t="t" r="r" b="b"/>
+            <a:pathLst>
+              <a:path w="5552401" h="5725236">
+                <a:moveTo>
+                  <a:pt x="1962137" y="0"/>
+                </a:moveTo>
+                <a:lnTo>
+                  <a:pt x="5552401" y="3934996"/>
+                </a:lnTo>
+                <a:lnTo>
+                  <a:pt x="3590264" y="5725236"/>
+                </a:lnTo>
+                <a:lnTo>
+                  <a:pt x="0" y="1790240"/>
+                </a:lnTo>
+                <a:close/>
+              </a:path>
+            </a:pathLst>
+          </a:custGeom>
+          <a:ln>
+            <a:solidFill>
+              <a:schemeClr val="tx1">
+                <a:lumMod val="95000"/>
+                <a:lumOff val="5000"/>
+              </a:schemeClr>
+            </a:solidFill>
+          </a:ln>
         </p:spPr>
         <p:txBody>
-          <a:bodyPr/>
-          <a:lstStyle>
-            <a:lvl1pPr marL="0" indent="0">
-              <a:buNone/>
-              <a:defRPr sz="3200"/>
-            </a:lvl1pPr>
-            <a:lvl2pPr marL="457200" indent="0">
-              <a:buNone/>
-              <a:defRPr sz="2800"/>
-            </a:lvl2pPr>
-            <a:lvl3pPr marL="914400" indent="0">
-              <a:buNone/>
-              <a:defRPr sz="2400"/>
-            </a:lvl3pPr>
-            <a:lvl4pPr marL="1371600" indent="0">
-              <a:buNone/>
-              <a:defRPr sz="2000"/>
-            </a:lvl4pPr>
-            <a:lvl5pPr marL="1828800" indent="0">
-              <a:buNone/>
-              <a:defRPr sz="2000"/>
-            </a:lvl5pPr>
-            <a:lvl6pPr marL="2286000" indent="0">
-              <a:buNone/>
-              <a:defRPr sz="2000"/>
-            </a:lvl6pPr>
-            <a:lvl7pPr marL="2743200" indent="0">
-              <a:buNone/>
-              <a:defRPr sz="2000"/>
-            </a:lvl7pPr>
-            <a:lvl8pPr marL="3200400" indent="0">
-              <a:buNone/>
-              <a:defRPr sz="2000"/>
-            </a:lvl8pPr>
-            <a:lvl9pPr marL="3657600" indent="0">
-              <a:buNone/>
-              <a:defRPr sz="2000"/>
-            </a:lvl9pPr>
-          </a:lstStyle>
+          <a:bodyPr wrap="square">
+            <a:noAutofit/>
+          </a:bodyPr>
+          <a:lstStyle/>
           <a:p>
             <a:endParaRPr lang="en-US"/>
           </a:p>
@@ -2578,10 +4212,10 @@
       </p:sp>
       <p:sp>
         <p:nvSpPr>
-          <p:cNvPr id="4" name="Text Placeholder 3">
-            <a:extLst>
-              <a:ext uri="{FF2B5EF4-FFF2-40B4-BE49-F238E27FC236}">
-                <a16:creationId xmlns:a16="http://schemas.microsoft.com/office/drawing/2014/main" id="{106021B2-2EB8-788D-73A2-37B372C7569D}"/>
+          <p:cNvPr id="27" name="Freeform: Shape 26">
+            <a:extLst>
+              <a:ext uri="{FF2B5EF4-FFF2-40B4-BE49-F238E27FC236}">
+                <a16:creationId xmlns:a16="http://schemas.microsoft.com/office/drawing/2014/main" id="{4E1D03FF-8B9A-9D5B-7112-B6F27EABA689}"/>
               </a:ext>
             </a:extLst>
           </p:cNvPr>
@@ -2589,70 +4223,85 @@
             <a:spLocks noGrp="1"/>
           </p:cNvSpPr>
           <p:nvPr>
-            <p:ph type="body" sz="half" idx="2"/>
+            <p:ph type="pic" sz="quarter" idx="12"/>
           </p:nvPr>
         </p:nvSpPr>
         <p:spPr>
           <a:xfrm>
-            <a:off x="839788" y="2057400"/>
-            <a:ext cx="3932237" cy="3811588"/>
-          </a:xfrm>
+            <a:off x="5286484" y="-3663488"/>
+            <a:ext cx="5552401" cy="5725236"/>
+          </a:xfrm>
+          <a:custGeom>
+            <a:avLst/>
+            <a:gdLst>
+              <a:gd name="connsiteX0" fmla="*/ 1962137 w 5552401"/>
+              <a:gd name="connsiteY0" fmla="*/ 0 h 5725236"/>
+              <a:gd name="connsiteX1" fmla="*/ 5552401 w 5552401"/>
+              <a:gd name="connsiteY1" fmla="*/ 3934996 h 5725236"/>
+              <a:gd name="connsiteX2" fmla="*/ 3590264 w 5552401"/>
+              <a:gd name="connsiteY2" fmla="*/ 5725236 h 5725236"/>
+              <a:gd name="connsiteX3" fmla="*/ 0 w 5552401"/>
+              <a:gd name="connsiteY3" fmla="*/ 1790240 h 5725236"/>
+            </a:gdLst>
+            <a:ahLst/>
+            <a:cxnLst>
+              <a:cxn ang="0">
+                <a:pos x="connsiteX0" y="connsiteY0"/>
+              </a:cxn>
+              <a:cxn ang="0">
+                <a:pos x="connsiteX1" y="connsiteY1"/>
+              </a:cxn>
+              <a:cxn ang="0">
+                <a:pos x="connsiteX2" y="connsiteY2"/>
+              </a:cxn>
+              <a:cxn ang="0">
+                <a:pos x="connsiteX3" y="connsiteY3"/>
+              </a:cxn>
+            </a:cxnLst>
+            <a:rect l="l" t="t" r="r" b="b"/>
+            <a:pathLst>
+              <a:path w="5552401" h="5725236">
+                <a:moveTo>
+                  <a:pt x="1962137" y="0"/>
+                </a:moveTo>
+                <a:lnTo>
+                  <a:pt x="5552401" y="3934996"/>
+                </a:lnTo>
+                <a:lnTo>
+                  <a:pt x="3590264" y="5725236"/>
+                </a:lnTo>
+                <a:lnTo>
+                  <a:pt x="0" y="1790240"/>
+                </a:lnTo>
+                <a:close/>
+              </a:path>
+            </a:pathLst>
+          </a:custGeom>
+          <a:ln>
+            <a:solidFill>
+              <a:schemeClr val="tx1">
+                <a:lumMod val="95000"/>
+                <a:lumOff val="5000"/>
+              </a:schemeClr>
+            </a:solidFill>
+          </a:ln>
         </p:spPr>
         <p:txBody>
-          <a:bodyPr/>
-          <a:lstStyle>
-            <a:lvl1pPr marL="0" indent="0">
-              <a:buNone/>
-              <a:defRPr sz="1600"/>
-            </a:lvl1pPr>
-            <a:lvl2pPr marL="457200" indent="0">
-              <a:buNone/>
-              <a:defRPr sz="1400"/>
-            </a:lvl2pPr>
-            <a:lvl3pPr marL="914400" indent="0">
-              <a:buNone/>
-              <a:defRPr sz="1200"/>
-            </a:lvl3pPr>
-            <a:lvl4pPr marL="1371600" indent="0">
-              <a:buNone/>
-              <a:defRPr sz="1000"/>
-            </a:lvl4pPr>
-            <a:lvl5pPr marL="1828800" indent="0">
-              <a:buNone/>
-              <a:defRPr sz="1000"/>
-            </a:lvl5pPr>
-            <a:lvl6pPr marL="2286000" indent="0">
-              <a:buNone/>
-              <a:defRPr sz="1000"/>
-            </a:lvl6pPr>
-            <a:lvl7pPr marL="2743200" indent="0">
-              <a:buNone/>
-              <a:defRPr sz="1000"/>
-            </a:lvl7pPr>
-            <a:lvl8pPr marL="3200400" indent="0">
-              <a:buNone/>
-              <a:defRPr sz="1000"/>
-            </a:lvl8pPr>
-            <a:lvl9pPr marL="3657600" indent="0">
-              <a:buNone/>
-              <a:defRPr sz="1000"/>
-            </a:lvl9pPr>
-          </a:lstStyle>
-          <a:p>
-            <a:pPr lvl="0"/>
-            <a:r>
-              <a:rPr lang="en-US"/>
-              <a:t>Click to edit Master text styles</a:t>
-            </a:r>
+          <a:bodyPr wrap="square">
+            <a:noAutofit/>
+          </a:bodyPr>
+          <a:lstStyle/>
+          <a:p>
+            <a:endParaRPr lang="en-US"/>
           </a:p>
         </p:txBody>
       </p:sp>
       <p:sp>
         <p:nvSpPr>
-          <p:cNvPr id="5" name="Date Placeholder 4">
-            <a:extLst>
-              <a:ext uri="{FF2B5EF4-FFF2-40B4-BE49-F238E27FC236}">
-                <a16:creationId xmlns:a16="http://schemas.microsoft.com/office/drawing/2014/main" id="{55F25588-0711-3111-A586-146577994281}"/>
+          <p:cNvPr id="30" name="Freeform: Shape 29">
+            <a:extLst>
+              <a:ext uri="{FF2B5EF4-FFF2-40B4-BE49-F238E27FC236}">
+                <a16:creationId xmlns:a16="http://schemas.microsoft.com/office/drawing/2014/main" id="{2743FDB8-4EAC-DCF3-1678-C768A887B1A6}"/>
               </a:ext>
             </a:extLst>
           </p:cNvPr>
@@ -2660,28 +4309,85 @@
             <a:spLocks noGrp="1"/>
           </p:cNvSpPr>
           <p:nvPr>
-            <p:ph type="dt" sz="half" idx="10"/>
+            <p:ph type="pic" sz="quarter" idx="13"/>
           </p:nvPr>
         </p:nvSpPr>
-        <p:spPr/>
+        <p:spPr>
+          <a:xfrm>
+            <a:off x="9081970" y="-3663488"/>
+            <a:ext cx="5552401" cy="5725236"/>
+          </a:xfrm>
+          <a:custGeom>
+            <a:avLst/>
+            <a:gdLst>
+              <a:gd name="connsiteX0" fmla="*/ 1962137 w 5552401"/>
+              <a:gd name="connsiteY0" fmla="*/ 0 h 5725236"/>
+              <a:gd name="connsiteX1" fmla="*/ 5552401 w 5552401"/>
+              <a:gd name="connsiteY1" fmla="*/ 3934996 h 5725236"/>
+              <a:gd name="connsiteX2" fmla="*/ 3590264 w 5552401"/>
+              <a:gd name="connsiteY2" fmla="*/ 5725236 h 5725236"/>
+              <a:gd name="connsiteX3" fmla="*/ 0 w 5552401"/>
+              <a:gd name="connsiteY3" fmla="*/ 1790240 h 5725236"/>
+            </a:gdLst>
+            <a:ahLst/>
+            <a:cxnLst>
+              <a:cxn ang="0">
+                <a:pos x="connsiteX0" y="connsiteY0"/>
+              </a:cxn>
+              <a:cxn ang="0">
+                <a:pos x="connsiteX1" y="connsiteY1"/>
+              </a:cxn>
+              <a:cxn ang="0">
+                <a:pos x="connsiteX2" y="connsiteY2"/>
+              </a:cxn>
+              <a:cxn ang="0">
+                <a:pos x="connsiteX3" y="connsiteY3"/>
+              </a:cxn>
+            </a:cxnLst>
+            <a:rect l="l" t="t" r="r" b="b"/>
+            <a:pathLst>
+              <a:path w="5552401" h="5725236">
+                <a:moveTo>
+                  <a:pt x="1962137" y="0"/>
+                </a:moveTo>
+                <a:lnTo>
+                  <a:pt x="5552401" y="3934996"/>
+                </a:lnTo>
+                <a:lnTo>
+                  <a:pt x="3590264" y="5725236"/>
+                </a:lnTo>
+                <a:lnTo>
+                  <a:pt x="0" y="1790240"/>
+                </a:lnTo>
+                <a:close/>
+              </a:path>
+            </a:pathLst>
+          </a:custGeom>
+          <a:ln>
+            <a:solidFill>
+              <a:schemeClr val="tx1">
+                <a:lumMod val="95000"/>
+                <a:lumOff val="5000"/>
+              </a:schemeClr>
+            </a:solidFill>
+          </a:ln>
+        </p:spPr>
         <p:txBody>
-          <a:bodyPr/>
+          <a:bodyPr wrap="square">
+            <a:noAutofit/>
+          </a:bodyPr>
           <a:lstStyle/>
           <a:p>
-            <a:fld id="{CF7480CE-E348-4F31-ADCB-79B931D5CC13}" type="datetimeFigureOut">
-              <a:rPr lang="en-US" smtClean="0"/>
-              <a:t>2024-05-04</a:t>
-            </a:fld>
             <a:endParaRPr lang="en-US"/>
           </a:p>
         </p:txBody>
       </p:sp>
       <p:sp>
         <p:nvSpPr>
-          <p:cNvPr id="6" name="Footer Placeholder 5">
-            <a:extLst>
-              <a:ext uri="{FF2B5EF4-FFF2-40B4-BE49-F238E27FC236}">
-                <a16:creationId xmlns:a16="http://schemas.microsoft.com/office/drawing/2014/main" id="{F06F8AB3-7EDC-5B81-04CC-4DD864DE6544}"/>
+          <p:cNvPr id="33" name="Freeform: Shape 32">
+            <a:extLst>
+              <a:ext uri="{FF2B5EF4-FFF2-40B4-BE49-F238E27FC236}">
+                <a16:creationId xmlns:a16="http://schemas.microsoft.com/office/drawing/2014/main" id="{22E16843-453D-1F85-B8E5-A1DA8F491F71}"/>
               </a:ext>
             </a:extLst>
           </p:cNvPr>
@@ -2689,12 +4395,73 @@
             <a:spLocks noGrp="1"/>
           </p:cNvSpPr>
           <p:nvPr>
-            <p:ph type="ftr" sz="quarter" idx="11"/>
+            <p:ph type="pic" sz="quarter" idx="14"/>
           </p:nvPr>
         </p:nvSpPr>
-        <p:spPr/>
+        <p:spPr>
+          <a:xfrm>
+            <a:off x="-2391573" y="371488"/>
+            <a:ext cx="5552401" cy="5725237"/>
+          </a:xfrm>
+          <a:custGeom>
+            <a:avLst/>
+            <a:gdLst>
+              <a:gd name="connsiteX0" fmla="*/ 1962137 w 5552401"/>
+              <a:gd name="connsiteY0" fmla="*/ 0 h 5725237"/>
+              <a:gd name="connsiteX1" fmla="*/ 5552401 w 5552401"/>
+              <a:gd name="connsiteY1" fmla="*/ 3934996 h 5725237"/>
+              <a:gd name="connsiteX2" fmla="*/ 3590264 w 5552401"/>
+              <a:gd name="connsiteY2" fmla="*/ 5725237 h 5725237"/>
+              <a:gd name="connsiteX3" fmla="*/ 0 w 5552401"/>
+              <a:gd name="connsiteY3" fmla="*/ 1790240 h 5725237"/>
+            </a:gdLst>
+            <a:ahLst/>
+            <a:cxnLst>
+              <a:cxn ang="0">
+                <a:pos x="connsiteX0" y="connsiteY0"/>
+              </a:cxn>
+              <a:cxn ang="0">
+                <a:pos x="connsiteX1" y="connsiteY1"/>
+              </a:cxn>
+              <a:cxn ang="0">
+                <a:pos x="connsiteX2" y="connsiteY2"/>
+              </a:cxn>
+              <a:cxn ang="0">
+                <a:pos x="connsiteX3" y="connsiteY3"/>
+              </a:cxn>
+            </a:cxnLst>
+            <a:rect l="l" t="t" r="r" b="b"/>
+            <a:pathLst>
+              <a:path w="5552401" h="5725237">
+                <a:moveTo>
+                  <a:pt x="1962137" y="0"/>
+                </a:moveTo>
+                <a:lnTo>
+                  <a:pt x="5552401" y="3934996"/>
+                </a:lnTo>
+                <a:lnTo>
+                  <a:pt x="3590264" y="5725237"/>
+                </a:lnTo>
+                <a:lnTo>
+                  <a:pt x="0" y="1790240"/>
+                </a:lnTo>
+                <a:close/>
+              </a:path>
+            </a:pathLst>
+          </a:custGeom>
+          <a:ln>
+            <a:solidFill>
+              <a:schemeClr val="tx1">
+                <a:lumMod val="95000"/>
+                <a:lumOff val="5000"/>
+              </a:schemeClr>
+            </a:solidFill>
+          </a:ln>
+        </p:spPr>
         <p:txBody>
-          <a:bodyPr/>
+          <a:bodyPr wrap="square">
+            <a:noAutofit/>
+          </a:bodyPr>
           <a:lstStyle/>
           <a:p>
             <a:endParaRPr lang="en-US"/>
@@ -2703,10 +4470,10 @@
       </p:sp>
       <p:sp>
         <p:nvSpPr>
-          <p:cNvPr id="7" name="Slide Number Placeholder 6">
-            <a:extLst>
-              <a:ext uri="{FF2B5EF4-FFF2-40B4-BE49-F238E27FC236}">
-                <a16:creationId xmlns:a16="http://schemas.microsoft.com/office/drawing/2014/main" id="{2D312C01-F185-2152-9288-8E1EFEA5316D}"/>
+          <p:cNvPr id="36" name="Freeform: Shape 35">
+            <a:extLst>
+              <a:ext uri="{FF2B5EF4-FFF2-40B4-BE49-F238E27FC236}">
+                <a16:creationId xmlns:a16="http://schemas.microsoft.com/office/drawing/2014/main" id="{EFD4637F-20D9-EB21-601A-924471F218AA}"/>
               </a:ext>
             </a:extLst>
           </p:cNvPr>
@@ -2714,18 +4481,591 @@
             <a:spLocks noGrp="1"/>
           </p:cNvSpPr>
           <p:nvPr>
-            <p:ph type="sldNum" sz="quarter" idx="12"/>
+            <p:ph type="pic" sz="quarter" idx="15"/>
           </p:nvPr>
         </p:nvSpPr>
-        <p:spPr/>
+        <p:spPr>
+          <a:xfrm>
+            <a:off x="1396654" y="371488"/>
+            <a:ext cx="5552401" cy="5725237"/>
+          </a:xfrm>
+          <a:custGeom>
+            <a:avLst/>
+            <a:gdLst>
+              <a:gd name="connsiteX0" fmla="*/ 1962137 w 5552401"/>
+              <a:gd name="connsiteY0" fmla="*/ 0 h 5725237"/>
+              <a:gd name="connsiteX1" fmla="*/ 5552401 w 5552401"/>
+              <a:gd name="connsiteY1" fmla="*/ 3934996 h 5725237"/>
+              <a:gd name="connsiteX2" fmla="*/ 3590264 w 5552401"/>
+              <a:gd name="connsiteY2" fmla="*/ 5725237 h 5725237"/>
+              <a:gd name="connsiteX3" fmla="*/ 0 w 5552401"/>
+              <a:gd name="connsiteY3" fmla="*/ 1790240 h 5725237"/>
+            </a:gdLst>
+            <a:ahLst/>
+            <a:cxnLst>
+              <a:cxn ang="0">
+                <a:pos x="connsiteX0" y="connsiteY0"/>
+              </a:cxn>
+              <a:cxn ang="0">
+                <a:pos x="connsiteX1" y="connsiteY1"/>
+              </a:cxn>
+              <a:cxn ang="0">
+                <a:pos x="connsiteX2" y="connsiteY2"/>
+              </a:cxn>
+              <a:cxn ang="0">
+                <a:pos x="connsiteX3" y="connsiteY3"/>
+              </a:cxn>
+            </a:cxnLst>
+            <a:rect l="l" t="t" r="r" b="b"/>
+            <a:pathLst>
+              <a:path w="5552401" h="5725237">
+                <a:moveTo>
+                  <a:pt x="1962137" y="0"/>
+                </a:moveTo>
+                <a:lnTo>
+                  <a:pt x="5552401" y="3934996"/>
+                </a:lnTo>
+                <a:lnTo>
+                  <a:pt x="3590264" y="5725237"/>
+                </a:lnTo>
+                <a:lnTo>
+                  <a:pt x="0" y="1790240"/>
+                </a:lnTo>
+                <a:close/>
+              </a:path>
+            </a:pathLst>
+          </a:custGeom>
+          <a:ln>
+            <a:solidFill>
+              <a:schemeClr val="tx1">
+                <a:lumMod val="95000"/>
+                <a:lumOff val="5000"/>
+              </a:schemeClr>
+            </a:solidFill>
+          </a:ln>
+        </p:spPr>
         <p:txBody>
-          <a:bodyPr/>
+          <a:bodyPr wrap="square">
+            <a:noAutofit/>
+          </a:bodyPr>
           <a:lstStyle/>
           <a:p>
-            <a:fld id="{FA916E2B-9C48-440E-97F5-23A0F41587D8}" type="slidenum">
-              <a:rPr lang="en-US" smtClean="0"/>
-              <a:t>‹#›</a:t>
-            </a:fld>
+            <a:endParaRPr lang="en-US"/>
+          </a:p>
+        </p:txBody>
+      </p:sp>
+      <p:sp>
+        <p:nvSpPr>
+          <p:cNvPr id="39" name="Freeform: Shape 38">
+            <a:extLst>
+              <a:ext uri="{FF2B5EF4-FFF2-40B4-BE49-F238E27FC236}">
+                <a16:creationId xmlns:a16="http://schemas.microsoft.com/office/drawing/2014/main" id="{1B09090D-91AA-E519-C317-9D7DD94A359B}"/>
+              </a:ext>
+            </a:extLst>
+          </p:cNvPr>
+          <p:cNvSpPr>
+            <a:spLocks noGrp="1"/>
+          </p:cNvSpPr>
+          <p:nvPr>
+            <p:ph type="pic" sz="quarter" idx="16"/>
+          </p:nvPr>
+        </p:nvSpPr>
+        <p:spPr>
+          <a:xfrm>
+            <a:off x="5184882" y="371488"/>
+            <a:ext cx="5552401" cy="5725237"/>
+          </a:xfrm>
+          <a:custGeom>
+            <a:avLst/>
+            <a:gdLst>
+              <a:gd name="connsiteX0" fmla="*/ 1962137 w 5552401"/>
+              <a:gd name="connsiteY0" fmla="*/ 0 h 5725237"/>
+              <a:gd name="connsiteX1" fmla="*/ 5552401 w 5552401"/>
+              <a:gd name="connsiteY1" fmla="*/ 3934996 h 5725237"/>
+              <a:gd name="connsiteX2" fmla="*/ 3590264 w 5552401"/>
+              <a:gd name="connsiteY2" fmla="*/ 5725237 h 5725237"/>
+              <a:gd name="connsiteX3" fmla="*/ 0 w 5552401"/>
+              <a:gd name="connsiteY3" fmla="*/ 1790240 h 5725237"/>
+            </a:gdLst>
+            <a:ahLst/>
+            <a:cxnLst>
+              <a:cxn ang="0">
+                <a:pos x="connsiteX0" y="connsiteY0"/>
+              </a:cxn>
+              <a:cxn ang="0">
+                <a:pos x="connsiteX1" y="connsiteY1"/>
+              </a:cxn>
+              <a:cxn ang="0">
+                <a:pos x="connsiteX2" y="connsiteY2"/>
+              </a:cxn>
+              <a:cxn ang="0">
+                <a:pos x="connsiteX3" y="connsiteY3"/>
+              </a:cxn>
+            </a:cxnLst>
+            <a:rect l="l" t="t" r="r" b="b"/>
+            <a:pathLst>
+              <a:path w="5552401" h="5725237">
+                <a:moveTo>
+                  <a:pt x="1962137" y="0"/>
+                </a:moveTo>
+                <a:lnTo>
+                  <a:pt x="5552401" y="3934996"/>
+                </a:lnTo>
+                <a:lnTo>
+                  <a:pt x="3590264" y="5725237"/>
+                </a:lnTo>
+                <a:lnTo>
+                  <a:pt x="0" y="1790240"/>
+                </a:lnTo>
+                <a:close/>
+              </a:path>
+            </a:pathLst>
+          </a:custGeom>
+          <a:ln>
+            <a:solidFill>
+              <a:schemeClr val="tx1">
+                <a:lumMod val="95000"/>
+                <a:lumOff val="5000"/>
+              </a:schemeClr>
+            </a:solidFill>
+          </a:ln>
+        </p:spPr>
+        <p:txBody>
+          <a:bodyPr wrap="square">
+            <a:noAutofit/>
+          </a:bodyPr>
+          <a:lstStyle/>
+          <a:p>
+            <a:endParaRPr lang="en-US"/>
+          </a:p>
+        </p:txBody>
+      </p:sp>
+      <p:sp>
+        <p:nvSpPr>
+          <p:cNvPr id="42" name="Freeform: Shape 41">
+            <a:extLst>
+              <a:ext uri="{FF2B5EF4-FFF2-40B4-BE49-F238E27FC236}">
+                <a16:creationId xmlns:a16="http://schemas.microsoft.com/office/drawing/2014/main" id="{941C6A3A-67CE-D3B7-5ACF-C3FE4E46D44D}"/>
+              </a:ext>
+            </a:extLst>
+          </p:cNvPr>
+          <p:cNvSpPr>
+            <a:spLocks noGrp="1"/>
+          </p:cNvSpPr>
+          <p:nvPr>
+            <p:ph type="pic" sz="quarter" idx="17"/>
+          </p:nvPr>
+        </p:nvSpPr>
+        <p:spPr>
+          <a:xfrm>
+            <a:off x="8980368" y="371488"/>
+            <a:ext cx="5552401" cy="5725237"/>
+          </a:xfrm>
+          <a:custGeom>
+            <a:avLst/>
+            <a:gdLst>
+              <a:gd name="connsiteX0" fmla="*/ 1962137 w 5552401"/>
+              <a:gd name="connsiteY0" fmla="*/ 0 h 5725237"/>
+              <a:gd name="connsiteX1" fmla="*/ 5552401 w 5552401"/>
+              <a:gd name="connsiteY1" fmla="*/ 3934996 h 5725237"/>
+              <a:gd name="connsiteX2" fmla="*/ 3590264 w 5552401"/>
+              <a:gd name="connsiteY2" fmla="*/ 5725237 h 5725237"/>
+              <a:gd name="connsiteX3" fmla="*/ 0 w 5552401"/>
+              <a:gd name="connsiteY3" fmla="*/ 1790240 h 5725237"/>
+            </a:gdLst>
+            <a:ahLst/>
+            <a:cxnLst>
+              <a:cxn ang="0">
+                <a:pos x="connsiteX0" y="connsiteY0"/>
+              </a:cxn>
+              <a:cxn ang="0">
+                <a:pos x="connsiteX1" y="connsiteY1"/>
+              </a:cxn>
+              <a:cxn ang="0">
+                <a:pos x="connsiteX2" y="connsiteY2"/>
+              </a:cxn>
+              <a:cxn ang="0">
+                <a:pos x="connsiteX3" y="connsiteY3"/>
+              </a:cxn>
+            </a:cxnLst>
+            <a:rect l="l" t="t" r="r" b="b"/>
+            <a:pathLst>
+              <a:path w="5552401" h="5725237">
+                <a:moveTo>
+                  <a:pt x="1962137" y="0"/>
+                </a:moveTo>
+                <a:lnTo>
+                  <a:pt x="5552401" y="3934996"/>
+                </a:lnTo>
+                <a:lnTo>
+                  <a:pt x="3590264" y="5725237"/>
+                </a:lnTo>
+                <a:lnTo>
+                  <a:pt x="0" y="1790240"/>
+                </a:lnTo>
+                <a:close/>
+              </a:path>
+            </a:pathLst>
+          </a:custGeom>
+          <a:ln>
+            <a:solidFill>
+              <a:schemeClr val="tx1">
+                <a:lumMod val="95000"/>
+                <a:lumOff val="5000"/>
+              </a:schemeClr>
+            </a:solidFill>
+          </a:ln>
+        </p:spPr>
+        <p:txBody>
+          <a:bodyPr wrap="square">
+            <a:noAutofit/>
+          </a:bodyPr>
+          <a:lstStyle/>
+          <a:p>
+            <a:endParaRPr lang="en-US"/>
+          </a:p>
+        </p:txBody>
+      </p:sp>
+      <p:sp>
+        <p:nvSpPr>
+          <p:cNvPr id="47" name="Freeform: Shape 46">
+            <a:extLst>
+              <a:ext uri="{FF2B5EF4-FFF2-40B4-BE49-F238E27FC236}">
+                <a16:creationId xmlns:a16="http://schemas.microsoft.com/office/drawing/2014/main" id="{FE143D30-0D08-7579-635F-04E65D83ABE3}"/>
+              </a:ext>
+            </a:extLst>
+          </p:cNvPr>
+          <p:cNvSpPr>
+            <a:spLocks noGrp="1"/>
+          </p:cNvSpPr>
+          <p:nvPr>
+            <p:ph type="pic" sz="quarter" idx="18"/>
+          </p:nvPr>
+        </p:nvSpPr>
+        <p:spPr>
+          <a:xfrm>
+            <a:off x="-2480064" y="4406463"/>
+            <a:ext cx="5552401" cy="5725237"/>
+          </a:xfrm>
+          <a:custGeom>
+            <a:avLst/>
+            <a:gdLst>
+              <a:gd name="connsiteX0" fmla="*/ 1962137 w 5552401"/>
+              <a:gd name="connsiteY0" fmla="*/ 0 h 5725237"/>
+              <a:gd name="connsiteX1" fmla="*/ 5552401 w 5552401"/>
+              <a:gd name="connsiteY1" fmla="*/ 3934996 h 5725237"/>
+              <a:gd name="connsiteX2" fmla="*/ 3590264 w 5552401"/>
+              <a:gd name="connsiteY2" fmla="*/ 5725237 h 5725237"/>
+              <a:gd name="connsiteX3" fmla="*/ 0 w 5552401"/>
+              <a:gd name="connsiteY3" fmla="*/ 1790240 h 5725237"/>
+            </a:gdLst>
+            <a:ahLst/>
+            <a:cxnLst>
+              <a:cxn ang="0">
+                <a:pos x="connsiteX0" y="connsiteY0"/>
+              </a:cxn>
+              <a:cxn ang="0">
+                <a:pos x="connsiteX1" y="connsiteY1"/>
+              </a:cxn>
+              <a:cxn ang="0">
+                <a:pos x="connsiteX2" y="connsiteY2"/>
+              </a:cxn>
+              <a:cxn ang="0">
+                <a:pos x="connsiteX3" y="connsiteY3"/>
+              </a:cxn>
+            </a:cxnLst>
+            <a:rect l="l" t="t" r="r" b="b"/>
+            <a:pathLst>
+              <a:path w="5552401" h="5725237">
+                <a:moveTo>
+                  <a:pt x="1962137" y="0"/>
+                </a:moveTo>
+                <a:lnTo>
+                  <a:pt x="5552401" y="3934996"/>
+                </a:lnTo>
+                <a:lnTo>
+                  <a:pt x="3590264" y="5725237"/>
+                </a:lnTo>
+                <a:lnTo>
+                  <a:pt x="0" y="1790240"/>
+                </a:lnTo>
+                <a:close/>
+              </a:path>
+            </a:pathLst>
+          </a:custGeom>
+          <a:ln>
+            <a:solidFill>
+              <a:schemeClr val="tx1">
+                <a:lumMod val="95000"/>
+                <a:lumOff val="5000"/>
+              </a:schemeClr>
+            </a:solidFill>
+          </a:ln>
+        </p:spPr>
+        <p:txBody>
+          <a:bodyPr wrap="square">
+            <a:noAutofit/>
+          </a:bodyPr>
+          <a:lstStyle/>
+          <a:p>
+            <a:endParaRPr lang="en-US"/>
+          </a:p>
+        </p:txBody>
+      </p:sp>
+      <p:sp>
+        <p:nvSpPr>
+          <p:cNvPr id="48" name="Freeform: Shape 47">
+            <a:extLst>
+              <a:ext uri="{FF2B5EF4-FFF2-40B4-BE49-F238E27FC236}">
+                <a16:creationId xmlns:a16="http://schemas.microsoft.com/office/drawing/2014/main" id="{28422DC1-0B01-16D6-09A0-C77E3E7B6AEC}"/>
+              </a:ext>
+            </a:extLst>
+          </p:cNvPr>
+          <p:cNvSpPr>
+            <a:spLocks noGrp="1"/>
+          </p:cNvSpPr>
+          <p:nvPr>
+            <p:ph type="pic" sz="quarter" idx="19"/>
+          </p:nvPr>
+        </p:nvSpPr>
+        <p:spPr>
+          <a:xfrm>
+            <a:off x="1308163" y="4406463"/>
+            <a:ext cx="5552401" cy="5725237"/>
+          </a:xfrm>
+          <a:custGeom>
+            <a:avLst/>
+            <a:gdLst>
+              <a:gd name="connsiteX0" fmla="*/ 1962137 w 5552401"/>
+              <a:gd name="connsiteY0" fmla="*/ 0 h 5725237"/>
+              <a:gd name="connsiteX1" fmla="*/ 5552401 w 5552401"/>
+              <a:gd name="connsiteY1" fmla="*/ 3934996 h 5725237"/>
+              <a:gd name="connsiteX2" fmla="*/ 3590264 w 5552401"/>
+              <a:gd name="connsiteY2" fmla="*/ 5725237 h 5725237"/>
+              <a:gd name="connsiteX3" fmla="*/ 0 w 5552401"/>
+              <a:gd name="connsiteY3" fmla="*/ 1790240 h 5725237"/>
+            </a:gdLst>
+            <a:ahLst/>
+            <a:cxnLst>
+              <a:cxn ang="0">
+                <a:pos x="connsiteX0" y="connsiteY0"/>
+              </a:cxn>
+              <a:cxn ang="0">
+                <a:pos x="connsiteX1" y="connsiteY1"/>
+              </a:cxn>
+              <a:cxn ang="0">
+                <a:pos x="connsiteX2" y="connsiteY2"/>
+              </a:cxn>
+              <a:cxn ang="0">
+                <a:pos x="connsiteX3" y="connsiteY3"/>
+              </a:cxn>
+            </a:cxnLst>
+            <a:rect l="l" t="t" r="r" b="b"/>
+            <a:pathLst>
+              <a:path w="5552401" h="5725237">
+                <a:moveTo>
+                  <a:pt x="1962137" y="0"/>
+                </a:moveTo>
+                <a:lnTo>
+                  <a:pt x="5552401" y="3934996"/>
+                </a:lnTo>
+                <a:lnTo>
+                  <a:pt x="3590264" y="5725237"/>
+                </a:lnTo>
+                <a:lnTo>
+                  <a:pt x="0" y="1790240"/>
+                </a:lnTo>
+                <a:close/>
+              </a:path>
+            </a:pathLst>
+          </a:custGeom>
+          <a:ln>
+            <a:solidFill>
+              <a:schemeClr val="tx1">
+                <a:lumMod val="95000"/>
+                <a:lumOff val="5000"/>
+              </a:schemeClr>
+            </a:solidFill>
+          </a:ln>
+        </p:spPr>
+        <p:txBody>
+          <a:bodyPr wrap="square">
+            <a:noAutofit/>
+          </a:bodyPr>
+          <a:lstStyle/>
+          <a:p>
+            <a:endParaRPr lang="en-US"/>
+          </a:p>
+        </p:txBody>
+      </p:sp>
+      <p:sp>
+        <p:nvSpPr>
+          <p:cNvPr id="49" name="Freeform: Shape 48">
+            <a:extLst>
+              <a:ext uri="{FF2B5EF4-FFF2-40B4-BE49-F238E27FC236}">
+                <a16:creationId xmlns:a16="http://schemas.microsoft.com/office/drawing/2014/main" id="{20135703-8476-F0F0-0226-9A9EC7CD224A}"/>
+              </a:ext>
+            </a:extLst>
+          </p:cNvPr>
+          <p:cNvSpPr>
+            <a:spLocks noGrp="1"/>
+          </p:cNvSpPr>
+          <p:nvPr>
+            <p:ph type="pic" sz="quarter" idx="20"/>
+          </p:nvPr>
+        </p:nvSpPr>
+        <p:spPr>
+          <a:xfrm>
+            <a:off x="5096391" y="4406463"/>
+            <a:ext cx="5552401" cy="5725237"/>
+          </a:xfrm>
+          <a:custGeom>
+            <a:avLst/>
+            <a:gdLst>
+              <a:gd name="connsiteX0" fmla="*/ 1962137 w 5552401"/>
+              <a:gd name="connsiteY0" fmla="*/ 0 h 5725237"/>
+              <a:gd name="connsiteX1" fmla="*/ 5552401 w 5552401"/>
+              <a:gd name="connsiteY1" fmla="*/ 3934996 h 5725237"/>
+              <a:gd name="connsiteX2" fmla="*/ 3590264 w 5552401"/>
+              <a:gd name="connsiteY2" fmla="*/ 5725237 h 5725237"/>
+              <a:gd name="connsiteX3" fmla="*/ 0 w 5552401"/>
+              <a:gd name="connsiteY3" fmla="*/ 1790240 h 5725237"/>
+            </a:gdLst>
+            <a:ahLst/>
+            <a:cxnLst>
+              <a:cxn ang="0">
+                <a:pos x="connsiteX0" y="connsiteY0"/>
+              </a:cxn>
+              <a:cxn ang="0">
+                <a:pos x="connsiteX1" y="connsiteY1"/>
+              </a:cxn>
+              <a:cxn ang="0">
+                <a:pos x="connsiteX2" y="connsiteY2"/>
+              </a:cxn>
+              <a:cxn ang="0">
+                <a:pos x="connsiteX3" y="connsiteY3"/>
+              </a:cxn>
+            </a:cxnLst>
+            <a:rect l="l" t="t" r="r" b="b"/>
+            <a:pathLst>
+              <a:path w="5552401" h="5725237">
+                <a:moveTo>
+                  <a:pt x="1962137" y="0"/>
+                </a:moveTo>
+                <a:lnTo>
+                  <a:pt x="5552401" y="3934996"/>
+                </a:lnTo>
+                <a:lnTo>
+                  <a:pt x="3590264" y="5725237"/>
+                </a:lnTo>
+                <a:lnTo>
+                  <a:pt x="0" y="1790240"/>
+                </a:lnTo>
+                <a:close/>
+              </a:path>
+            </a:pathLst>
+          </a:custGeom>
+          <a:ln>
+            <a:solidFill>
+              <a:schemeClr val="tx1">
+                <a:lumMod val="95000"/>
+                <a:lumOff val="5000"/>
+              </a:schemeClr>
+            </a:solidFill>
+          </a:ln>
+        </p:spPr>
+        <p:txBody>
+          <a:bodyPr wrap="square">
+            <a:noAutofit/>
+          </a:bodyPr>
+          <a:lstStyle/>
+          <a:p>
+            <a:endParaRPr lang="en-US"/>
+          </a:p>
+        </p:txBody>
+      </p:sp>
+      <p:sp>
+        <p:nvSpPr>
+          <p:cNvPr id="50" name="Freeform: Shape 49">
+            <a:extLst>
+              <a:ext uri="{FF2B5EF4-FFF2-40B4-BE49-F238E27FC236}">
+                <a16:creationId xmlns:a16="http://schemas.microsoft.com/office/drawing/2014/main" id="{CAF1D42B-EEEE-8184-7AA5-DC0B576400C4}"/>
+              </a:ext>
+            </a:extLst>
+          </p:cNvPr>
+          <p:cNvSpPr>
+            <a:spLocks noGrp="1"/>
+          </p:cNvSpPr>
+          <p:nvPr>
+            <p:ph type="pic" sz="quarter" idx="21"/>
+          </p:nvPr>
+        </p:nvSpPr>
+        <p:spPr>
+          <a:xfrm>
+            <a:off x="8891877" y="4406463"/>
+            <a:ext cx="5552401" cy="5725237"/>
+          </a:xfrm>
+          <a:custGeom>
+            <a:avLst/>
+            <a:gdLst>
+              <a:gd name="connsiteX0" fmla="*/ 1962137 w 5552401"/>
+              <a:gd name="connsiteY0" fmla="*/ 0 h 5725237"/>
+              <a:gd name="connsiteX1" fmla="*/ 5552401 w 5552401"/>
+              <a:gd name="connsiteY1" fmla="*/ 3934996 h 5725237"/>
+              <a:gd name="connsiteX2" fmla="*/ 3590264 w 5552401"/>
+              <a:gd name="connsiteY2" fmla="*/ 5725237 h 5725237"/>
+              <a:gd name="connsiteX3" fmla="*/ 0 w 5552401"/>
+              <a:gd name="connsiteY3" fmla="*/ 1790240 h 5725237"/>
+            </a:gdLst>
+            <a:ahLst/>
+            <a:cxnLst>
+              <a:cxn ang="0">
+                <a:pos x="connsiteX0" y="connsiteY0"/>
+              </a:cxn>
+              <a:cxn ang="0">
+                <a:pos x="connsiteX1" y="connsiteY1"/>
+              </a:cxn>
+              <a:cxn ang="0">
+                <a:pos x="connsiteX2" y="connsiteY2"/>
+              </a:cxn>
+              <a:cxn ang="0">
+                <a:pos x="connsiteX3" y="connsiteY3"/>
+              </a:cxn>
+            </a:cxnLst>
+            <a:rect l="l" t="t" r="r" b="b"/>
+            <a:pathLst>
+              <a:path w="5552401" h="5725237">
+                <a:moveTo>
+                  <a:pt x="1962137" y="0"/>
+                </a:moveTo>
+                <a:lnTo>
+                  <a:pt x="5552401" y="3934996"/>
+                </a:lnTo>
+                <a:lnTo>
+                  <a:pt x="3590264" y="5725237"/>
+                </a:lnTo>
+                <a:lnTo>
+                  <a:pt x="0" y="1790240"/>
+                </a:lnTo>
+                <a:close/>
+              </a:path>
+            </a:pathLst>
+          </a:custGeom>
+          <a:ln>
+            <a:solidFill>
+              <a:schemeClr val="tx1">
+                <a:lumMod val="95000"/>
+                <a:lumOff val="5000"/>
+              </a:schemeClr>
+            </a:solidFill>
+          </a:ln>
+        </p:spPr>
+        <p:txBody>
+          <a:bodyPr wrap="square">
+            <a:noAutofit/>
+          </a:bodyPr>
+          <a:lstStyle/>
+          <a:p>
             <a:endParaRPr lang="en-US"/>
           </a:p>
         </p:txBody>
@@ -2733,7 +5073,7 @@
     </p:spTree>
     <p:extLst>
       <p:ext uri="{BB962C8B-B14F-4D97-AF65-F5344CB8AC3E}">
-        <p14:creationId xmlns:p14="http://schemas.microsoft.com/office/powerpoint/2010/main" val="111641134"/>
+        <p14:creationId xmlns:p14="http://schemas.microsoft.com/office/powerpoint/2010/main" val="2577633303"/>
       </p:ext>
     </p:extLst>
   </p:cSld>
@@ -3023,10 +5363,12 @@
     <p:sldLayoutId id="2147483653" r:id="rId5"/>
     <p:sldLayoutId id="2147483654" r:id="rId6"/>
     <p:sldLayoutId id="2147483655" r:id="rId7"/>
-    <p:sldLayoutId id="2147483656" r:id="rId8"/>
-    <p:sldLayoutId id="2147483657" r:id="rId9"/>
-    <p:sldLayoutId id="2147483658" r:id="rId10"/>
-    <p:sldLayoutId id="2147483659" r:id="rId11"/>
+    <p:sldLayoutId id="2147483661" r:id="rId8"/>
+    <p:sldLayoutId id="2147483660" r:id="rId9"/>
+    <p:sldLayoutId id="2147483656" r:id="rId10"/>
+    <p:sldLayoutId id="2147483657" r:id="rId11"/>
+    <p:sldLayoutId id="2147483658" r:id="rId12"/>
+    <p:sldLayoutId id="2147483659" r:id="rId13"/>
   </p:sldLayoutIdLst>
   <p:txStyles>
     <p:titleStyle>
@@ -3391,9 +5733,17 @@
 </p:sld>
 </file>
 
-<file path=ppt/slides/slide2.xml><?xml version="1.0" encoding="utf-8"?>
+<file path=ppt/slides/slide10.xml><?xml version="1.0" encoding="utf-8"?>
 <p:sld xmlns:a="http://schemas.openxmlformats.org/drawingml/2006/main" xmlns:r="http://schemas.openxmlformats.org/officeDocument/2006/relationships" xmlns:p="http://schemas.openxmlformats.org/presentationml/2006/main">
   <p:cSld>
+    <p:bg>
+      <p:bgPr>
+        <a:solidFill>
+          <a:srgbClr val="E69936"/>
+        </a:solidFill>
+        <a:effectLst/>
+      </p:bgPr>
+    </p:bg>
     <p:spTree>
       <p:nvGrpSpPr>
         <p:cNvPr id="1" name=""/>
@@ -3522,6 +5872,499 @@
         </p:blipFill>
         <p:spPr>
           <a:xfrm>
+            <a:off x="9019283" y="4663819"/>
+            <a:ext cx="1451404" cy="815902"/>
+          </a:xfrm>
+          <a:prstGeom prst="rect">
+            <a:avLst/>
+          </a:prstGeom>
+        </p:spPr>
+      </p:pic>
+      <p:pic>
+        <p:nvPicPr>
+          <p:cNvPr id="8" name="Graphic 7" descr="Marker">
+            <a:extLst>
+              <a:ext uri="{FF2B5EF4-FFF2-40B4-BE49-F238E27FC236}">
+                <a16:creationId xmlns:a16="http://schemas.microsoft.com/office/drawing/2014/main" id="{D11F031D-04D8-E342-CFEB-CBF0107B7E6A}"/>
+              </a:ext>
+            </a:extLst>
+          </p:cNvPr>
+          <p:cNvPicPr>
+            <a:picLocks noChangeAspect="1"/>
+          </p:cNvPicPr>
+          <p:nvPr/>
+        </p:nvPicPr>
+        <p:blipFill>
+          <a:blip r:embed="rId4">
+            <a:extLst>
+              <a:ext uri="{28A0092B-C50C-407E-A947-70E740481C1C}">
+                <a14:useLocalDpi xmlns:a14="http://schemas.microsoft.com/office/drawing/2010/main" val="0"/>
+              </a:ext>
+              <a:ext uri="{96DAC541-7B7A-43D3-8B79-37D633B846F1}">
+                <asvg:svgBlip xmlns:asvg="http://schemas.microsoft.com/office/drawing/2016/SVG/main" r:embed="rId5"/>
+              </a:ext>
+            </a:extLst>
+          </a:blip>
+          <a:stretch>
+            <a:fillRect/>
+          </a:stretch>
+        </p:blipFill>
+        <p:spPr>
+          <a:xfrm>
+            <a:off x="10113296" y="1893453"/>
+            <a:ext cx="1011383" cy="1011383"/>
+          </a:xfrm>
+          <a:prstGeom prst="rect">
+            <a:avLst/>
+          </a:prstGeom>
+        </p:spPr>
+      </p:pic>
+      <p:pic>
+        <p:nvPicPr>
+          <p:cNvPr id="9" name="Graphic 8" descr="Marker">
+            <a:extLst>
+              <a:ext uri="{FF2B5EF4-FFF2-40B4-BE49-F238E27FC236}">
+                <a16:creationId xmlns:a16="http://schemas.microsoft.com/office/drawing/2014/main" id="{6BD5986C-0C1A-FBD8-7A33-D9C8AA4482BF}"/>
+              </a:ext>
+            </a:extLst>
+          </p:cNvPr>
+          <p:cNvPicPr>
+            <a:picLocks noChangeAspect="1"/>
+          </p:cNvPicPr>
+          <p:nvPr/>
+        </p:nvPicPr>
+        <p:blipFill>
+          <a:blip r:embed="rId6">
+            <a:extLst>
+              <a:ext uri="{28A0092B-C50C-407E-A947-70E740481C1C}">
+                <a14:useLocalDpi xmlns:a14="http://schemas.microsoft.com/office/drawing/2010/main" val="0"/>
+              </a:ext>
+              <a:ext uri="{96DAC541-7B7A-43D3-8B79-37D633B846F1}">
+                <asvg:svgBlip xmlns:asvg="http://schemas.microsoft.com/office/drawing/2016/SVG/main" r:embed="rId7"/>
+              </a:ext>
+            </a:extLst>
+          </a:blip>
+          <a:stretch>
+            <a:fillRect/>
+          </a:stretch>
+        </p:blipFill>
+        <p:spPr>
+          <a:xfrm>
+            <a:off x="3395506" y="615009"/>
+            <a:ext cx="1011383" cy="1011383"/>
+          </a:xfrm>
+          <a:prstGeom prst="rect">
+            <a:avLst/>
+          </a:prstGeom>
+        </p:spPr>
+      </p:pic>
+      <p:pic>
+        <p:nvPicPr>
+          <p:cNvPr id="10" name="Graphic 9" descr="Marker">
+            <a:extLst>
+              <a:ext uri="{FF2B5EF4-FFF2-40B4-BE49-F238E27FC236}">
+                <a16:creationId xmlns:a16="http://schemas.microsoft.com/office/drawing/2014/main" id="{0B14C3D5-494B-9877-3389-2043D2D586FD}"/>
+              </a:ext>
+            </a:extLst>
+          </p:cNvPr>
+          <p:cNvPicPr>
+            <a:picLocks noChangeAspect="1"/>
+          </p:cNvPicPr>
+          <p:nvPr/>
+        </p:nvPicPr>
+        <p:blipFill>
+          <a:blip r:embed="rId8">
+            <a:extLst>
+              <a:ext uri="{28A0092B-C50C-407E-A947-70E740481C1C}">
+                <a14:useLocalDpi xmlns:a14="http://schemas.microsoft.com/office/drawing/2010/main" val="0"/>
+              </a:ext>
+              <a:ext uri="{96DAC541-7B7A-43D3-8B79-37D633B846F1}">
+                <asvg:svgBlip xmlns:asvg="http://schemas.microsoft.com/office/drawing/2016/SVG/main" r:embed="rId9"/>
+              </a:ext>
+            </a:extLst>
+          </a:blip>
+          <a:stretch>
+            <a:fillRect/>
+          </a:stretch>
+        </p:blipFill>
+        <p:spPr>
+          <a:xfrm>
+            <a:off x="8513592" y="3851563"/>
+            <a:ext cx="1011383" cy="1011383"/>
+          </a:xfrm>
+          <a:prstGeom prst="rect">
+            <a:avLst/>
+          </a:prstGeom>
+        </p:spPr>
+      </p:pic>
+      <p:pic>
+        <p:nvPicPr>
+          <p:cNvPr id="11" name="Graphic 10" descr="Marker">
+            <a:extLst>
+              <a:ext uri="{FF2B5EF4-FFF2-40B4-BE49-F238E27FC236}">
+                <a16:creationId xmlns:a16="http://schemas.microsoft.com/office/drawing/2014/main" id="{A788E96A-9755-28DA-610C-81A45A4D5040}"/>
+              </a:ext>
+            </a:extLst>
+          </p:cNvPr>
+          <p:cNvPicPr>
+            <a:picLocks noChangeAspect="1"/>
+          </p:cNvPicPr>
+          <p:nvPr/>
+        </p:nvPicPr>
+        <p:blipFill>
+          <a:blip r:embed="rId8">
+            <a:extLst>
+              <a:ext uri="{28A0092B-C50C-407E-A947-70E740481C1C}">
+                <a14:useLocalDpi xmlns:a14="http://schemas.microsoft.com/office/drawing/2010/main" val="0"/>
+              </a:ext>
+              <a:ext uri="{96DAC541-7B7A-43D3-8B79-37D633B846F1}">
+                <asvg:svgBlip xmlns:asvg="http://schemas.microsoft.com/office/drawing/2016/SVG/main" r:embed="rId9"/>
+              </a:ext>
+            </a:extLst>
+          </a:blip>
+          <a:stretch>
+            <a:fillRect/>
+          </a:stretch>
+        </p:blipFill>
+        <p:spPr>
+          <a:xfrm>
+            <a:off x="5818910" y="2181559"/>
+            <a:ext cx="1011383" cy="1011383"/>
+          </a:xfrm>
+          <a:prstGeom prst="rect">
+            <a:avLst/>
+          </a:prstGeom>
+        </p:spPr>
+      </p:pic>
+      <p:pic>
+        <p:nvPicPr>
+          <p:cNvPr id="12" name="Graphic 11" descr="Marker">
+            <a:extLst>
+              <a:ext uri="{FF2B5EF4-FFF2-40B4-BE49-F238E27FC236}">
+                <a16:creationId xmlns:a16="http://schemas.microsoft.com/office/drawing/2014/main" id="{F2C76ED5-787D-998D-5388-202CD7D5830E}"/>
+              </a:ext>
+            </a:extLst>
+          </p:cNvPr>
+          <p:cNvPicPr>
+            <a:picLocks noChangeAspect="1"/>
+          </p:cNvPicPr>
+          <p:nvPr/>
+        </p:nvPicPr>
+        <p:blipFill>
+          <a:blip r:embed="rId8">
+            <a:extLst>
+              <a:ext uri="{28A0092B-C50C-407E-A947-70E740481C1C}">
+                <a14:useLocalDpi xmlns:a14="http://schemas.microsoft.com/office/drawing/2010/main" val="0"/>
+              </a:ext>
+              <a:ext uri="{96DAC541-7B7A-43D3-8B79-37D633B846F1}">
+                <asvg:svgBlip xmlns:asvg="http://schemas.microsoft.com/office/drawing/2016/SVG/main" r:embed="rId9"/>
+              </a:ext>
+            </a:extLst>
+          </a:blip>
+          <a:stretch>
+            <a:fillRect/>
+          </a:stretch>
+        </p:blipFill>
+        <p:spPr>
+          <a:xfrm>
+            <a:off x="995192" y="3547216"/>
+            <a:ext cx="1011383" cy="1011383"/>
+          </a:xfrm>
+          <a:prstGeom prst="rect">
+            <a:avLst/>
+          </a:prstGeom>
+        </p:spPr>
+      </p:pic>
+    </p:spTree>
+    <p:extLst>
+      <p:ext uri="{BB962C8B-B14F-4D97-AF65-F5344CB8AC3E}">
+        <p14:creationId xmlns:p14="http://schemas.microsoft.com/office/powerpoint/2010/main" val="3030412425"/>
+      </p:ext>
+    </p:extLst>
+  </p:cSld>
+  <p:clrMapOvr>
+    <a:masterClrMapping/>
+  </p:clrMapOvr>
+  <p:timing>
+    <p:tnLst>
+      <p:par>
+        <p:cTn id="1" dur="indefinite" restart="never" nodeType="tmRoot">
+          <p:childTnLst>
+            <p:seq concurrent="1" nextAc="seek">
+              <p:cTn id="2" dur="indefinite" nodeType="mainSeq">
+                <p:childTnLst>
+                  <p:par>
+                    <p:cTn id="3" fill="hold">
+                      <p:stCondLst>
+                        <p:cond delay="indefinite"/>
+                      </p:stCondLst>
+                      <p:childTnLst>
+                        <p:par>
+                          <p:cTn id="4" fill="hold">
+                            <p:stCondLst>
+                              <p:cond delay="0"/>
+                            </p:stCondLst>
+                            <p:childTnLst>
+                              <p:par>
+                                <p:cTn id="5" presetID="63" presetClass="path" presetSubtype="0" accel="50000" decel="50000" fill="hold" nodeType="clickEffect">
+                                  <p:stCondLst>
+                                    <p:cond delay="0"/>
+                                  </p:stCondLst>
+                                  <p:childTnLst>
+                                    <p:animMotion origin="layout" path="M 1.25E-6 -3.33333E-6 L 0.2793 -3.33333E-6 " pathEditMode="relative" rAng="0" ptsTypes="AA">
+                                      <p:cBhvr>
+                                        <p:cTn id="6" dur="2000" fill="hold"/>
+                                        <p:tgtEl>
+                                          <p:spTgt spid="6"/>
+                                        </p:tgtEl>
+                                        <p:attrNameLst>
+                                          <p:attrName>ppt_x</p:attrName>
+                                          <p:attrName>ppt_y</p:attrName>
+                                        </p:attrNameLst>
+                                      </p:cBhvr>
+                                      <p:rCtr x="13958" y="0"/>
+                                    </p:animMotion>
+                                  </p:childTnLst>
+                                </p:cTn>
+                              </p:par>
+                            </p:childTnLst>
+                          </p:cTn>
+                        </p:par>
+                      </p:childTnLst>
+                    </p:cTn>
+                  </p:par>
+                </p:childTnLst>
+              </p:cTn>
+              <p:prevCondLst>
+                <p:cond evt="onPrev" delay="0">
+                  <p:tgtEl>
+                    <p:sldTgt/>
+                  </p:tgtEl>
+                </p:cond>
+              </p:prevCondLst>
+              <p:nextCondLst>
+                <p:cond evt="onNext" delay="0">
+                  <p:tgtEl>
+                    <p:sldTgt/>
+                  </p:tgtEl>
+                </p:cond>
+              </p:nextCondLst>
+            </p:seq>
+          </p:childTnLst>
+        </p:cTn>
+      </p:par>
+    </p:tnLst>
+  </p:timing>
+</p:sld>
+</file>
+
+<file path=ppt/slides/slide11.xml><?xml version="1.0" encoding="utf-8"?>
+<p:sld xmlns:a="http://schemas.openxmlformats.org/drawingml/2006/main" xmlns:r="http://schemas.openxmlformats.org/officeDocument/2006/relationships" xmlns:p="http://schemas.openxmlformats.org/presentationml/2006/main">
+  <p:cSld>
+    <p:spTree>
+      <p:nvGrpSpPr>
+        <p:cNvPr id="1" name=""/>
+        <p:cNvGrpSpPr/>
+        <p:nvPr/>
+      </p:nvGrpSpPr>
+      <p:grpSpPr>
+        <a:xfrm>
+          <a:off x="0" y="0"/>
+          <a:ext cx="0" cy="0"/>
+          <a:chOff x="0" y="0"/>
+          <a:chExt cx="0" cy="0"/>
+        </a:xfrm>
+      </p:grpSpPr>
+      <p:sp>
+        <p:nvSpPr>
+          <p:cNvPr id="2" name="TextBox 1">
+            <a:extLst>
+              <a:ext uri="{FF2B5EF4-FFF2-40B4-BE49-F238E27FC236}">
+                <a16:creationId xmlns:a16="http://schemas.microsoft.com/office/drawing/2014/main" id="{90BEC0E3-54F9-89B8-30CC-20ADF5A4ECA4}"/>
+              </a:ext>
+            </a:extLst>
+          </p:cNvPr>
+          <p:cNvSpPr txBox="1"/>
+          <p:nvPr/>
+        </p:nvSpPr>
+        <p:spPr>
+          <a:xfrm>
+            <a:off x="3102015" y="2442258"/>
+            <a:ext cx="5648446" cy="861774"/>
+          </a:xfrm>
+          <a:prstGeom prst="rect">
+            <a:avLst/>
+          </a:prstGeom>
+          <a:noFill/>
+        </p:spPr>
+        <p:txBody>
+          <a:bodyPr wrap="square" rtlCol="0">
+            <a:spAutoFit/>
+          </a:bodyPr>
+          <a:lstStyle/>
+          <a:p>
+            <a:pPr algn="ctr"/>
+            <a:r>
+              <a:rPr lang="en-US" sz="5000" dirty="0">
+                <a:latin typeface="Bahnschrift" panose="020B0502040204020203" pitchFamily="34" charset="0"/>
+              </a:rPr>
+              <a:t>END</a:t>
+            </a:r>
+          </a:p>
+        </p:txBody>
+      </p:sp>
+    </p:spTree>
+    <p:extLst>
+      <p:ext uri="{BB962C8B-B14F-4D97-AF65-F5344CB8AC3E}">
+        <p14:creationId xmlns:p14="http://schemas.microsoft.com/office/powerpoint/2010/main" val="1417756463"/>
+      </p:ext>
+    </p:extLst>
+  </p:cSld>
+  <p:clrMapOvr>
+    <a:masterClrMapping/>
+  </p:clrMapOvr>
+</p:sld>
+</file>
+
+<file path=ppt/slides/slide2.xml><?xml version="1.0" encoding="utf-8"?>
+<p:sld xmlns:a="http://schemas.openxmlformats.org/drawingml/2006/main" xmlns:r="http://schemas.openxmlformats.org/officeDocument/2006/relationships" xmlns:p="http://schemas.openxmlformats.org/presentationml/2006/main">
+  <p:cSld>
+    <p:bg>
+      <p:bgPr>
+        <a:solidFill>
+          <a:srgbClr val="E69936"/>
+        </a:solidFill>
+        <a:effectLst/>
+      </p:bgPr>
+    </p:bg>
+    <p:spTree>
+      <p:nvGrpSpPr>
+        <p:cNvPr id="1" name=""/>
+        <p:cNvGrpSpPr/>
+        <p:nvPr/>
+      </p:nvGrpSpPr>
+      <p:grpSpPr>
+        <a:xfrm>
+          <a:off x="0" y="0"/>
+          <a:ext cx="0" cy="0"/>
+          <a:chOff x="0" y="0"/>
+          <a:chExt cx="0" cy="0"/>
+        </a:xfrm>
+      </p:grpSpPr>
+      <p:pic>
+        <p:nvPicPr>
+          <p:cNvPr id="3" name="Picture 2">
+            <a:extLst>
+              <a:ext uri="{FF2B5EF4-FFF2-40B4-BE49-F238E27FC236}">
+                <a16:creationId xmlns:a16="http://schemas.microsoft.com/office/drawing/2014/main" id="{E0902B6B-27CA-75C3-F0B0-777BA7DC26B4}"/>
+              </a:ext>
+            </a:extLst>
+          </p:cNvPr>
+          <p:cNvPicPr>
+            <a:picLocks noChangeAspect="1"/>
+          </p:cNvPicPr>
+          <p:nvPr/>
+        </p:nvPicPr>
+        <p:blipFill>
+          <a:blip r:embed="rId2">
+            <a:extLst>
+              <a:ext uri="{28A0092B-C50C-407E-A947-70E740481C1C}">
+                <a14:useLocalDpi xmlns:a14="http://schemas.microsoft.com/office/drawing/2010/main" val="0"/>
+              </a:ext>
+            </a:extLst>
+          </a:blip>
+          <a:stretch>
+            <a:fillRect/>
+          </a:stretch>
+        </p:blipFill>
+        <p:spPr>
+          <a:xfrm>
+            <a:off x="0" y="0"/>
+            <a:ext cx="12192000" cy="6857999"/>
+          </a:xfrm>
+          <a:prstGeom prst="rect">
+            <a:avLst/>
+          </a:prstGeom>
+        </p:spPr>
+      </p:pic>
+      <p:sp>
+        <p:nvSpPr>
+          <p:cNvPr id="4" name="TextBox 3">
+            <a:extLst>
+              <a:ext uri="{FF2B5EF4-FFF2-40B4-BE49-F238E27FC236}">
+                <a16:creationId xmlns:a16="http://schemas.microsoft.com/office/drawing/2014/main" id="{17C3B33E-C0E0-D55A-D3FC-91B6A2749891}"/>
+              </a:ext>
+            </a:extLst>
+          </p:cNvPr>
+          <p:cNvSpPr txBox="1"/>
+          <p:nvPr/>
+        </p:nvSpPr>
+        <p:spPr>
+          <a:xfrm>
+            <a:off x="7656945" y="5809673"/>
+            <a:ext cx="3325091" cy="707886"/>
+          </a:xfrm>
+          <a:prstGeom prst="rect">
+            <a:avLst/>
+          </a:prstGeom>
+          <a:noFill/>
+        </p:spPr>
+        <p:txBody>
+          <a:bodyPr wrap="square" rtlCol="0">
+            <a:spAutoFit/>
+          </a:bodyPr>
+          <a:lstStyle/>
+          <a:p>
+            <a:pPr algn="ctr"/>
+            <a:r>
+              <a:rPr lang="en-US" sz="4000" b="1" i="1" dirty="0">
+                <a:solidFill>
+                  <a:schemeClr val="bg1"/>
+                </a:solidFill>
+                <a:latin typeface="Comic Sans MS" panose="030F0702030302020204" pitchFamily="66" charset="0"/>
+              </a:rPr>
+              <a:t>e</a:t>
+            </a:r>
+            <a:r>
+              <a:rPr lang="en-US" sz="4000" b="1" dirty="0">
+                <a:solidFill>
+                  <a:schemeClr val="bg1"/>
+                </a:solidFill>
+                <a:latin typeface="Comic Sans MS" panose="030F0702030302020204" pitchFamily="66" charset="0"/>
+              </a:rPr>
+              <a:t>-Conductor</a:t>
+            </a:r>
+          </a:p>
+        </p:txBody>
+      </p:sp>
+      <p:pic>
+        <p:nvPicPr>
+          <p:cNvPr id="6" name="Picture 5">
+            <a:extLst>
+              <a:ext uri="{FF2B5EF4-FFF2-40B4-BE49-F238E27FC236}">
+                <a16:creationId xmlns:a16="http://schemas.microsoft.com/office/drawing/2014/main" id="{3CB9336F-37A3-E08A-1E64-4101CE44E857}"/>
+              </a:ext>
+            </a:extLst>
+          </p:cNvPr>
+          <p:cNvPicPr>
+            <a:picLocks noChangeAspect="1"/>
+          </p:cNvPicPr>
+          <p:nvPr/>
+        </p:nvPicPr>
+        <p:blipFill>
+          <a:blip r:embed="rId3">
+            <a:extLst>
+              <a:ext uri="{28A0092B-C50C-407E-A947-70E740481C1C}">
+                <a14:useLocalDpi xmlns:a14="http://schemas.microsoft.com/office/drawing/2010/main" val="0"/>
+              </a:ext>
+            </a:extLst>
+          </a:blip>
+          <a:stretch>
+            <a:fillRect/>
+          </a:stretch>
+        </p:blipFill>
+        <p:spPr>
+          <a:xfrm>
             <a:off x="182392" y="1365657"/>
             <a:ext cx="1451404" cy="815902"/>
           </a:xfrm>
@@ -3735,6 +6578,76 @@
   <p:clrMapOvr>
     <a:masterClrMapping/>
   </p:clrMapOvr>
+  <p:timing>
+    <p:tnLst>
+      <p:par>
+        <p:cTn id="1" dur="indefinite" restart="never" nodeType="tmRoot">
+          <p:childTnLst>
+            <p:seq concurrent="1" nextAc="seek">
+              <p:cTn id="2" dur="indefinite" nodeType="mainSeq">
+                <p:childTnLst>
+                  <p:par>
+                    <p:cTn id="3" fill="hold">
+                      <p:stCondLst>
+                        <p:cond delay="indefinite"/>
+                      </p:stCondLst>
+                      <p:childTnLst>
+                        <p:par>
+                          <p:cTn id="4" fill="hold">
+                            <p:stCondLst>
+                              <p:cond delay="0"/>
+                            </p:stCondLst>
+                            <p:childTnLst>
+                              <p:par>
+                                <p:cTn id="5" presetID="63" presetClass="path" presetSubtype="0" accel="50000" decel="50000" fill="hold" nodeType="clickEffect">
+                                  <p:stCondLst>
+                                    <p:cond delay="0"/>
+                                  </p:stCondLst>
+                                  <p:childTnLst>
+                                    <p:animMotion origin="layout" path="M 8.33333E-7 -4.81481E-6 L 0.20404 -4.81481E-6 " pathEditMode="relative" rAng="0" ptsTypes="AA">
+                                      <p:cBhvr>
+                                        <p:cTn id="6" dur="2000" fill="hold"/>
+                                        <p:tgtEl>
+                                          <p:spTgt spid="6"/>
+                                        </p:tgtEl>
+                                        <p:attrNameLst>
+                                          <p:attrName>ppt_x</p:attrName>
+                                          <p:attrName>ppt_y</p:attrName>
+                                        </p:attrNameLst>
+                                      </p:cBhvr>
+                                      <p:rCtr x="10195" y="0"/>
+                                    </p:animMotion>
+                                  </p:childTnLst>
+                                </p:cTn>
+                              </p:par>
+                            </p:childTnLst>
+                          </p:cTn>
+                        </p:par>
+                      </p:childTnLst>
+                    </p:cTn>
+                  </p:par>
+                </p:childTnLst>
+              </p:cTn>
+              <p:prevCondLst>
+                <p:cond evt="onPrev" delay="0">
+                  <p:tgtEl>
+                    <p:sldTgt/>
+                  </p:tgtEl>
+                </p:cond>
+              </p:prevCondLst>
+              <p:nextCondLst>
+                <p:cond evt="onNext" delay="0">
+                  <p:tgtEl>
+                    <p:sldTgt/>
+                  </p:tgtEl>
+                </p:cond>
+              </p:nextCondLst>
+            </p:seq>
+          </p:childTnLst>
+        </p:cTn>
+      </p:par>
+    </p:tnLst>
+  </p:timing>
 </p:sld>
 </file>
 
@@ -3755,952 +6668,3716 @@
           <a:chExt cx="0" cy="0"/>
         </a:xfrm>
       </p:grpSpPr>
+      <p:pic>
+        <p:nvPicPr>
+          <p:cNvPr id="9" name="Picture Placeholder 8">
+            <a:extLst>
+              <a:ext uri="{FF2B5EF4-FFF2-40B4-BE49-F238E27FC236}">
+                <a16:creationId xmlns:a16="http://schemas.microsoft.com/office/drawing/2014/main" id="{7EA692AC-04F8-3058-7E7A-567A01872DAC}"/>
+              </a:ext>
+            </a:extLst>
+          </p:cNvPr>
+          <p:cNvPicPr>
+            <a:picLocks noGrp="1" noChangeAspect="1"/>
+          </p:cNvPicPr>
+          <p:nvPr>
+            <p:ph type="pic" sz="quarter" idx="10"/>
+          </p:nvPr>
+        </p:nvPicPr>
+        <p:blipFill rotWithShape="1">
+          <a:blip r:embed="rId2">
+            <a:extLst>
+              <a:ext uri="{28A0092B-C50C-407E-A947-70E740481C1C}">
+                <a14:useLocalDpi xmlns:a14="http://schemas.microsoft.com/office/drawing/2010/main" val="0"/>
+              </a:ext>
+            </a:extLst>
+          </a:blip>
+          <a:srcRect l="1541" t="-41758" r="2552" b="3936"/>
+          <a:stretch/>
+        </p:blipFill>
+        <p:spPr>
+          <a:xfrm>
+            <a:off x="7289096" y="-1096080"/>
+            <a:ext cx="3492288" cy="3324792"/>
+          </a:xfrm>
+        </p:spPr>
+      </p:pic>
+      <p:pic>
+        <p:nvPicPr>
+          <p:cNvPr id="15" name="Picture Placeholder 14">
+            <a:extLst>
+              <a:ext uri="{FF2B5EF4-FFF2-40B4-BE49-F238E27FC236}">
+                <a16:creationId xmlns:a16="http://schemas.microsoft.com/office/drawing/2014/main" id="{03149BE1-DD07-2BC4-8877-62AA95C8CC67}"/>
+              </a:ext>
+            </a:extLst>
+          </p:cNvPr>
+          <p:cNvPicPr>
+            <a:picLocks noGrp="1" noChangeAspect="1"/>
+          </p:cNvPicPr>
+          <p:nvPr>
+            <p:ph type="pic" sz="quarter" idx="11"/>
+          </p:nvPr>
+        </p:nvPicPr>
+        <p:blipFill rotWithShape="1">
+          <a:blip r:embed="rId3">
+            <a:extLst>
+              <a:ext uri="{28A0092B-C50C-407E-A947-70E740481C1C}">
+                <a14:useLocalDpi xmlns:a14="http://schemas.microsoft.com/office/drawing/2010/main" val="0"/>
+              </a:ext>
+            </a:extLst>
+          </a:blip>
+          <a:srcRect l="41725" t="-54344" r="-31113" b="2866"/>
+          <a:stretch/>
+        </p:blipFill>
+        <p:spPr>
+          <a:xfrm>
+            <a:off x="10458114" y="-2207334"/>
+            <a:ext cx="3492288" cy="3324792"/>
+          </a:xfrm>
+        </p:spPr>
+      </p:pic>
+      <p:pic>
+        <p:nvPicPr>
+          <p:cNvPr id="11" name="Picture Placeholder 10">
+            <a:extLst>
+              <a:ext uri="{FF2B5EF4-FFF2-40B4-BE49-F238E27FC236}">
+                <a16:creationId xmlns:a16="http://schemas.microsoft.com/office/drawing/2014/main" id="{7D2884CB-A4CC-2ABC-A624-BD37D45A5873}"/>
+              </a:ext>
+            </a:extLst>
+          </p:cNvPr>
+          <p:cNvPicPr>
+            <a:picLocks noGrp="1" noChangeAspect="1"/>
+          </p:cNvPicPr>
+          <p:nvPr>
+            <p:ph type="pic" sz="quarter" idx="12"/>
+          </p:nvPr>
+        </p:nvPicPr>
+        <p:blipFill>
+          <a:blip r:embed="rId4">
+            <a:extLst>
+              <a:ext uri="{28A0092B-C50C-407E-A947-70E740481C1C}">
+                <a14:useLocalDpi xmlns:a14="http://schemas.microsoft.com/office/drawing/2010/main" val="0"/>
+              </a:ext>
+            </a:extLst>
+          </a:blip>
+          <a:srcRect l="14987" r="14987"/>
+          <a:stretch/>
+        </p:blipFill>
+        <p:spPr/>
+      </p:pic>
+      <p:pic>
+        <p:nvPicPr>
+          <p:cNvPr id="13" name="Picture Placeholder 12">
+            <a:extLst>
+              <a:ext uri="{FF2B5EF4-FFF2-40B4-BE49-F238E27FC236}">
+                <a16:creationId xmlns:a16="http://schemas.microsoft.com/office/drawing/2014/main" id="{1683F3D7-4889-A40B-F06E-380328CFCE0C}"/>
+              </a:ext>
+            </a:extLst>
+          </p:cNvPr>
+          <p:cNvPicPr>
+            <a:picLocks noGrp="1" noChangeAspect="1"/>
+          </p:cNvPicPr>
+          <p:nvPr>
+            <p:ph type="pic" sz="quarter" idx="13"/>
+          </p:nvPr>
+        </p:nvPicPr>
+        <p:blipFill rotWithShape="1">
+          <a:blip r:embed="rId5">
+            <a:extLst>
+              <a:ext uri="{28A0092B-C50C-407E-A947-70E740481C1C}">
+                <a14:useLocalDpi xmlns:a14="http://schemas.microsoft.com/office/drawing/2010/main" val="0"/>
+              </a:ext>
+            </a:extLst>
+          </a:blip>
+          <a:srcRect l="19398" t="1351" r="10239" b="7578"/>
+          <a:stretch/>
+        </p:blipFill>
+        <p:spPr>
+          <a:xfrm>
+            <a:off x="9949917" y="1006474"/>
+            <a:ext cx="3492288" cy="3324792"/>
+          </a:xfrm>
+        </p:spPr>
+      </p:pic>
+      <p:pic>
+        <p:nvPicPr>
+          <p:cNvPr id="17" name="Picture Placeholder 16">
+            <a:extLst>
+              <a:ext uri="{FF2B5EF4-FFF2-40B4-BE49-F238E27FC236}">
+                <a16:creationId xmlns:a16="http://schemas.microsoft.com/office/drawing/2014/main" id="{2FB878C5-4608-EC3A-20DC-B4055E658E5C}"/>
+              </a:ext>
+            </a:extLst>
+          </p:cNvPr>
+          <p:cNvPicPr>
+            <a:picLocks noGrp="1" noChangeAspect="1"/>
+          </p:cNvPicPr>
+          <p:nvPr>
+            <p:ph type="pic" sz="quarter" idx="14"/>
+          </p:nvPr>
+        </p:nvPicPr>
+        <p:blipFill>
+          <a:blip r:embed="rId6">
+            <a:extLst>
+              <a:ext uri="{28A0092B-C50C-407E-A947-70E740481C1C}">
+                <a14:useLocalDpi xmlns:a14="http://schemas.microsoft.com/office/drawing/2010/main" val="0"/>
+              </a:ext>
+            </a:extLst>
+          </a:blip>
+          <a:srcRect l="14979" r="14979"/>
+          <a:stretch>
+            <a:fillRect/>
+          </a:stretch>
+        </p:blipFill>
+        <p:spPr/>
+      </p:pic>
+      <p:pic>
+        <p:nvPicPr>
+          <p:cNvPr id="19" name="Picture Placeholder 18">
+            <a:extLst>
+              <a:ext uri="{FF2B5EF4-FFF2-40B4-BE49-F238E27FC236}">
+                <a16:creationId xmlns:a16="http://schemas.microsoft.com/office/drawing/2014/main" id="{B0E2F962-0FC5-712A-639A-505454185F05}"/>
+              </a:ext>
+            </a:extLst>
+          </p:cNvPr>
+          <p:cNvPicPr>
+            <a:picLocks noGrp="1" noChangeAspect="1"/>
+          </p:cNvPicPr>
+          <p:nvPr>
+            <p:ph type="pic" sz="quarter" idx="15"/>
+          </p:nvPr>
+        </p:nvPicPr>
+        <p:blipFill rotWithShape="1">
+          <a:blip r:embed="rId7">
+            <a:extLst>
+              <a:ext uri="{28A0092B-C50C-407E-A947-70E740481C1C}">
+                <a14:useLocalDpi xmlns:a14="http://schemas.microsoft.com/office/drawing/2010/main" val="0"/>
+              </a:ext>
+            </a:extLst>
+          </a:blip>
+          <a:srcRect l="3076" t="-1208" r="-820" b="-64161"/>
+          <a:stretch/>
+        </p:blipFill>
+        <p:spPr>
+          <a:xfrm>
+            <a:off x="6272702" y="5331532"/>
+            <a:ext cx="3492288" cy="3324792"/>
+          </a:xfrm>
+        </p:spPr>
+      </p:pic>
       <p:sp>
         <p:nvSpPr>
-          <p:cNvPr id="2" name="Rectangle 1">
-            <a:extLst>
-              <a:ext uri="{FF2B5EF4-FFF2-40B4-BE49-F238E27FC236}">
-                <a16:creationId xmlns:a16="http://schemas.microsoft.com/office/drawing/2014/main" id="{4D24BFD7-7786-87BC-91A7-83B8C152FCB0}"/>
-              </a:ext>
-            </a:extLst>
-          </p:cNvPr>
-          <p:cNvSpPr/>
+          <p:cNvPr id="21" name="TextBox 20">
+            <a:extLst>
+              <a:ext uri="{FF2B5EF4-FFF2-40B4-BE49-F238E27FC236}">
+                <a16:creationId xmlns:a16="http://schemas.microsoft.com/office/drawing/2014/main" id="{DD42C006-1C49-323A-59A9-3CD75C91CC96}"/>
+              </a:ext>
+            </a:extLst>
+          </p:cNvPr>
+          <p:cNvSpPr txBox="1"/>
           <p:nvPr/>
         </p:nvSpPr>
         <p:spPr>
-          <a:xfrm rot="13796657">
-            <a:off x="-1920010" y="-462970"/>
-            <a:ext cx="3971637" cy="1662545"/>
+          <a:xfrm>
+            <a:off x="619406" y="2110106"/>
+            <a:ext cx="6979920" cy="4708981"/>
           </a:xfrm>
           <a:prstGeom prst="rect">
             <a:avLst/>
           </a:prstGeom>
           <a:noFill/>
-          <a:ln>
-            <a:solidFill>
-              <a:schemeClr val="tx1"/>
-            </a:solidFill>
-          </a:ln>
-        </p:spPr>
-        <p:style>
-          <a:lnRef idx="2">
-            <a:schemeClr val="accent2">
-              <a:shade val="15000"/>
-            </a:schemeClr>
-          </a:lnRef>
-          <a:fillRef idx="1">
-            <a:schemeClr val="accent2"/>
-          </a:fillRef>
-          <a:effectRef idx="0">
-            <a:schemeClr val="accent2"/>
-          </a:effectRef>
-          <a:fontRef idx="minor">
-            <a:schemeClr val="lt1"/>
-          </a:fontRef>
-        </p:style>
+        </p:spPr>
         <p:txBody>
-          <a:bodyPr rtlCol="0" anchor="ctr"/>
+          <a:bodyPr wrap="square">
+            <a:spAutoFit/>
+          </a:bodyPr>
           <a:lstStyle/>
           <a:p>
-            <a:pPr algn="ctr"/>
-            <a:endParaRPr lang="en-US"/>
+            <a:pPr marL="685800" indent="-685800">
+              <a:buFont typeface="Wingdings" panose="05000000000000000000" pitchFamily="2" charset="2"/>
+              <a:buChar char="q"/>
+            </a:pPr>
+            <a:r>
+              <a:rPr lang="en-US" sz="3000" dirty="0">
+                <a:latin typeface="Bahnschrift" panose="020B0502040204020203" pitchFamily="34" charset="0"/>
+              </a:rPr>
+              <a:t>POINT 1</a:t>
+            </a:r>
+          </a:p>
+          <a:p>
+            <a:pPr marL="685800" indent="-685800">
+              <a:buFont typeface="Wingdings" panose="05000000000000000000" pitchFamily="2" charset="2"/>
+              <a:buChar char="q"/>
+            </a:pPr>
+            <a:endParaRPr lang="en-US" sz="3000" dirty="0">
+              <a:latin typeface="Bahnschrift" panose="020B0502040204020203" pitchFamily="34" charset="0"/>
+            </a:endParaRPr>
+          </a:p>
+          <a:p>
+            <a:pPr marL="685800" indent="-685800">
+              <a:buFont typeface="Wingdings" panose="05000000000000000000" pitchFamily="2" charset="2"/>
+              <a:buChar char="q"/>
+            </a:pPr>
+            <a:r>
+              <a:rPr lang="en-US" sz="3000" dirty="0">
+                <a:latin typeface="Bahnschrift" panose="020B0502040204020203" pitchFamily="34" charset="0"/>
+              </a:rPr>
+              <a:t>POINT 2</a:t>
+            </a:r>
+          </a:p>
+          <a:p>
+            <a:pPr marL="685800" indent="-685800">
+              <a:buFont typeface="Wingdings" panose="05000000000000000000" pitchFamily="2" charset="2"/>
+              <a:buChar char="q"/>
+            </a:pPr>
+            <a:endParaRPr lang="en-US" sz="3000" dirty="0">
+              <a:latin typeface="Bahnschrift" panose="020B0502040204020203" pitchFamily="34" charset="0"/>
+            </a:endParaRPr>
+          </a:p>
+          <a:p>
+            <a:pPr marL="685800" indent="-685800">
+              <a:buFont typeface="Wingdings" panose="05000000000000000000" pitchFamily="2" charset="2"/>
+              <a:buChar char="q"/>
+            </a:pPr>
+            <a:r>
+              <a:rPr lang="en-US" sz="3000" dirty="0">
+                <a:latin typeface="Bahnschrift" panose="020B0502040204020203" pitchFamily="34" charset="0"/>
+              </a:rPr>
+              <a:t>POINT 3</a:t>
+            </a:r>
+          </a:p>
+          <a:p>
+            <a:pPr marL="685800" indent="-685800">
+              <a:buFont typeface="Wingdings" panose="05000000000000000000" pitchFamily="2" charset="2"/>
+              <a:buChar char="q"/>
+            </a:pPr>
+            <a:endParaRPr lang="en-US" sz="3000" dirty="0">
+              <a:latin typeface="Bahnschrift" panose="020B0502040204020203" pitchFamily="34" charset="0"/>
+            </a:endParaRPr>
+          </a:p>
+          <a:p>
+            <a:pPr marL="685800" indent="-685800">
+              <a:buFont typeface="Wingdings" panose="05000000000000000000" pitchFamily="2" charset="2"/>
+              <a:buChar char="q"/>
+            </a:pPr>
+            <a:r>
+              <a:rPr lang="en-US" sz="3000" dirty="0">
+                <a:latin typeface="Bahnschrift" panose="020B0502040204020203" pitchFamily="34" charset="0"/>
+              </a:rPr>
+              <a:t>POINT 4</a:t>
+            </a:r>
+          </a:p>
+          <a:p>
+            <a:pPr marL="685800" indent="-685800">
+              <a:buFont typeface="Wingdings" panose="05000000000000000000" pitchFamily="2" charset="2"/>
+              <a:buChar char="q"/>
+            </a:pPr>
+            <a:endParaRPr lang="en-US" sz="3000" dirty="0">
+              <a:latin typeface="Bahnschrift" panose="020B0502040204020203" pitchFamily="34" charset="0"/>
+            </a:endParaRPr>
+          </a:p>
+          <a:p>
+            <a:pPr marL="685800" indent="-685800">
+              <a:buFont typeface="Wingdings" panose="05000000000000000000" pitchFamily="2" charset="2"/>
+              <a:buChar char="q"/>
+            </a:pPr>
+            <a:r>
+              <a:rPr lang="en-US" sz="3000" dirty="0">
+                <a:latin typeface="Bahnschrift" panose="020B0502040204020203" pitchFamily="34" charset="0"/>
+              </a:rPr>
+              <a:t>POINT 5</a:t>
+            </a:r>
+          </a:p>
+          <a:p>
+            <a:pPr marL="685800" indent="-685800">
+              <a:buFont typeface="Wingdings" panose="05000000000000000000" pitchFamily="2" charset="2"/>
+              <a:buChar char="q"/>
+            </a:pPr>
+            <a:endParaRPr lang="en-US" sz="3000" dirty="0">
+              <a:latin typeface="Bahnschrift" panose="020B0502040204020203" pitchFamily="34" charset="0"/>
+            </a:endParaRPr>
           </a:p>
         </p:txBody>
       </p:sp>
-      <p:sp>
-        <p:nvSpPr>
-          <p:cNvPr id="3" name="Rectangle 2">
-            <a:extLst>
-              <a:ext uri="{FF2B5EF4-FFF2-40B4-BE49-F238E27FC236}">
-                <a16:creationId xmlns:a16="http://schemas.microsoft.com/office/drawing/2014/main" id="{AC938ECE-3B89-0EE3-9311-F04188C6AEBE}"/>
-              </a:ext>
-            </a:extLst>
-          </p:cNvPr>
-          <p:cNvSpPr/>
+      <p:grpSp>
+        <p:nvGrpSpPr>
+          <p:cNvPr id="24" name="Group 23">
+            <a:extLst>
+              <a:ext uri="{FF2B5EF4-FFF2-40B4-BE49-F238E27FC236}">
+                <a16:creationId xmlns:a16="http://schemas.microsoft.com/office/drawing/2014/main" id="{D4A2D3C8-D19D-7D16-AE40-54F8F5F394DC}"/>
+              </a:ext>
+            </a:extLst>
+          </p:cNvPr>
+          <p:cNvGrpSpPr/>
           <p:nvPr/>
-        </p:nvSpPr>
-        <p:spPr>
-          <a:xfrm rot="13796657">
-            <a:off x="370608" y="-462971"/>
-            <a:ext cx="3971637" cy="1662545"/>
-          </a:xfrm>
-          <a:prstGeom prst="rect">
-            <a:avLst/>
-          </a:prstGeom>
-          <a:noFill/>
-          <a:ln>
+        </p:nvGrpSpPr>
+        <p:grpSpPr>
+          <a:xfrm>
+            <a:off x="-706543" y="0"/>
+            <a:ext cx="5750983" cy="1127760"/>
+            <a:chOff x="-706543" y="0"/>
+            <a:chExt cx="5750983" cy="1127760"/>
+          </a:xfrm>
+        </p:grpSpPr>
+        <p:sp>
+          <p:nvSpPr>
+            <p:cNvPr id="22" name="Rectangle: Diagonal Corners Rounded 21">
+              <a:extLst>
+                <a:ext uri="{FF2B5EF4-FFF2-40B4-BE49-F238E27FC236}">
+                  <a16:creationId xmlns:a16="http://schemas.microsoft.com/office/drawing/2014/main" id="{2D85F760-5CE9-A214-3614-DD97E7D0BF26}"/>
+                </a:ext>
+              </a:extLst>
+            </p:cNvPr>
+            <p:cNvSpPr/>
+            <p:nvPr/>
+          </p:nvSpPr>
+          <p:spPr>
+            <a:xfrm>
+              <a:off x="-706543" y="0"/>
+              <a:ext cx="5334818" cy="1127760"/>
+            </a:xfrm>
+            <a:prstGeom prst="round2DiagRect">
+              <a:avLst>
+                <a:gd name="adj1" fmla="val 26488"/>
+                <a:gd name="adj2" fmla="val 0"/>
+              </a:avLst>
+            </a:prstGeom>
             <a:solidFill>
-              <a:schemeClr val="tx1"/>
+              <a:srgbClr val="2F5431"/>
             </a:solidFill>
-          </a:ln>
-        </p:spPr>
-        <p:style>
-          <a:lnRef idx="2">
-            <a:schemeClr val="accent1">
-              <a:shade val="15000"/>
-            </a:schemeClr>
-          </a:lnRef>
-          <a:fillRef idx="1">
-            <a:schemeClr val="accent1"/>
-          </a:fillRef>
-          <a:effectRef idx="0">
-            <a:schemeClr val="accent1"/>
-          </a:effectRef>
-          <a:fontRef idx="minor">
-            <a:schemeClr val="lt1"/>
-          </a:fontRef>
-        </p:style>
-        <p:txBody>
-          <a:bodyPr rtlCol="0" anchor="ctr"/>
-          <a:lstStyle/>
-          <a:p>
-            <a:pPr algn="ctr"/>
-            <a:endParaRPr lang="en-US"/>
-          </a:p>
-        </p:txBody>
-      </p:sp>
-      <p:sp>
-        <p:nvSpPr>
-          <p:cNvPr id="4" name="Rectangle 3">
-            <a:extLst>
-              <a:ext uri="{FF2B5EF4-FFF2-40B4-BE49-F238E27FC236}">
-                <a16:creationId xmlns:a16="http://schemas.microsoft.com/office/drawing/2014/main" id="{3F8E8A26-1667-1844-F8A4-CCD4721394F0}"/>
-              </a:ext>
-            </a:extLst>
-          </p:cNvPr>
-          <p:cNvSpPr/>
-          <p:nvPr/>
-        </p:nvSpPr>
-        <p:spPr>
-          <a:xfrm rot="13796657">
-            <a:off x="2661227" y="-462972"/>
-            <a:ext cx="3971637" cy="1662545"/>
-          </a:xfrm>
-          <a:prstGeom prst="rect">
-            <a:avLst/>
-          </a:prstGeom>
-          <a:noFill/>
-          <a:ln>
-            <a:solidFill>
-              <a:schemeClr val="tx1"/>
-            </a:solidFill>
-          </a:ln>
-        </p:spPr>
-        <p:style>
-          <a:lnRef idx="2">
-            <a:schemeClr val="accent6">
-              <a:shade val="15000"/>
-            </a:schemeClr>
-          </a:lnRef>
-          <a:fillRef idx="1">
-            <a:schemeClr val="accent6"/>
-          </a:fillRef>
-          <a:effectRef idx="0">
-            <a:schemeClr val="accent6"/>
-          </a:effectRef>
-          <a:fontRef idx="minor">
-            <a:schemeClr val="lt1"/>
-          </a:fontRef>
-        </p:style>
-        <p:txBody>
-          <a:bodyPr rtlCol="0" anchor="ctr"/>
-          <a:lstStyle/>
-          <a:p>
-            <a:pPr algn="ctr"/>
-            <a:endParaRPr lang="en-US"/>
-          </a:p>
-        </p:txBody>
-      </p:sp>
-      <p:sp>
-        <p:nvSpPr>
-          <p:cNvPr id="5" name="Rectangle 4">
-            <a:extLst>
-              <a:ext uri="{FF2B5EF4-FFF2-40B4-BE49-F238E27FC236}">
-                <a16:creationId xmlns:a16="http://schemas.microsoft.com/office/drawing/2014/main" id="{4EBD6C58-002C-BA39-138A-646FBA1FF6DF}"/>
-              </a:ext>
-            </a:extLst>
-          </p:cNvPr>
-          <p:cNvSpPr/>
-          <p:nvPr/>
-        </p:nvSpPr>
-        <p:spPr>
-          <a:xfrm rot="13796657">
-            <a:off x="4944892" y="-462972"/>
-            <a:ext cx="3971637" cy="1662545"/>
-          </a:xfrm>
-          <a:prstGeom prst="rect">
-            <a:avLst/>
-          </a:prstGeom>
-          <a:noFill/>
-          <a:ln>
-            <a:solidFill>
-              <a:schemeClr val="tx1"/>
-            </a:solidFill>
-          </a:ln>
-        </p:spPr>
-        <p:style>
-          <a:lnRef idx="2">
-            <a:schemeClr val="accent1">
-              <a:shade val="15000"/>
-            </a:schemeClr>
-          </a:lnRef>
-          <a:fillRef idx="1">
-            <a:schemeClr val="accent1"/>
-          </a:fillRef>
-          <a:effectRef idx="0">
-            <a:schemeClr val="accent1"/>
-          </a:effectRef>
-          <a:fontRef idx="minor">
-            <a:schemeClr val="lt1"/>
-          </a:fontRef>
-        </p:style>
-        <p:txBody>
-          <a:bodyPr rtlCol="0" anchor="ctr"/>
-          <a:lstStyle/>
-          <a:p>
-            <a:pPr algn="ctr"/>
-            <a:endParaRPr lang="en-US"/>
-          </a:p>
-        </p:txBody>
-      </p:sp>
-      <p:sp>
-        <p:nvSpPr>
-          <p:cNvPr id="6" name="Rectangle 5">
-            <a:extLst>
-              <a:ext uri="{FF2B5EF4-FFF2-40B4-BE49-F238E27FC236}">
-                <a16:creationId xmlns:a16="http://schemas.microsoft.com/office/drawing/2014/main" id="{C1D1F95E-3BC5-34F7-6A8C-A151CBDD087D}"/>
-              </a:ext>
-            </a:extLst>
-          </p:cNvPr>
-          <p:cNvSpPr/>
-          <p:nvPr/>
-        </p:nvSpPr>
-        <p:spPr>
-          <a:xfrm rot="13796657">
-            <a:off x="7242464" y="-462973"/>
-            <a:ext cx="3971637" cy="1662545"/>
-          </a:xfrm>
-          <a:prstGeom prst="rect">
-            <a:avLst/>
-          </a:prstGeom>
-          <a:noFill/>
-          <a:ln>
-            <a:solidFill>
-              <a:schemeClr val="tx1"/>
-            </a:solidFill>
-          </a:ln>
-        </p:spPr>
-        <p:style>
-          <a:lnRef idx="2">
-            <a:schemeClr val="accent1">
-              <a:shade val="15000"/>
-            </a:schemeClr>
-          </a:lnRef>
-          <a:fillRef idx="1">
-            <a:schemeClr val="accent1"/>
-          </a:fillRef>
-          <a:effectRef idx="0">
-            <a:schemeClr val="accent1"/>
-          </a:effectRef>
-          <a:fontRef idx="minor">
-            <a:schemeClr val="lt1"/>
-          </a:fontRef>
-        </p:style>
-        <p:txBody>
-          <a:bodyPr rtlCol="0" anchor="ctr"/>
-          <a:lstStyle/>
-          <a:p>
-            <a:pPr algn="ctr"/>
-            <a:endParaRPr lang="en-US"/>
-          </a:p>
-        </p:txBody>
-      </p:sp>
-      <p:sp>
-        <p:nvSpPr>
-          <p:cNvPr id="7" name="Rectangle 6">
-            <a:extLst>
-              <a:ext uri="{FF2B5EF4-FFF2-40B4-BE49-F238E27FC236}">
-                <a16:creationId xmlns:a16="http://schemas.microsoft.com/office/drawing/2014/main" id="{CCF9BFB5-1B87-A23E-A4BF-399AAEE95D37}"/>
-              </a:ext>
-            </a:extLst>
-          </p:cNvPr>
-          <p:cNvSpPr/>
-          <p:nvPr/>
-        </p:nvSpPr>
-        <p:spPr>
-          <a:xfrm rot="13796657">
-            <a:off x="9540037" y="-462973"/>
-            <a:ext cx="3971637" cy="1662545"/>
-          </a:xfrm>
-          <a:prstGeom prst="rect">
-            <a:avLst/>
-          </a:prstGeom>
-          <a:noFill/>
-          <a:ln>
-            <a:solidFill>
-              <a:schemeClr val="tx1"/>
-            </a:solidFill>
-          </a:ln>
-        </p:spPr>
-        <p:style>
-          <a:lnRef idx="2">
-            <a:schemeClr val="accent1">
-              <a:shade val="15000"/>
-            </a:schemeClr>
-          </a:lnRef>
-          <a:fillRef idx="1">
-            <a:schemeClr val="accent1"/>
-          </a:fillRef>
-          <a:effectRef idx="0">
-            <a:schemeClr val="accent1"/>
-          </a:effectRef>
-          <a:fontRef idx="minor">
-            <a:schemeClr val="lt1"/>
-          </a:fontRef>
-        </p:style>
-        <p:txBody>
-          <a:bodyPr rtlCol="0" anchor="ctr"/>
-          <a:lstStyle/>
-          <a:p>
-            <a:pPr algn="ctr"/>
-            <a:endParaRPr lang="en-US"/>
-          </a:p>
-        </p:txBody>
-      </p:sp>
-      <p:sp>
-        <p:nvSpPr>
-          <p:cNvPr id="8" name="Rectangle 7">
-            <a:extLst>
-              <a:ext uri="{FF2B5EF4-FFF2-40B4-BE49-F238E27FC236}">
-                <a16:creationId xmlns:a16="http://schemas.microsoft.com/office/drawing/2014/main" id="{ACF78A70-3150-4CEF-EEE7-974843D50828}"/>
-              </a:ext>
-            </a:extLst>
-          </p:cNvPr>
-          <p:cNvSpPr/>
-          <p:nvPr/>
-        </p:nvSpPr>
-        <p:spPr>
-          <a:xfrm rot="13796657">
-            <a:off x="-1611694" y="2635830"/>
-            <a:ext cx="3971637" cy="1662545"/>
-          </a:xfrm>
-          <a:prstGeom prst="rect">
-            <a:avLst/>
-          </a:prstGeom>
-          <a:noFill/>
-          <a:ln>
-            <a:solidFill>
-              <a:schemeClr val="tx1"/>
-            </a:solidFill>
-          </a:ln>
-        </p:spPr>
-        <p:style>
-          <a:lnRef idx="2">
-            <a:schemeClr val="accent1">
-              <a:shade val="15000"/>
-            </a:schemeClr>
-          </a:lnRef>
-          <a:fillRef idx="1">
-            <a:schemeClr val="accent1"/>
-          </a:fillRef>
-          <a:effectRef idx="0">
-            <a:schemeClr val="accent1"/>
-          </a:effectRef>
-          <a:fontRef idx="minor">
-            <a:schemeClr val="lt1"/>
-          </a:fontRef>
-        </p:style>
-        <p:txBody>
-          <a:bodyPr rtlCol="0" anchor="ctr"/>
-          <a:lstStyle/>
-          <a:p>
-            <a:pPr algn="ctr"/>
-            <a:endParaRPr lang="en-US"/>
-          </a:p>
-        </p:txBody>
-      </p:sp>
-      <p:sp>
-        <p:nvSpPr>
-          <p:cNvPr id="9" name="Rectangle 8">
-            <a:extLst>
-              <a:ext uri="{FF2B5EF4-FFF2-40B4-BE49-F238E27FC236}">
-                <a16:creationId xmlns:a16="http://schemas.microsoft.com/office/drawing/2014/main" id="{49D7FE2E-1F64-3D0E-2C0F-1676EE6EA049}"/>
-              </a:ext>
-            </a:extLst>
-          </p:cNvPr>
-          <p:cNvSpPr/>
-          <p:nvPr/>
-        </p:nvSpPr>
-        <p:spPr>
-          <a:xfrm rot="13796657">
-            <a:off x="678924" y="2635829"/>
-            <a:ext cx="3971637" cy="1662545"/>
-          </a:xfrm>
-          <a:prstGeom prst="rect">
-            <a:avLst/>
-          </a:prstGeom>
-          <a:noFill/>
-          <a:ln>
-            <a:solidFill>
-              <a:schemeClr val="tx1"/>
-            </a:solidFill>
-          </a:ln>
-        </p:spPr>
-        <p:style>
-          <a:lnRef idx="2">
-            <a:schemeClr val="accent5">
-              <a:shade val="15000"/>
-            </a:schemeClr>
-          </a:lnRef>
-          <a:fillRef idx="1">
-            <a:schemeClr val="accent5"/>
-          </a:fillRef>
-          <a:effectRef idx="0">
-            <a:schemeClr val="accent5"/>
-          </a:effectRef>
-          <a:fontRef idx="minor">
-            <a:schemeClr val="lt1"/>
-          </a:fontRef>
-        </p:style>
-        <p:txBody>
-          <a:bodyPr rtlCol="0" anchor="ctr"/>
-          <a:lstStyle/>
-          <a:p>
-            <a:pPr algn="ctr"/>
-            <a:endParaRPr lang="en-US"/>
-          </a:p>
-        </p:txBody>
-      </p:sp>
-      <p:sp>
-        <p:nvSpPr>
-          <p:cNvPr id="10" name="Rectangle 9">
-            <a:extLst>
-              <a:ext uri="{FF2B5EF4-FFF2-40B4-BE49-F238E27FC236}">
-                <a16:creationId xmlns:a16="http://schemas.microsoft.com/office/drawing/2014/main" id="{440C5E0B-D5D4-BFC4-E8E0-27A844FEA11E}"/>
-              </a:ext>
-            </a:extLst>
-          </p:cNvPr>
-          <p:cNvSpPr/>
-          <p:nvPr/>
-        </p:nvSpPr>
-        <p:spPr>
-          <a:xfrm rot="13796657">
-            <a:off x="2969543" y="2635828"/>
-            <a:ext cx="3971637" cy="1662545"/>
-          </a:xfrm>
-          <a:prstGeom prst="rect">
-            <a:avLst/>
-          </a:prstGeom>
-          <a:noFill/>
-          <a:ln>
-            <a:solidFill>
-              <a:schemeClr val="tx1"/>
-            </a:solidFill>
-          </a:ln>
-        </p:spPr>
-        <p:style>
-          <a:lnRef idx="2">
-            <a:schemeClr val="accent6">
-              <a:shade val="15000"/>
-            </a:schemeClr>
-          </a:lnRef>
-          <a:fillRef idx="1">
-            <a:schemeClr val="accent6"/>
-          </a:fillRef>
-          <a:effectRef idx="0">
-            <a:schemeClr val="accent6"/>
-          </a:effectRef>
-          <a:fontRef idx="minor">
-            <a:schemeClr val="lt1"/>
-          </a:fontRef>
-        </p:style>
-        <p:txBody>
-          <a:bodyPr rtlCol="0" anchor="ctr"/>
-          <a:lstStyle/>
-          <a:p>
-            <a:pPr algn="ctr"/>
-            <a:endParaRPr lang="en-US"/>
-          </a:p>
-        </p:txBody>
-      </p:sp>
-      <p:sp>
-        <p:nvSpPr>
-          <p:cNvPr id="11" name="Rectangle 10">
-            <a:extLst>
-              <a:ext uri="{FF2B5EF4-FFF2-40B4-BE49-F238E27FC236}">
-                <a16:creationId xmlns:a16="http://schemas.microsoft.com/office/drawing/2014/main" id="{0B0A1B76-1F71-8634-511C-DAC27512FC3A}"/>
-              </a:ext>
-            </a:extLst>
-          </p:cNvPr>
-          <p:cNvSpPr/>
-          <p:nvPr/>
-        </p:nvSpPr>
-        <p:spPr>
-          <a:xfrm rot="13796657">
-            <a:off x="5253208" y="2635828"/>
-            <a:ext cx="3971637" cy="1662545"/>
-          </a:xfrm>
-          <a:prstGeom prst="rect">
-            <a:avLst/>
-          </a:prstGeom>
-          <a:noFill/>
-          <a:ln>
-            <a:solidFill>
-              <a:schemeClr val="tx1"/>
-            </a:solidFill>
-          </a:ln>
-        </p:spPr>
-        <p:style>
-          <a:lnRef idx="2">
-            <a:schemeClr val="accent1">
-              <a:shade val="15000"/>
-            </a:schemeClr>
-          </a:lnRef>
-          <a:fillRef idx="1">
-            <a:schemeClr val="accent1"/>
-          </a:fillRef>
-          <a:effectRef idx="0">
-            <a:schemeClr val="accent1"/>
-          </a:effectRef>
-          <a:fontRef idx="minor">
-            <a:schemeClr val="lt1"/>
-          </a:fontRef>
-        </p:style>
-        <p:txBody>
-          <a:bodyPr rtlCol="0" anchor="ctr"/>
-          <a:lstStyle/>
-          <a:p>
-            <a:pPr algn="ctr"/>
-            <a:endParaRPr lang="en-US"/>
-          </a:p>
-        </p:txBody>
-      </p:sp>
-      <p:sp>
-        <p:nvSpPr>
-          <p:cNvPr id="12" name="Rectangle 11">
-            <a:extLst>
-              <a:ext uri="{FF2B5EF4-FFF2-40B4-BE49-F238E27FC236}">
-                <a16:creationId xmlns:a16="http://schemas.microsoft.com/office/drawing/2014/main" id="{9061D858-FCC3-3BF8-5E9B-9A8E12FD9138}"/>
-              </a:ext>
-            </a:extLst>
-          </p:cNvPr>
-          <p:cNvSpPr/>
-          <p:nvPr/>
-        </p:nvSpPr>
-        <p:spPr>
-          <a:xfrm rot="13796657">
-            <a:off x="7550780" y="2635827"/>
-            <a:ext cx="3971637" cy="1662545"/>
-          </a:xfrm>
-          <a:prstGeom prst="rect">
-            <a:avLst/>
-          </a:prstGeom>
-          <a:noFill/>
-          <a:ln>
-            <a:solidFill>
-              <a:schemeClr val="tx1"/>
-            </a:solidFill>
-          </a:ln>
-        </p:spPr>
-        <p:style>
-          <a:lnRef idx="2">
-            <a:schemeClr val="accent4">
-              <a:shade val="15000"/>
-            </a:schemeClr>
-          </a:lnRef>
-          <a:fillRef idx="1">
-            <a:schemeClr val="accent4"/>
-          </a:fillRef>
-          <a:effectRef idx="0">
-            <a:schemeClr val="accent4"/>
-          </a:effectRef>
-          <a:fontRef idx="minor">
-            <a:schemeClr val="lt1"/>
-          </a:fontRef>
-        </p:style>
-        <p:txBody>
-          <a:bodyPr rtlCol="0" anchor="ctr"/>
-          <a:lstStyle/>
-          <a:p>
-            <a:pPr algn="ctr"/>
-            <a:endParaRPr lang="en-US"/>
-          </a:p>
-        </p:txBody>
-      </p:sp>
-      <p:sp>
-        <p:nvSpPr>
-          <p:cNvPr id="13" name="Rectangle 12">
-            <a:extLst>
-              <a:ext uri="{FF2B5EF4-FFF2-40B4-BE49-F238E27FC236}">
-                <a16:creationId xmlns:a16="http://schemas.microsoft.com/office/drawing/2014/main" id="{37C6D4D8-51CD-5910-E1AB-537F4DF1E6C8}"/>
-              </a:ext>
-            </a:extLst>
-          </p:cNvPr>
-          <p:cNvSpPr/>
-          <p:nvPr/>
-        </p:nvSpPr>
-        <p:spPr>
-          <a:xfrm rot="13796657">
-            <a:off x="9848353" y="2635827"/>
-            <a:ext cx="3971637" cy="1662545"/>
-          </a:xfrm>
-          <a:prstGeom prst="rect">
-            <a:avLst/>
-          </a:prstGeom>
-          <a:noFill/>
-          <a:ln>
-            <a:solidFill>
-              <a:schemeClr val="tx1"/>
-            </a:solidFill>
-          </a:ln>
-        </p:spPr>
-        <p:style>
-          <a:lnRef idx="2">
-            <a:schemeClr val="accent1">
-              <a:shade val="15000"/>
-            </a:schemeClr>
-          </a:lnRef>
-          <a:fillRef idx="1">
-            <a:schemeClr val="accent1"/>
-          </a:fillRef>
-          <a:effectRef idx="0">
-            <a:schemeClr val="accent1"/>
-          </a:effectRef>
-          <a:fontRef idx="minor">
-            <a:schemeClr val="lt1"/>
-          </a:fontRef>
-        </p:style>
-        <p:txBody>
-          <a:bodyPr rtlCol="0" anchor="ctr"/>
-          <a:lstStyle/>
-          <a:p>
-            <a:pPr algn="ctr"/>
-            <a:endParaRPr lang="en-US"/>
-          </a:p>
-        </p:txBody>
-      </p:sp>
-      <p:sp>
-        <p:nvSpPr>
-          <p:cNvPr id="14" name="Rectangle 13">
-            <a:extLst>
-              <a:ext uri="{FF2B5EF4-FFF2-40B4-BE49-F238E27FC236}">
-                <a16:creationId xmlns:a16="http://schemas.microsoft.com/office/drawing/2014/main" id="{C5AE5DCD-792A-1486-D466-89E7282D3A63}"/>
-              </a:ext>
-            </a:extLst>
-          </p:cNvPr>
-          <p:cNvSpPr/>
-          <p:nvPr/>
-        </p:nvSpPr>
-        <p:spPr>
-          <a:xfrm rot="13796657">
-            <a:off x="-1294194" y="5734628"/>
-            <a:ext cx="3971637" cy="1662545"/>
-          </a:xfrm>
-          <a:prstGeom prst="rect">
-            <a:avLst/>
-          </a:prstGeom>
-          <a:noFill/>
-          <a:ln>
-            <a:solidFill>
-              <a:schemeClr val="tx1"/>
-            </a:solidFill>
-          </a:ln>
-        </p:spPr>
-        <p:style>
-          <a:lnRef idx="2">
-            <a:schemeClr val="accent1">
-              <a:shade val="15000"/>
-            </a:schemeClr>
-          </a:lnRef>
-          <a:fillRef idx="1">
-            <a:schemeClr val="accent1"/>
-          </a:fillRef>
-          <a:effectRef idx="0">
-            <a:schemeClr val="accent1"/>
-          </a:effectRef>
-          <a:fontRef idx="minor">
-            <a:schemeClr val="lt1"/>
-          </a:fontRef>
-        </p:style>
-        <p:txBody>
-          <a:bodyPr rtlCol="0" anchor="ctr"/>
-          <a:lstStyle/>
-          <a:p>
-            <a:pPr algn="ctr"/>
-            <a:endParaRPr lang="en-US"/>
-          </a:p>
-        </p:txBody>
-      </p:sp>
-      <p:sp>
-        <p:nvSpPr>
-          <p:cNvPr id="15" name="Rectangle 14">
-            <a:extLst>
-              <a:ext uri="{FF2B5EF4-FFF2-40B4-BE49-F238E27FC236}">
-                <a16:creationId xmlns:a16="http://schemas.microsoft.com/office/drawing/2014/main" id="{71AF7F87-2101-4F3E-6268-CE2CBE12DA30}"/>
-              </a:ext>
-            </a:extLst>
-          </p:cNvPr>
-          <p:cNvSpPr/>
-          <p:nvPr/>
-        </p:nvSpPr>
-        <p:spPr>
-          <a:xfrm rot="13796657">
-            <a:off x="996424" y="5734627"/>
-            <a:ext cx="3971637" cy="1662545"/>
-          </a:xfrm>
-          <a:prstGeom prst="rect">
-            <a:avLst/>
-          </a:prstGeom>
-          <a:noFill/>
-          <a:ln>
-            <a:solidFill>
-              <a:schemeClr val="tx1"/>
-            </a:solidFill>
-          </a:ln>
-        </p:spPr>
-        <p:style>
-          <a:lnRef idx="2">
-            <a:schemeClr val="accent1">
-              <a:shade val="15000"/>
-            </a:schemeClr>
-          </a:lnRef>
-          <a:fillRef idx="1">
-            <a:schemeClr val="accent1"/>
-          </a:fillRef>
-          <a:effectRef idx="0">
-            <a:schemeClr val="accent1"/>
-          </a:effectRef>
-          <a:fontRef idx="minor">
-            <a:schemeClr val="lt1"/>
-          </a:fontRef>
-        </p:style>
-        <p:txBody>
-          <a:bodyPr rtlCol="0" anchor="ctr"/>
-          <a:lstStyle/>
-          <a:p>
-            <a:pPr algn="ctr"/>
-            <a:endParaRPr lang="en-US"/>
-          </a:p>
-        </p:txBody>
-      </p:sp>
-      <p:sp>
-        <p:nvSpPr>
-          <p:cNvPr id="16" name="Rectangle 15">
-            <a:extLst>
-              <a:ext uri="{FF2B5EF4-FFF2-40B4-BE49-F238E27FC236}">
-                <a16:creationId xmlns:a16="http://schemas.microsoft.com/office/drawing/2014/main" id="{8439BC27-DEF4-AE86-1269-CC88C0FCE085}"/>
-              </a:ext>
-            </a:extLst>
-          </p:cNvPr>
-          <p:cNvSpPr/>
-          <p:nvPr/>
-        </p:nvSpPr>
-        <p:spPr>
-          <a:xfrm rot="13796657">
-            <a:off x="3287043" y="5734626"/>
-            <a:ext cx="3971637" cy="1662545"/>
-          </a:xfrm>
-          <a:prstGeom prst="rect">
-            <a:avLst/>
-          </a:prstGeom>
-          <a:noFill/>
-          <a:ln>
-            <a:solidFill>
-              <a:schemeClr val="tx1"/>
-            </a:solidFill>
-          </a:ln>
-        </p:spPr>
-        <p:style>
-          <a:lnRef idx="2">
-            <a:schemeClr val="accent2">
-              <a:shade val="15000"/>
-            </a:schemeClr>
-          </a:lnRef>
-          <a:fillRef idx="1">
-            <a:schemeClr val="accent2"/>
-          </a:fillRef>
-          <a:effectRef idx="0">
-            <a:schemeClr val="accent2"/>
-          </a:effectRef>
-          <a:fontRef idx="minor">
-            <a:schemeClr val="lt1"/>
-          </a:fontRef>
-        </p:style>
-        <p:txBody>
-          <a:bodyPr rtlCol="0" anchor="ctr"/>
-          <a:lstStyle/>
-          <a:p>
-            <a:pPr algn="ctr"/>
-            <a:endParaRPr lang="en-US"/>
-          </a:p>
-        </p:txBody>
-      </p:sp>
-      <p:sp>
-        <p:nvSpPr>
-          <p:cNvPr id="17" name="Rectangle 16">
-            <a:extLst>
-              <a:ext uri="{FF2B5EF4-FFF2-40B4-BE49-F238E27FC236}">
-                <a16:creationId xmlns:a16="http://schemas.microsoft.com/office/drawing/2014/main" id="{10589EE5-5732-3815-FF7D-E8D2F1B721C4}"/>
-              </a:ext>
-            </a:extLst>
-          </p:cNvPr>
-          <p:cNvSpPr/>
-          <p:nvPr/>
-        </p:nvSpPr>
-        <p:spPr>
-          <a:xfrm rot="13796657">
-            <a:off x="5570708" y="5734626"/>
-            <a:ext cx="3971637" cy="1662545"/>
-          </a:xfrm>
-          <a:prstGeom prst="rect">
-            <a:avLst/>
-          </a:prstGeom>
-          <a:noFill/>
-          <a:ln>
-            <a:solidFill>
-              <a:schemeClr val="tx1"/>
-            </a:solidFill>
-          </a:ln>
-        </p:spPr>
-        <p:style>
-          <a:lnRef idx="2">
-            <a:schemeClr val="accent1">
-              <a:shade val="15000"/>
-            </a:schemeClr>
-          </a:lnRef>
-          <a:fillRef idx="1">
-            <a:schemeClr val="accent1"/>
-          </a:fillRef>
-          <a:effectRef idx="0">
-            <a:schemeClr val="accent1"/>
-          </a:effectRef>
-          <a:fontRef idx="minor">
-            <a:schemeClr val="lt1"/>
-          </a:fontRef>
-        </p:style>
-        <p:txBody>
-          <a:bodyPr rtlCol="0" anchor="ctr"/>
-          <a:lstStyle/>
-          <a:p>
-            <a:pPr algn="ctr"/>
-            <a:endParaRPr lang="en-US"/>
-          </a:p>
-        </p:txBody>
-      </p:sp>
-      <p:sp>
-        <p:nvSpPr>
-          <p:cNvPr id="18" name="Rectangle 17">
-            <a:extLst>
-              <a:ext uri="{FF2B5EF4-FFF2-40B4-BE49-F238E27FC236}">
-                <a16:creationId xmlns:a16="http://schemas.microsoft.com/office/drawing/2014/main" id="{A6CCDAB3-5B6D-7B8B-9699-25D60093D6C3}"/>
-              </a:ext>
-            </a:extLst>
-          </p:cNvPr>
-          <p:cNvSpPr/>
-          <p:nvPr/>
-        </p:nvSpPr>
-        <p:spPr>
-          <a:xfrm rot="13796657">
-            <a:off x="7868280" y="5734625"/>
-            <a:ext cx="3971637" cy="1662545"/>
-          </a:xfrm>
-          <a:prstGeom prst="rect">
-            <a:avLst/>
-          </a:prstGeom>
-          <a:noFill/>
-          <a:ln>
-            <a:solidFill>
-              <a:schemeClr val="tx1"/>
-            </a:solidFill>
-          </a:ln>
-        </p:spPr>
-        <p:style>
-          <a:lnRef idx="2">
-            <a:schemeClr val="accent1">
-              <a:shade val="15000"/>
-            </a:schemeClr>
-          </a:lnRef>
-          <a:fillRef idx="1">
-            <a:schemeClr val="accent1"/>
-          </a:fillRef>
-          <a:effectRef idx="0">
-            <a:schemeClr val="accent1"/>
-          </a:effectRef>
-          <a:fontRef idx="minor">
-            <a:schemeClr val="lt1"/>
-          </a:fontRef>
-        </p:style>
-        <p:txBody>
-          <a:bodyPr rtlCol="0" anchor="ctr"/>
-          <a:lstStyle/>
-          <a:p>
-            <a:pPr algn="ctr"/>
-            <a:endParaRPr lang="en-US"/>
-          </a:p>
-        </p:txBody>
-      </p:sp>
-      <p:sp>
-        <p:nvSpPr>
-          <p:cNvPr id="19" name="Rectangle 18">
-            <a:extLst>
-              <a:ext uri="{FF2B5EF4-FFF2-40B4-BE49-F238E27FC236}">
-                <a16:creationId xmlns:a16="http://schemas.microsoft.com/office/drawing/2014/main" id="{83C489A7-595E-F935-5A6E-78A2C23294A8}"/>
-              </a:ext>
-            </a:extLst>
-          </p:cNvPr>
-          <p:cNvSpPr/>
-          <p:nvPr/>
-        </p:nvSpPr>
-        <p:spPr>
-          <a:xfrm rot="13796657">
-            <a:off x="10165853" y="5734625"/>
-            <a:ext cx="3971637" cy="1662545"/>
-          </a:xfrm>
-          <a:prstGeom prst="rect">
-            <a:avLst/>
-          </a:prstGeom>
-          <a:noFill/>
-          <a:ln>
-            <a:solidFill>
-              <a:schemeClr val="tx1"/>
-            </a:solidFill>
-          </a:ln>
-        </p:spPr>
-        <p:style>
-          <a:lnRef idx="2">
-            <a:schemeClr val="accent1">
-              <a:shade val="15000"/>
-            </a:schemeClr>
-          </a:lnRef>
-          <a:fillRef idx="1">
-            <a:schemeClr val="accent1"/>
-          </a:fillRef>
-          <a:effectRef idx="0">
-            <a:schemeClr val="accent1"/>
-          </a:effectRef>
-          <a:fontRef idx="minor">
-            <a:schemeClr val="lt1"/>
-          </a:fontRef>
-        </p:style>
-        <p:txBody>
-          <a:bodyPr rtlCol="0" anchor="ctr"/>
-          <a:lstStyle/>
-          <a:p>
-            <a:pPr algn="ctr"/>
-            <a:endParaRPr lang="en-US"/>
-          </a:p>
-        </p:txBody>
-      </p:sp>
+            <a:ln>
+              <a:noFill/>
+            </a:ln>
+          </p:spPr>
+          <p:style>
+            <a:lnRef idx="2">
+              <a:schemeClr val="accent1">
+                <a:shade val="15000"/>
+              </a:schemeClr>
+            </a:lnRef>
+            <a:fillRef idx="1">
+              <a:schemeClr val="accent1"/>
+            </a:fillRef>
+            <a:effectRef idx="0">
+              <a:schemeClr val="accent1"/>
+            </a:effectRef>
+            <a:fontRef idx="minor">
+              <a:schemeClr val="lt1"/>
+            </a:fontRef>
+          </p:style>
+          <p:txBody>
+            <a:bodyPr rtlCol="0" anchor="ctr"/>
+            <a:lstStyle/>
+            <a:p>
+              <a:pPr algn="ctr"/>
+              <a:endParaRPr lang="en-US" dirty="0"/>
+            </a:p>
+          </p:txBody>
+        </p:sp>
+        <p:sp>
+          <p:nvSpPr>
+            <p:cNvPr id="23" name="TextBox 22">
+              <a:extLst>
+                <a:ext uri="{FF2B5EF4-FFF2-40B4-BE49-F238E27FC236}">
+                  <a16:creationId xmlns:a16="http://schemas.microsoft.com/office/drawing/2014/main" id="{523837A4-7E0B-34AC-C01E-B1ABD4182722}"/>
+                </a:ext>
+              </a:extLst>
+            </p:cNvPr>
+            <p:cNvSpPr txBox="1"/>
+            <p:nvPr/>
+          </p:nvSpPr>
+          <p:spPr>
+            <a:xfrm>
+              <a:off x="121920" y="95388"/>
+              <a:ext cx="4922520" cy="861774"/>
+            </a:xfrm>
+            <a:prstGeom prst="rect">
+              <a:avLst/>
+            </a:prstGeom>
+            <a:noFill/>
+          </p:spPr>
+          <p:txBody>
+            <a:bodyPr wrap="square" rtlCol="0">
+              <a:spAutoFit/>
+            </a:bodyPr>
+            <a:lstStyle/>
+            <a:p>
+              <a:r>
+                <a:rPr lang="en-US" sz="5000" dirty="0">
+                  <a:solidFill>
+                    <a:schemeClr val="bg1"/>
+                  </a:solidFill>
+                  <a:latin typeface="Bahnschrift" panose="020B0502040204020203" pitchFamily="34" charset="0"/>
+                </a:rPr>
+                <a:t>SAMPLE TEXT</a:t>
+              </a:r>
+            </a:p>
+          </p:txBody>
+        </p:sp>
+      </p:grpSp>
     </p:spTree>
     <p:extLst>
       <p:ext uri="{BB962C8B-B14F-4D97-AF65-F5344CB8AC3E}">
-        <p14:creationId xmlns:p14="http://schemas.microsoft.com/office/powerpoint/2010/main" val="2396634878"/>
+        <p14:creationId xmlns:p14="http://schemas.microsoft.com/office/powerpoint/2010/main" val="2915334156"/>
       </p:ext>
     </p:extLst>
   </p:cSld>
   <p:clrMapOvr>
     <a:masterClrMapping/>
   </p:clrMapOvr>
+</p:sld>
+</file>
+
+<file path=ppt/slides/slide4.xml><?xml version="1.0" encoding="utf-8"?>
+<p:sld xmlns:a="http://schemas.openxmlformats.org/drawingml/2006/main" xmlns:r="http://schemas.openxmlformats.org/officeDocument/2006/relationships" xmlns:p="http://schemas.openxmlformats.org/presentationml/2006/main">
+  <p:cSld>
+    <p:bg>
+      <p:bgPr>
+        <a:solidFill>
+          <a:schemeClr val="tx1"/>
+        </a:solidFill>
+        <a:effectLst/>
+      </p:bgPr>
+    </p:bg>
+    <p:spTree>
+      <p:nvGrpSpPr>
+        <p:cNvPr id="1" name=""/>
+        <p:cNvGrpSpPr/>
+        <p:nvPr/>
+      </p:nvGrpSpPr>
+      <p:grpSpPr>
+        <a:xfrm>
+          <a:off x="0" y="0"/>
+          <a:ext cx="0" cy="0"/>
+          <a:chOff x="0" y="0"/>
+          <a:chExt cx="0" cy="0"/>
+        </a:xfrm>
+      </p:grpSpPr>
+      <p:pic>
+        <p:nvPicPr>
+          <p:cNvPr id="39" name="Picture Placeholder 38">
+            <a:extLst>
+              <a:ext uri="{FF2B5EF4-FFF2-40B4-BE49-F238E27FC236}">
+                <a16:creationId xmlns:a16="http://schemas.microsoft.com/office/drawing/2014/main" id="{1C84A5CC-924A-AB13-78AD-588D0AB12CAD}"/>
+              </a:ext>
+            </a:extLst>
+          </p:cNvPr>
+          <p:cNvPicPr>
+            <a:picLocks noGrp="1" noChangeAspect="1"/>
+          </p:cNvPicPr>
+          <p:nvPr>
+            <p:ph type="pic" sz="quarter" idx="10"/>
+          </p:nvPr>
+        </p:nvPicPr>
+        <p:blipFill rotWithShape="1">
+          <a:blip r:embed="rId3">
+            <a:extLst>
+              <a:ext uri="{28A0092B-C50C-407E-A947-70E740481C1C}">
+                <a14:useLocalDpi xmlns:a14="http://schemas.microsoft.com/office/drawing/2010/main" val="0"/>
+              </a:ext>
+            </a:extLst>
+          </a:blip>
+          <a:srcRect l="-4319" t="-66088" r="136" b="-1410"/>
+          <a:stretch/>
+        </p:blipFill>
+        <p:spPr>
+          <a:xfrm>
+            <a:off x="1498256" y="-3663488"/>
+            <a:ext cx="5552401" cy="5725236"/>
+          </a:xfrm>
+        </p:spPr>
+      </p:pic>
+      <p:pic>
+        <p:nvPicPr>
+          <p:cNvPr id="37" name="Picture Placeholder 36">
+            <a:extLst>
+              <a:ext uri="{FF2B5EF4-FFF2-40B4-BE49-F238E27FC236}">
+                <a16:creationId xmlns:a16="http://schemas.microsoft.com/office/drawing/2014/main" id="{0FECBD12-38C5-E745-3FE2-AF461441E2DC}"/>
+              </a:ext>
+            </a:extLst>
+          </p:cNvPr>
+          <p:cNvPicPr>
+            <a:picLocks noGrp="1" noChangeAspect="1"/>
+          </p:cNvPicPr>
+          <p:nvPr>
+            <p:ph type="pic" sz="quarter" idx="11"/>
+          </p:nvPr>
+        </p:nvPicPr>
+        <p:blipFill rotWithShape="1">
+          <a:blip r:embed="rId4">
+            <a:extLst>
+              <a:ext uri="{28A0092B-C50C-407E-A947-70E740481C1C}">
+                <a14:useLocalDpi xmlns:a14="http://schemas.microsoft.com/office/drawing/2010/main" val="0"/>
+              </a:ext>
+            </a:extLst>
+          </a:blip>
+          <a:srcRect l="-12408" t="-106615" r="-2095" b="-1"/>
+          <a:stretch/>
+        </p:blipFill>
+        <p:spPr>
+          <a:xfrm>
+            <a:off x="-2289971" y="-3663487"/>
+            <a:ext cx="5552401" cy="5725236"/>
+          </a:xfrm>
+        </p:spPr>
+      </p:pic>
+      <p:pic>
+        <p:nvPicPr>
+          <p:cNvPr id="41" name="Picture Placeholder 40">
+            <a:extLst>
+              <a:ext uri="{FF2B5EF4-FFF2-40B4-BE49-F238E27FC236}">
+                <a16:creationId xmlns:a16="http://schemas.microsoft.com/office/drawing/2014/main" id="{E9A20901-246A-1DD3-3916-FB593DEAEE35}"/>
+              </a:ext>
+            </a:extLst>
+          </p:cNvPr>
+          <p:cNvPicPr>
+            <a:picLocks noGrp="1" noChangeAspect="1"/>
+          </p:cNvPicPr>
+          <p:nvPr>
+            <p:ph type="pic" sz="quarter" idx="12"/>
+          </p:nvPr>
+        </p:nvPicPr>
+        <p:blipFill rotWithShape="1">
+          <a:blip r:embed="rId5">
+            <a:extLst>
+              <a:ext uri="{28A0092B-C50C-407E-A947-70E740481C1C}">
+                <a14:useLocalDpi xmlns:a14="http://schemas.microsoft.com/office/drawing/2010/main" val="0"/>
+              </a:ext>
+            </a:extLst>
+          </a:blip>
+          <a:srcRect l="-18714" t="-151543" r="-2212" b="-1897"/>
+          <a:stretch/>
+        </p:blipFill>
+        <p:spPr>
+          <a:xfrm>
+            <a:off x="5286484" y="-3663488"/>
+            <a:ext cx="5552401" cy="5725236"/>
+          </a:xfrm>
+        </p:spPr>
+      </p:pic>
+      <p:pic>
+        <p:nvPicPr>
+          <p:cNvPr id="43" name="Picture Placeholder 42">
+            <a:extLst>
+              <a:ext uri="{FF2B5EF4-FFF2-40B4-BE49-F238E27FC236}">
+                <a16:creationId xmlns:a16="http://schemas.microsoft.com/office/drawing/2014/main" id="{9A13E950-6E6A-DD0E-C038-55244D5AECA2}"/>
+              </a:ext>
+            </a:extLst>
+          </p:cNvPr>
+          <p:cNvPicPr>
+            <a:picLocks noGrp="1" noChangeAspect="1"/>
+          </p:cNvPicPr>
+          <p:nvPr>
+            <p:ph type="pic" sz="quarter" idx="13"/>
+          </p:nvPr>
+        </p:nvPicPr>
+        <p:blipFill rotWithShape="1">
+          <a:blip r:embed="rId5">
+            <a:extLst>
+              <a:ext uri="{28A0092B-C50C-407E-A947-70E740481C1C}">
+                <a14:useLocalDpi xmlns:a14="http://schemas.microsoft.com/office/drawing/2010/main" val="0"/>
+              </a:ext>
+            </a:extLst>
+          </a:blip>
+          <a:srcRect l="-47888" t="-178850" r="-351" b="-31834"/>
+          <a:stretch/>
+        </p:blipFill>
+        <p:spPr>
+          <a:xfrm>
+            <a:off x="9081970" y="-3663488"/>
+            <a:ext cx="5552401" cy="5725236"/>
+          </a:xfrm>
+        </p:spPr>
+      </p:pic>
+      <p:pic>
+        <p:nvPicPr>
+          <p:cNvPr id="51" name="Picture Placeholder 50">
+            <a:extLst>
+              <a:ext uri="{FF2B5EF4-FFF2-40B4-BE49-F238E27FC236}">
+                <a16:creationId xmlns:a16="http://schemas.microsoft.com/office/drawing/2014/main" id="{C28FC3DF-2268-DD92-3D4B-6E50F9F08C6B}"/>
+              </a:ext>
+            </a:extLst>
+          </p:cNvPr>
+          <p:cNvPicPr>
+            <a:picLocks noGrp="1" noChangeAspect="1"/>
+          </p:cNvPicPr>
+          <p:nvPr>
+            <p:ph type="pic" sz="quarter" idx="14"/>
+          </p:nvPr>
+        </p:nvPicPr>
+        <p:blipFill rotWithShape="1">
+          <a:blip r:embed="rId6">
+            <a:extLst>
+              <a:ext uri="{28A0092B-C50C-407E-A947-70E740481C1C}">
+                <a14:useLocalDpi xmlns:a14="http://schemas.microsoft.com/office/drawing/2010/main" val="0"/>
+              </a:ext>
+            </a:extLst>
+          </a:blip>
+          <a:srcRect l="20605" t="-14169" r="5577" b="-1"/>
+          <a:stretch/>
+        </p:blipFill>
+        <p:spPr>
+          <a:xfrm>
+            <a:off x="-2391573" y="371488"/>
+            <a:ext cx="5552401" cy="5725237"/>
+          </a:xfrm>
+        </p:spPr>
+      </p:pic>
+      <p:pic>
+        <p:nvPicPr>
+          <p:cNvPr id="45" name="Picture Placeholder 44">
+            <a:extLst>
+              <a:ext uri="{FF2B5EF4-FFF2-40B4-BE49-F238E27FC236}">
+                <a16:creationId xmlns:a16="http://schemas.microsoft.com/office/drawing/2014/main" id="{088D28F9-90E0-084D-12AF-4703934F3699}"/>
+              </a:ext>
+            </a:extLst>
+          </p:cNvPr>
+          <p:cNvPicPr>
+            <a:picLocks noGrp="1" noChangeAspect="1"/>
+          </p:cNvPicPr>
+          <p:nvPr>
+            <p:ph type="pic" sz="quarter" idx="15"/>
+          </p:nvPr>
+        </p:nvPicPr>
+        <p:blipFill>
+          <a:blip r:embed="rId7">
+            <a:extLst>
+              <a:ext uri="{28A0092B-C50C-407E-A947-70E740481C1C}">
+                <a14:useLocalDpi xmlns:a14="http://schemas.microsoft.com/office/drawing/2010/main" val="0"/>
+              </a:ext>
+            </a:extLst>
+          </a:blip>
+          <a:srcRect l="17674" r="17674"/>
+          <a:stretch>
+            <a:fillRect/>
+          </a:stretch>
+        </p:blipFill>
+        <p:spPr>
+          <a:xfrm>
+            <a:off x="1441733" y="371487"/>
+            <a:ext cx="5552401" cy="5725237"/>
+          </a:xfrm>
+        </p:spPr>
+      </p:pic>
+      <p:pic>
+        <p:nvPicPr>
+          <p:cNvPr id="47" name="Picture Placeholder 46">
+            <a:extLst>
+              <a:ext uri="{FF2B5EF4-FFF2-40B4-BE49-F238E27FC236}">
+                <a16:creationId xmlns:a16="http://schemas.microsoft.com/office/drawing/2014/main" id="{86EB933C-4D47-663B-10F4-544B0CACD631}"/>
+              </a:ext>
+            </a:extLst>
+          </p:cNvPr>
+          <p:cNvPicPr>
+            <a:picLocks noGrp="1" noChangeAspect="1"/>
+          </p:cNvPicPr>
+          <p:nvPr>
+            <p:ph type="pic" sz="quarter" idx="16"/>
+          </p:nvPr>
+        </p:nvPicPr>
+        <p:blipFill rotWithShape="1">
+          <a:blip r:embed="rId8">
+            <a:extLst>
+              <a:ext uri="{28A0092B-C50C-407E-A947-70E740481C1C}">
+                <a14:useLocalDpi xmlns:a14="http://schemas.microsoft.com/office/drawing/2010/main" val="0"/>
+              </a:ext>
+            </a:extLst>
+          </a:blip>
+          <a:srcRect l="11810" r="33778"/>
+          <a:stretch/>
+        </p:blipFill>
+        <p:spPr>
+          <a:xfrm>
+            <a:off x="5184882" y="371488"/>
+            <a:ext cx="5552401" cy="5725237"/>
+          </a:xfrm>
+        </p:spPr>
+      </p:pic>
+      <p:pic>
+        <p:nvPicPr>
+          <p:cNvPr id="49" name="Picture Placeholder 48">
+            <a:extLst>
+              <a:ext uri="{FF2B5EF4-FFF2-40B4-BE49-F238E27FC236}">
+                <a16:creationId xmlns:a16="http://schemas.microsoft.com/office/drawing/2014/main" id="{4FF6CDE7-2720-4093-8D3F-0303DE077400}"/>
+              </a:ext>
+            </a:extLst>
+          </p:cNvPr>
+          <p:cNvPicPr>
+            <a:picLocks noGrp="1" noChangeAspect="1"/>
+          </p:cNvPicPr>
+          <p:nvPr>
+            <p:ph type="pic" sz="quarter" idx="17"/>
+          </p:nvPr>
+        </p:nvPicPr>
+        <p:blipFill>
+          <a:blip r:embed="rId9">
+            <a:extLst>
+              <a:ext uri="{28A0092B-C50C-407E-A947-70E740481C1C}">
+                <a14:useLocalDpi xmlns:a14="http://schemas.microsoft.com/office/drawing/2010/main" val="0"/>
+              </a:ext>
+            </a:extLst>
+          </a:blip>
+          <a:srcRect l="14332" r="14332"/>
+          <a:stretch>
+            <a:fillRect/>
+          </a:stretch>
+        </p:blipFill>
+        <p:spPr/>
+      </p:pic>
+      <p:pic>
+        <p:nvPicPr>
+          <p:cNvPr id="59" name="Picture Placeholder 58">
+            <a:extLst>
+              <a:ext uri="{FF2B5EF4-FFF2-40B4-BE49-F238E27FC236}">
+                <a16:creationId xmlns:a16="http://schemas.microsoft.com/office/drawing/2014/main" id="{A30F8626-49EB-CC20-DD07-1DB444DA87A9}"/>
+              </a:ext>
+            </a:extLst>
+          </p:cNvPr>
+          <p:cNvPicPr>
+            <a:picLocks noGrp="1" noChangeAspect="1"/>
+          </p:cNvPicPr>
+          <p:nvPr>
+            <p:ph type="pic" sz="quarter" idx="18"/>
+          </p:nvPr>
+        </p:nvPicPr>
+        <p:blipFill rotWithShape="1">
+          <a:blip r:embed="rId10">
+            <a:extLst>
+              <a:ext uri="{28A0092B-C50C-407E-A947-70E740481C1C}">
+                <a14:useLocalDpi xmlns:a14="http://schemas.microsoft.com/office/drawing/2010/main" val="0"/>
+              </a:ext>
+            </a:extLst>
+          </a:blip>
+          <a:srcRect l="-33101" t="-21936" r="-35167" b="-114013"/>
+          <a:stretch/>
+        </p:blipFill>
+        <p:spPr>
+          <a:xfrm>
+            <a:off x="-2480064" y="4406463"/>
+            <a:ext cx="5552401" cy="5725237"/>
+          </a:xfrm>
+        </p:spPr>
+      </p:pic>
+      <p:pic>
+        <p:nvPicPr>
+          <p:cNvPr id="53" name="Picture Placeholder 52">
+            <a:extLst>
+              <a:ext uri="{FF2B5EF4-FFF2-40B4-BE49-F238E27FC236}">
+                <a16:creationId xmlns:a16="http://schemas.microsoft.com/office/drawing/2014/main" id="{AD5B4D5D-6C04-8BFC-6521-9A5AB5D73D5A}"/>
+              </a:ext>
+            </a:extLst>
+          </p:cNvPr>
+          <p:cNvPicPr>
+            <a:picLocks noGrp="1" noChangeAspect="1"/>
+          </p:cNvPicPr>
+          <p:nvPr>
+            <p:ph type="pic" sz="quarter" idx="19"/>
+          </p:nvPr>
+        </p:nvPicPr>
+        <p:blipFill rotWithShape="1">
+          <a:blip r:embed="rId11">
+            <a:extLst>
+              <a:ext uri="{28A0092B-C50C-407E-A947-70E740481C1C}">
+                <a14:useLocalDpi xmlns:a14="http://schemas.microsoft.com/office/drawing/2010/main" val="0"/>
+              </a:ext>
+            </a:extLst>
+          </a:blip>
+          <a:srcRect l="22913" t="24809" r="-20166" b="-75192"/>
+          <a:stretch/>
+        </p:blipFill>
+        <p:spPr>
+          <a:xfrm>
+            <a:off x="1308163" y="4406463"/>
+            <a:ext cx="5552401" cy="5725237"/>
+          </a:xfrm>
+        </p:spPr>
+      </p:pic>
+      <p:pic>
+        <p:nvPicPr>
+          <p:cNvPr id="55" name="Picture Placeholder 54">
+            <a:extLst>
+              <a:ext uri="{FF2B5EF4-FFF2-40B4-BE49-F238E27FC236}">
+                <a16:creationId xmlns:a16="http://schemas.microsoft.com/office/drawing/2014/main" id="{B618CD96-B9C4-57E4-EACA-2FA48A14C123}"/>
+              </a:ext>
+            </a:extLst>
+          </p:cNvPr>
+          <p:cNvPicPr>
+            <a:picLocks noGrp="1" noChangeAspect="1"/>
+          </p:cNvPicPr>
+          <p:nvPr>
+            <p:ph type="pic" sz="quarter" idx="20"/>
+          </p:nvPr>
+        </p:nvPicPr>
+        <p:blipFill rotWithShape="1">
+          <a:blip r:embed="rId12">
+            <a:extLst>
+              <a:ext uri="{28A0092B-C50C-407E-A947-70E740481C1C}">
+                <a14:useLocalDpi xmlns:a14="http://schemas.microsoft.com/office/drawing/2010/main" val="0"/>
+              </a:ext>
+            </a:extLst>
+          </a:blip>
+          <a:srcRect l="943" r="-40499" b="-117155"/>
+          <a:stretch/>
+        </p:blipFill>
+        <p:spPr>
+          <a:xfrm>
+            <a:off x="5096391" y="4406463"/>
+            <a:ext cx="5552401" cy="5725237"/>
+          </a:xfrm>
+        </p:spPr>
+      </p:pic>
+      <p:pic>
+        <p:nvPicPr>
+          <p:cNvPr id="57" name="Picture Placeholder 56">
+            <a:extLst>
+              <a:ext uri="{FF2B5EF4-FFF2-40B4-BE49-F238E27FC236}">
+                <a16:creationId xmlns:a16="http://schemas.microsoft.com/office/drawing/2014/main" id="{D6C43489-4174-B4F2-2E05-882B72E229DB}"/>
+              </a:ext>
+            </a:extLst>
+          </p:cNvPr>
+          <p:cNvPicPr>
+            <a:picLocks noGrp="1" noChangeAspect="1"/>
+          </p:cNvPicPr>
+          <p:nvPr>
+            <p:ph type="pic" sz="quarter" idx="21"/>
+          </p:nvPr>
+        </p:nvPicPr>
+        <p:blipFill rotWithShape="1">
+          <a:blip r:embed="rId13">
+            <a:extLst>
+              <a:ext uri="{28A0092B-C50C-407E-A947-70E740481C1C}">
+                <a14:useLocalDpi xmlns:a14="http://schemas.microsoft.com/office/drawing/2010/main" val="0"/>
+              </a:ext>
+            </a:extLst>
+          </a:blip>
+          <a:srcRect l="16548" t="-3721" r="-48802" b="-138504"/>
+          <a:stretch/>
+        </p:blipFill>
+        <p:spPr>
+          <a:xfrm>
+            <a:off x="8891877" y="4406463"/>
+            <a:ext cx="5552401" cy="5725237"/>
+          </a:xfrm>
+        </p:spPr>
+      </p:pic>
+      <p:grpSp>
+        <p:nvGrpSpPr>
+          <p:cNvPr id="2" name="Group 1">
+            <a:extLst>
+              <a:ext uri="{FF2B5EF4-FFF2-40B4-BE49-F238E27FC236}">
+                <a16:creationId xmlns:a16="http://schemas.microsoft.com/office/drawing/2014/main" id="{A8F1FE63-BF9D-A633-83C2-F938E42D75E5}"/>
+              </a:ext>
+            </a:extLst>
+          </p:cNvPr>
+          <p:cNvGrpSpPr/>
+          <p:nvPr/>
+        </p:nvGrpSpPr>
+        <p:grpSpPr>
+          <a:xfrm>
+            <a:off x="792480" y="1505160"/>
+            <a:ext cx="10607040" cy="4731600"/>
+            <a:chOff x="792480" y="1505160"/>
+            <a:chExt cx="10607040" cy="4731600"/>
+          </a:xfrm>
+        </p:grpSpPr>
+        <p:sp>
+          <p:nvSpPr>
+            <p:cNvPr id="60" name="Rectangle: Rounded Corners 59">
+              <a:extLst>
+                <a:ext uri="{FF2B5EF4-FFF2-40B4-BE49-F238E27FC236}">
+                  <a16:creationId xmlns:a16="http://schemas.microsoft.com/office/drawing/2014/main" id="{E9B3774F-8DAE-A819-10F2-3DA435183F27}"/>
+                </a:ext>
+              </a:extLst>
+            </p:cNvPr>
+            <p:cNvSpPr/>
+            <p:nvPr/>
+          </p:nvSpPr>
+          <p:spPr>
+            <a:xfrm>
+              <a:off x="792480" y="1505160"/>
+              <a:ext cx="10607040" cy="4731600"/>
+            </a:xfrm>
+            <a:prstGeom prst="roundRect">
+              <a:avLst>
+                <a:gd name="adj" fmla="val 11343"/>
+              </a:avLst>
+            </a:prstGeom>
+            <a:solidFill>
+              <a:schemeClr val="bg1">
+                <a:alpha val="85000"/>
+              </a:schemeClr>
+            </a:solidFill>
+            <a:ln>
+              <a:noFill/>
+            </a:ln>
+          </p:spPr>
+          <p:style>
+            <a:lnRef idx="2">
+              <a:schemeClr val="accent1">
+                <a:shade val="15000"/>
+              </a:schemeClr>
+            </a:lnRef>
+            <a:fillRef idx="1">
+              <a:schemeClr val="accent1"/>
+            </a:fillRef>
+            <a:effectRef idx="0">
+              <a:schemeClr val="accent1"/>
+            </a:effectRef>
+            <a:fontRef idx="minor">
+              <a:schemeClr val="lt1"/>
+            </a:fontRef>
+          </p:style>
+          <p:txBody>
+            <a:bodyPr rtlCol="0" anchor="ctr"/>
+            <a:lstStyle/>
+            <a:p>
+              <a:pPr algn="ctr"/>
+              <a:endParaRPr lang="en-US" dirty="0"/>
+            </a:p>
+          </p:txBody>
+        </p:sp>
+        <p:sp>
+          <p:nvSpPr>
+            <p:cNvPr id="61" name="TextBox 60">
+              <a:extLst>
+                <a:ext uri="{FF2B5EF4-FFF2-40B4-BE49-F238E27FC236}">
+                  <a16:creationId xmlns:a16="http://schemas.microsoft.com/office/drawing/2014/main" id="{60D7838E-359C-7A45-A714-969588FACED6}"/>
+                </a:ext>
+              </a:extLst>
+            </p:cNvPr>
+            <p:cNvSpPr txBox="1"/>
+            <p:nvPr/>
+          </p:nvSpPr>
+          <p:spPr>
+            <a:xfrm>
+              <a:off x="1397194" y="1747302"/>
+              <a:ext cx="6863721" cy="4247317"/>
+            </a:xfrm>
+            <a:prstGeom prst="rect">
+              <a:avLst/>
+            </a:prstGeom>
+            <a:noFill/>
+          </p:spPr>
+          <p:txBody>
+            <a:bodyPr wrap="square" rtlCol="0">
+              <a:spAutoFit/>
+            </a:bodyPr>
+            <a:lstStyle/>
+            <a:p>
+              <a:pPr marL="685800" indent="-685800">
+                <a:buFont typeface="Wingdings" panose="05000000000000000000" pitchFamily="2" charset="2"/>
+                <a:buChar char="q"/>
+              </a:pPr>
+              <a:r>
+                <a:rPr lang="en-US" sz="3000" dirty="0">
+                  <a:latin typeface="Bahnschrift" panose="020B0502040204020203" pitchFamily="34" charset="0"/>
+                </a:rPr>
+                <a:t>POINT 1</a:t>
+              </a:r>
+            </a:p>
+            <a:p>
+              <a:pPr marL="685800" indent="-685800">
+                <a:buFont typeface="Wingdings" panose="05000000000000000000" pitchFamily="2" charset="2"/>
+                <a:buChar char="q"/>
+              </a:pPr>
+              <a:endParaRPr lang="en-US" sz="3000" dirty="0">
+                <a:latin typeface="Bahnschrift" panose="020B0502040204020203" pitchFamily="34" charset="0"/>
+              </a:endParaRPr>
+            </a:p>
+            <a:p>
+              <a:pPr marL="685800" indent="-685800">
+                <a:buFont typeface="Wingdings" panose="05000000000000000000" pitchFamily="2" charset="2"/>
+                <a:buChar char="q"/>
+              </a:pPr>
+              <a:r>
+                <a:rPr lang="en-US" sz="3000" dirty="0">
+                  <a:latin typeface="Bahnschrift" panose="020B0502040204020203" pitchFamily="34" charset="0"/>
+                </a:rPr>
+                <a:t>POINT 2</a:t>
+              </a:r>
+            </a:p>
+            <a:p>
+              <a:pPr marL="685800" indent="-685800">
+                <a:buFont typeface="Wingdings" panose="05000000000000000000" pitchFamily="2" charset="2"/>
+                <a:buChar char="q"/>
+              </a:pPr>
+              <a:endParaRPr lang="en-US" sz="3000" dirty="0">
+                <a:latin typeface="Bahnschrift" panose="020B0502040204020203" pitchFamily="34" charset="0"/>
+              </a:endParaRPr>
+            </a:p>
+            <a:p>
+              <a:pPr marL="685800" indent="-685800">
+                <a:buFont typeface="Wingdings" panose="05000000000000000000" pitchFamily="2" charset="2"/>
+                <a:buChar char="q"/>
+              </a:pPr>
+              <a:r>
+                <a:rPr lang="en-US" sz="3000" dirty="0">
+                  <a:latin typeface="Bahnschrift" panose="020B0502040204020203" pitchFamily="34" charset="0"/>
+                </a:rPr>
+                <a:t>POINT 3</a:t>
+              </a:r>
+            </a:p>
+            <a:p>
+              <a:pPr marL="685800" indent="-685800">
+                <a:buFont typeface="Wingdings" panose="05000000000000000000" pitchFamily="2" charset="2"/>
+                <a:buChar char="q"/>
+              </a:pPr>
+              <a:endParaRPr lang="en-US" sz="3000" dirty="0">
+                <a:latin typeface="Bahnschrift" panose="020B0502040204020203" pitchFamily="34" charset="0"/>
+              </a:endParaRPr>
+            </a:p>
+            <a:p>
+              <a:pPr marL="685800" indent="-685800">
+                <a:buFont typeface="Wingdings" panose="05000000000000000000" pitchFamily="2" charset="2"/>
+                <a:buChar char="q"/>
+              </a:pPr>
+              <a:r>
+                <a:rPr lang="en-US" sz="3000" dirty="0">
+                  <a:latin typeface="Bahnschrift" panose="020B0502040204020203" pitchFamily="34" charset="0"/>
+                </a:rPr>
+                <a:t>POINT 4</a:t>
+              </a:r>
+            </a:p>
+            <a:p>
+              <a:pPr marL="685800" indent="-685800">
+                <a:buFont typeface="Wingdings" panose="05000000000000000000" pitchFamily="2" charset="2"/>
+                <a:buChar char="q"/>
+              </a:pPr>
+              <a:endParaRPr lang="en-US" sz="3000" dirty="0">
+                <a:latin typeface="Bahnschrift" panose="020B0502040204020203" pitchFamily="34" charset="0"/>
+              </a:endParaRPr>
+            </a:p>
+            <a:p>
+              <a:pPr marL="685800" indent="-685800">
+                <a:buFont typeface="Wingdings" panose="05000000000000000000" pitchFamily="2" charset="2"/>
+                <a:buChar char="q"/>
+              </a:pPr>
+              <a:r>
+                <a:rPr lang="en-US" sz="3000" dirty="0">
+                  <a:latin typeface="Bahnschrift" panose="020B0502040204020203" pitchFamily="34" charset="0"/>
+                </a:rPr>
+                <a:t>POINT 5</a:t>
+              </a:r>
+            </a:p>
+          </p:txBody>
+        </p:sp>
+      </p:grpSp>
+      <p:grpSp>
+        <p:nvGrpSpPr>
+          <p:cNvPr id="3" name="Group 2">
+            <a:extLst>
+              <a:ext uri="{FF2B5EF4-FFF2-40B4-BE49-F238E27FC236}">
+                <a16:creationId xmlns:a16="http://schemas.microsoft.com/office/drawing/2014/main" id="{EFA4CA51-A08F-F46A-1A37-71CF2598F61B}"/>
+              </a:ext>
+            </a:extLst>
+          </p:cNvPr>
+          <p:cNvGrpSpPr/>
+          <p:nvPr/>
+        </p:nvGrpSpPr>
+        <p:grpSpPr>
+          <a:xfrm>
+            <a:off x="-706543" y="0"/>
+            <a:ext cx="5750983" cy="1127760"/>
+            <a:chOff x="-706543" y="0"/>
+            <a:chExt cx="5750983" cy="1127760"/>
+          </a:xfrm>
+        </p:grpSpPr>
+        <p:sp>
+          <p:nvSpPr>
+            <p:cNvPr id="4" name="Rectangle: Diagonal Corners Rounded 3">
+              <a:extLst>
+                <a:ext uri="{FF2B5EF4-FFF2-40B4-BE49-F238E27FC236}">
+                  <a16:creationId xmlns:a16="http://schemas.microsoft.com/office/drawing/2014/main" id="{A33328B2-7642-4BD9-F296-C0CDA6E14543}"/>
+                </a:ext>
+              </a:extLst>
+            </p:cNvPr>
+            <p:cNvSpPr/>
+            <p:nvPr/>
+          </p:nvSpPr>
+          <p:spPr>
+            <a:xfrm>
+              <a:off x="-706543" y="0"/>
+              <a:ext cx="5334818" cy="1127760"/>
+            </a:xfrm>
+            <a:prstGeom prst="round2DiagRect">
+              <a:avLst>
+                <a:gd name="adj1" fmla="val 26488"/>
+                <a:gd name="adj2" fmla="val 0"/>
+              </a:avLst>
+            </a:prstGeom>
+            <a:solidFill>
+              <a:schemeClr val="bg1">
+                <a:alpha val="85000"/>
+              </a:schemeClr>
+            </a:solidFill>
+            <a:ln>
+              <a:noFill/>
+            </a:ln>
+          </p:spPr>
+          <p:style>
+            <a:lnRef idx="2">
+              <a:schemeClr val="accent1">
+                <a:shade val="15000"/>
+              </a:schemeClr>
+            </a:lnRef>
+            <a:fillRef idx="1">
+              <a:schemeClr val="accent1"/>
+            </a:fillRef>
+            <a:effectRef idx="0">
+              <a:schemeClr val="accent1"/>
+            </a:effectRef>
+            <a:fontRef idx="minor">
+              <a:schemeClr val="lt1"/>
+            </a:fontRef>
+          </p:style>
+          <p:txBody>
+            <a:bodyPr rtlCol="0" anchor="ctr"/>
+            <a:lstStyle/>
+            <a:p>
+              <a:pPr algn="ctr"/>
+              <a:endParaRPr lang="en-US" dirty="0"/>
+            </a:p>
+          </p:txBody>
+        </p:sp>
+        <p:sp>
+          <p:nvSpPr>
+            <p:cNvPr id="5" name="TextBox 4">
+              <a:extLst>
+                <a:ext uri="{FF2B5EF4-FFF2-40B4-BE49-F238E27FC236}">
+                  <a16:creationId xmlns:a16="http://schemas.microsoft.com/office/drawing/2014/main" id="{CCDE92FB-E492-B9DC-2485-9CB36B427F68}"/>
+                </a:ext>
+              </a:extLst>
+            </p:cNvPr>
+            <p:cNvSpPr txBox="1"/>
+            <p:nvPr/>
+          </p:nvSpPr>
+          <p:spPr>
+            <a:xfrm>
+              <a:off x="121920" y="95388"/>
+              <a:ext cx="4922520" cy="861774"/>
+            </a:xfrm>
+            <a:prstGeom prst="rect">
+              <a:avLst/>
+            </a:prstGeom>
+            <a:noFill/>
+          </p:spPr>
+          <p:txBody>
+            <a:bodyPr wrap="square" rtlCol="0">
+              <a:spAutoFit/>
+            </a:bodyPr>
+            <a:lstStyle/>
+            <a:p>
+              <a:r>
+                <a:rPr lang="en-US" sz="5000" dirty="0">
+                  <a:latin typeface="Bahnschrift" panose="020B0502040204020203" pitchFamily="34" charset="0"/>
+                </a:rPr>
+                <a:t>SAMPLE TEXT</a:t>
+              </a:r>
+            </a:p>
+          </p:txBody>
+        </p:sp>
+      </p:grpSp>
+    </p:spTree>
+    <p:extLst>
+      <p:ext uri="{BB962C8B-B14F-4D97-AF65-F5344CB8AC3E}">
+        <p14:creationId xmlns:p14="http://schemas.microsoft.com/office/powerpoint/2010/main" val="3990843413"/>
+      </p:ext>
+    </p:extLst>
+  </p:cSld>
+  <p:clrMapOvr>
+    <a:masterClrMapping/>
+  </p:clrMapOvr>
+</p:sld>
+</file>
+
+<file path=ppt/slides/slide5.xml><?xml version="1.0" encoding="utf-8"?>
+<p:sld xmlns:a="http://schemas.openxmlformats.org/drawingml/2006/main" xmlns:r="http://schemas.openxmlformats.org/officeDocument/2006/relationships" xmlns:p="http://schemas.openxmlformats.org/presentationml/2006/main">
+  <p:cSld>
+    <p:bg>
+      <p:bgPr>
+        <a:solidFill>
+          <a:schemeClr val="bg1"/>
+        </a:solidFill>
+        <a:effectLst/>
+      </p:bgPr>
+    </p:bg>
+    <p:spTree>
+      <p:nvGrpSpPr>
+        <p:cNvPr id="1" name=""/>
+        <p:cNvGrpSpPr/>
+        <p:nvPr/>
+      </p:nvGrpSpPr>
+      <p:grpSpPr>
+        <a:xfrm>
+          <a:off x="0" y="0"/>
+          <a:ext cx="0" cy="0"/>
+          <a:chOff x="0" y="0"/>
+          <a:chExt cx="0" cy="0"/>
+        </a:xfrm>
+      </p:grpSpPr>
+      <p:pic>
+        <p:nvPicPr>
+          <p:cNvPr id="39" name="Picture Placeholder 38">
+            <a:extLst>
+              <a:ext uri="{FF2B5EF4-FFF2-40B4-BE49-F238E27FC236}">
+                <a16:creationId xmlns:a16="http://schemas.microsoft.com/office/drawing/2014/main" id="{1C84A5CC-924A-AB13-78AD-588D0AB12CAD}"/>
+              </a:ext>
+            </a:extLst>
+          </p:cNvPr>
+          <p:cNvPicPr>
+            <a:picLocks noGrp="1" noChangeAspect="1"/>
+          </p:cNvPicPr>
+          <p:nvPr>
+            <p:ph type="pic" sz="quarter" idx="10"/>
+          </p:nvPr>
+        </p:nvPicPr>
+        <p:blipFill rotWithShape="1">
+          <a:blip r:embed="rId2">
+            <a:extLst>
+              <a:ext uri="{28A0092B-C50C-407E-A947-70E740481C1C}">
+                <a14:useLocalDpi xmlns:a14="http://schemas.microsoft.com/office/drawing/2010/main" val="0"/>
+              </a:ext>
+            </a:extLst>
+          </a:blip>
+          <a:srcRect l="-4319" t="-66088" r="136" b="-1410"/>
+          <a:stretch/>
+        </p:blipFill>
+        <p:spPr>
+          <a:xfrm>
+            <a:off x="1498256" y="-3663488"/>
+            <a:ext cx="5552401" cy="5725236"/>
+          </a:xfrm>
+        </p:spPr>
+      </p:pic>
+      <p:pic>
+        <p:nvPicPr>
+          <p:cNvPr id="37" name="Picture Placeholder 36">
+            <a:extLst>
+              <a:ext uri="{FF2B5EF4-FFF2-40B4-BE49-F238E27FC236}">
+                <a16:creationId xmlns:a16="http://schemas.microsoft.com/office/drawing/2014/main" id="{0FECBD12-38C5-E745-3FE2-AF461441E2DC}"/>
+              </a:ext>
+            </a:extLst>
+          </p:cNvPr>
+          <p:cNvPicPr>
+            <a:picLocks noGrp="1" noChangeAspect="1"/>
+          </p:cNvPicPr>
+          <p:nvPr>
+            <p:ph type="pic" sz="quarter" idx="11"/>
+          </p:nvPr>
+        </p:nvPicPr>
+        <p:blipFill rotWithShape="1">
+          <a:blip r:embed="rId3">
+            <a:extLst>
+              <a:ext uri="{28A0092B-C50C-407E-A947-70E740481C1C}">
+                <a14:useLocalDpi xmlns:a14="http://schemas.microsoft.com/office/drawing/2010/main" val="0"/>
+              </a:ext>
+            </a:extLst>
+          </a:blip>
+          <a:srcRect l="-12408" t="-106615" r="-2095" b="-1"/>
+          <a:stretch/>
+        </p:blipFill>
+        <p:spPr>
+          <a:xfrm>
+            <a:off x="-2289971" y="-3663487"/>
+            <a:ext cx="5552401" cy="5725236"/>
+          </a:xfrm>
+        </p:spPr>
+      </p:pic>
+      <p:pic>
+        <p:nvPicPr>
+          <p:cNvPr id="41" name="Picture Placeholder 40">
+            <a:extLst>
+              <a:ext uri="{FF2B5EF4-FFF2-40B4-BE49-F238E27FC236}">
+                <a16:creationId xmlns:a16="http://schemas.microsoft.com/office/drawing/2014/main" id="{E9A20901-246A-1DD3-3916-FB593DEAEE35}"/>
+              </a:ext>
+            </a:extLst>
+          </p:cNvPr>
+          <p:cNvPicPr>
+            <a:picLocks noGrp="1" noChangeAspect="1"/>
+          </p:cNvPicPr>
+          <p:nvPr>
+            <p:ph type="pic" sz="quarter" idx="12"/>
+          </p:nvPr>
+        </p:nvPicPr>
+        <p:blipFill rotWithShape="1">
+          <a:blip r:embed="rId4">
+            <a:extLst>
+              <a:ext uri="{28A0092B-C50C-407E-A947-70E740481C1C}">
+                <a14:useLocalDpi xmlns:a14="http://schemas.microsoft.com/office/drawing/2010/main" val="0"/>
+              </a:ext>
+            </a:extLst>
+          </a:blip>
+          <a:srcRect l="-18714" t="-151543" r="-2212" b="-1897"/>
+          <a:stretch/>
+        </p:blipFill>
+        <p:spPr>
+          <a:xfrm>
+            <a:off x="5286484" y="-3663488"/>
+            <a:ext cx="5552401" cy="5725236"/>
+          </a:xfrm>
+        </p:spPr>
+      </p:pic>
+      <p:pic>
+        <p:nvPicPr>
+          <p:cNvPr id="43" name="Picture Placeholder 42">
+            <a:extLst>
+              <a:ext uri="{FF2B5EF4-FFF2-40B4-BE49-F238E27FC236}">
+                <a16:creationId xmlns:a16="http://schemas.microsoft.com/office/drawing/2014/main" id="{9A13E950-6E6A-DD0E-C038-55244D5AECA2}"/>
+              </a:ext>
+            </a:extLst>
+          </p:cNvPr>
+          <p:cNvPicPr>
+            <a:picLocks noGrp="1" noChangeAspect="1"/>
+          </p:cNvPicPr>
+          <p:nvPr>
+            <p:ph type="pic" sz="quarter" idx="13"/>
+          </p:nvPr>
+        </p:nvPicPr>
+        <p:blipFill rotWithShape="1">
+          <a:blip r:embed="rId4">
+            <a:extLst>
+              <a:ext uri="{28A0092B-C50C-407E-A947-70E740481C1C}">
+                <a14:useLocalDpi xmlns:a14="http://schemas.microsoft.com/office/drawing/2010/main" val="0"/>
+              </a:ext>
+            </a:extLst>
+          </a:blip>
+          <a:srcRect l="-47888" t="-178850" r="-351" b="-31834"/>
+          <a:stretch/>
+        </p:blipFill>
+        <p:spPr>
+          <a:xfrm>
+            <a:off x="9081970" y="-3663488"/>
+            <a:ext cx="5552401" cy="5725236"/>
+          </a:xfrm>
+        </p:spPr>
+      </p:pic>
+      <p:pic>
+        <p:nvPicPr>
+          <p:cNvPr id="51" name="Picture Placeholder 50">
+            <a:extLst>
+              <a:ext uri="{FF2B5EF4-FFF2-40B4-BE49-F238E27FC236}">
+                <a16:creationId xmlns:a16="http://schemas.microsoft.com/office/drawing/2014/main" id="{C28FC3DF-2268-DD92-3D4B-6E50F9F08C6B}"/>
+              </a:ext>
+            </a:extLst>
+          </p:cNvPr>
+          <p:cNvPicPr>
+            <a:picLocks noGrp="1" noChangeAspect="1"/>
+          </p:cNvPicPr>
+          <p:nvPr>
+            <p:ph type="pic" sz="quarter" idx="14"/>
+          </p:nvPr>
+        </p:nvPicPr>
+        <p:blipFill rotWithShape="1">
+          <a:blip r:embed="rId5">
+            <a:extLst>
+              <a:ext uri="{28A0092B-C50C-407E-A947-70E740481C1C}">
+                <a14:useLocalDpi xmlns:a14="http://schemas.microsoft.com/office/drawing/2010/main" val="0"/>
+              </a:ext>
+            </a:extLst>
+          </a:blip>
+          <a:srcRect l="20605" t="-14169" r="5577" b="-1"/>
+          <a:stretch/>
+        </p:blipFill>
+        <p:spPr>
+          <a:xfrm>
+            <a:off x="-2391573" y="371488"/>
+            <a:ext cx="5552401" cy="5725237"/>
+          </a:xfrm>
+        </p:spPr>
+      </p:pic>
+      <p:pic>
+        <p:nvPicPr>
+          <p:cNvPr id="45" name="Picture Placeholder 44">
+            <a:extLst>
+              <a:ext uri="{FF2B5EF4-FFF2-40B4-BE49-F238E27FC236}">
+                <a16:creationId xmlns:a16="http://schemas.microsoft.com/office/drawing/2014/main" id="{088D28F9-90E0-084D-12AF-4703934F3699}"/>
+              </a:ext>
+            </a:extLst>
+          </p:cNvPr>
+          <p:cNvPicPr>
+            <a:picLocks noGrp="1" noChangeAspect="1"/>
+          </p:cNvPicPr>
+          <p:nvPr>
+            <p:ph type="pic" sz="quarter" idx="15"/>
+          </p:nvPr>
+        </p:nvPicPr>
+        <p:blipFill>
+          <a:blip r:embed="rId6">
+            <a:extLst>
+              <a:ext uri="{28A0092B-C50C-407E-A947-70E740481C1C}">
+                <a14:useLocalDpi xmlns:a14="http://schemas.microsoft.com/office/drawing/2010/main" val="0"/>
+              </a:ext>
+            </a:extLst>
+          </a:blip>
+          <a:srcRect l="17674" r="17674"/>
+          <a:stretch>
+            <a:fillRect/>
+          </a:stretch>
+        </p:blipFill>
+        <p:spPr>
+          <a:xfrm>
+            <a:off x="1441733" y="371487"/>
+            <a:ext cx="5552401" cy="5725237"/>
+          </a:xfrm>
+        </p:spPr>
+      </p:pic>
+      <p:pic>
+        <p:nvPicPr>
+          <p:cNvPr id="47" name="Picture Placeholder 46">
+            <a:extLst>
+              <a:ext uri="{FF2B5EF4-FFF2-40B4-BE49-F238E27FC236}">
+                <a16:creationId xmlns:a16="http://schemas.microsoft.com/office/drawing/2014/main" id="{86EB933C-4D47-663B-10F4-544B0CACD631}"/>
+              </a:ext>
+            </a:extLst>
+          </p:cNvPr>
+          <p:cNvPicPr>
+            <a:picLocks noGrp="1" noChangeAspect="1"/>
+          </p:cNvPicPr>
+          <p:nvPr>
+            <p:ph type="pic" sz="quarter" idx="16"/>
+          </p:nvPr>
+        </p:nvPicPr>
+        <p:blipFill rotWithShape="1">
+          <a:blip r:embed="rId7">
+            <a:extLst>
+              <a:ext uri="{28A0092B-C50C-407E-A947-70E740481C1C}">
+                <a14:useLocalDpi xmlns:a14="http://schemas.microsoft.com/office/drawing/2010/main" val="0"/>
+              </a:ext>
+            </a:extLst>
+          </a:blip>
+          <a:srcRect l="11810" r="33778"/>
+          <a:stretch/>
+        </p:blipFill>
+        <p:spPr>
+          <a:xfrm>
+            <a:off x="5184882" y="371488"/>
+            <a:ext cx="5552401" cy="5725237"/>
+          </a:xfrm>
+        </p:spPr>
+      </p:pic>
+      <p:pic>
+        <p:nvPicPr>
+          <p:cNvPr id="49" name="Picture Placeholder 48">
+            <a:extLst>
+              <a:ext uri="{FF2B5EF4-FFF2-40B4-BE49-F238E27FC236}">
+                <a16:creationId xmlns:a16="http://schemas.microsoft.com/office/drawing/2014/main" id="{4FF6CDE7-2720-4093-8D3F-0303DE077400}"/>
+              </a:ext>
+            </a:extLst>
+          </p:cNvPr>
+          <p:cNvPicPr>
+            <a:picLocks noGrp="1" noChangeAspect="1"/>
+          </p:cNvPicPr>
+          <p:nvPr>
+            <p:ph type="pic" sz="quarter" idx="17"/>
+          </p:nvPr>
+        </p:nvPicPr>
+        <p:blipFill>
+          <a:blip r:embed="rId8">
+            <a:extLst>
+              <a:ext uri="{28A0092B-C50C-407E-A947-70E740481C1C}">
+                <a14:useLocalDpi xmlns:a14="http://schemas.microsoft.com/office/drawing/2010/main" val="0"/>
+              </a:ext>
+            </a:extLst>
+          </a:blip>
+          <a:srcRect l="14332" r="14332"/>
+          <a:stretch>
+            <a:fillRect/>
+          </a:stretch>
+        </p:blipFill>
+        <p:spPr/>
+      </p:pic>
+      <p:pic>
+        <p:nvPicPr>
+          <p:cNvPr id="59" name="Picture Placeholder 58">
+            <a:extLst>
+              <a:ext uri="{FF2B5EF4-FFF2-40B4-BE49-F238E27FC236}">
+                <a16:creationId xmlns:a16="http://schemas.microsoft.com/office/drawing/2014/main" id="{A30F8626-49EB-CC20-DD07-1DB444DA87A9}"/>
+              </a:ext>
+            </a:extLst>
+          </p:cNvPr>
+          <p:cNvPicPr>
+            <a:picLocks noGrp="1" noChangeAspect="1"/>
+          </p:cNvPicPr>
+          <p:nvPr>
+            <p:ph type="pic" sz="quarter" idx="18"/>
+          </p:nvPr>
+        </p:nvPicPr>
+        <p:blipFill rotWithShape="1">
+          <a:blip r:embed="rId9">
+            <a:extLst>
+              <a:ext uri="{28A0092B-C50C-407E-A947-70E740481C1C}">
+                <a14:useLocalDpi xmlns:a14="http://schemas.microsoft.com/office/drawing/2010/main" val="0"/>
+              </a:ext>
+            </a:extLst>
+          </a:blip>
+          <a:srcRect l="-33101" t="-21936" r="-35167" b="-114013"/>
+          <a:stretch/>
+        </p:blipFill>
+        <p:spPr>
+          <a:xfrm>
+            <a:off x="-2480064" y="4406463"/>
+            <a:ext cx="5552401" cy="5725237"/>
+          </a:xfrm>
+        </p:spPr>
+      </p:pic>
+      <p:pic>
+        <p:nvPicPr>
+          <p:cNvPr id="53" name="Picture Placeholder 52">
+            <a:extLst>
+              <a:ext uri="{FF2B5EF4-FFF2-40B4-BE49-F238E27FC236}">
+                <a16:creationId xmlns:a16="http://schemas.microsoft.com/office/drawing/2014/main" id="{AD5B4D5D-6C04-8BFC-6521-9A5AB5D73D5A}"/>
+              </a:ext>
+            </a:extLst>
+          </p:cNvPr>
+          <p:cNvPicPr>
+            <a:picLocks noGrp="1" noChangeAspect="1"/>
+          </p:cNvPicPr>
+          <p:nvPr>
+            <p:ph type="pic" sz="quarter" idx="19"/>
+          </p:nvPr>
+        </p:nvPicPr>
+        <p:blipFill rotWithShape="1">
+          <a:blip r:embed="rId10">
+            <a:extLst>
+              <a:ext uri="{28A0092B-C50C-407E-A947-70E740481C1C}">
+                <a14:useLocalDpi xmlns:a14="http://schemas.microsoft.com/office/drawing/2010/main" val="0"/>
+              </a:ext>
+            </a:extLst>
+          </a:blip>
+          <a:srcRect l="22913" t="24809" r="-20166" b="-75192"/>
+          <a:stretch/>
+        </p:blipFill>
+        <p:spPr>
+          <a:xfrm>
+            <a:off x="1308163" y="4406463"/>
+            <a:ext cx="5552401" cy="5725237"/>
+          </a:xfrm>
+        </p:spPr>
+      </p:pic>
+      <p:pic>
+        <p:nvPicPr>
+          <p:cNvPr id="55" name="Picture Placeholder 54">
+            <a:extLst>
+              <a:ext uri="{FF2B5EF4-FFF2-40B4-BE49-F238E27FC236}">
+                <a16:creationId xmlns:a16="http://schemas.microsoft.com/office/drawing/2014/main" id="{B618CD96-B9C4-57E4-EACA-2FA48A14C123}"/>
+              </a:ext>
+            </a:extLst>
+          </p:cNvPr>
+          <p:cNvPicPr>
+            <a:picLocks noGrp="1" noChangeAspect="1"/>
+          </p:cNvPicPr>
+          <p:nvPr>
+            <p:ph type="pic" sz="quarter" idx="20"/>
+          </p:nvPr>
+        </p:nvPicPr>
+        <p:blipFill rotWithShape="1">
+          <a:blip r:embed="rId11">
+            <a:extLst>
+              <a:ext uri="{28A0092B-C50C-407E-A947-70E740481C1C}">
+                <a14:useLocalDpi xmlns:a14="http://schemas.microsoft.com/office/drawing/2010/main" val="0"/>
+              </a:ext>
+            </a:extLst>
+          </a:blip>
+          <a:srcRect l="943" r="-40499" b="-117155"/>
+          <a:stretch/>
+        </p:blipFill>
+        <p:spPr>
+          <a:xfrm>
+            <a:off x="5096391" y="4406463"/>
+            <a:ext cx="5552401" cy="5725237"/>
+          </a:xfrm>
+        </p:spPr>
+      </p:pic>
+      <p:pic>
+        <p:nvPicPr>
+          <p:cNvPr id="57" name="Picture Placeholder 56">
+            <a:extLst>
+              <a:ext uri="{FF2B5EF4-FFF2-40B4-BE49-F238E27FC236}">
+                <a16:creationId xmlns:a16="http://schemas.microsoft.com/office/drawing/2014/main" id="{D6C43489-4174-B4F2-2E05-882B72E229DB}"/>
+              </a:ext>
+            </a:extLst>
+          </p:cNvPr>
+          <p:cNvPicPr>
+            <a:picLocks noGrp="1" noChangeAspect="1"/>
+          </p:cNvPicPr>
+          <p:nvPr>
+            <p:ph type="pic" sz="quarter" idx="21"/>
+          </p:nvPr>
+        </p:nvPicPr>
+        <p:blipFill rotWithShape="1">
+          <a:blip r:embed="rId12">
+            <a:extLst>
+              <a:ext uri="{28A0092B-C50C-407E-A947-70E740481C1C}">
+                <a14:useLocalDpi xmlns:a14="http://schemas.microsoft.com/office/drawing/2010/main" val="0"/>
+              </a:ext>
+            </a:extLst>
+          </a:blip>
+          <a:srcRect l="16548" t="-3721" r="-48802" b="-138504"/>
+          <a:stretch/>
+        </p:blipFill>
+        <p:spPr>
+          <a:xfrm>
+            <a:off x="8891877" y="4406463"/>
+            <a:ext cx="5552401" cy="5725237"/>
+          </a:xfrm>
+        </p:spPr>
+      </p:pic>
+      <p:grpSp>
+        <p:nvGrpSpPr>
+          <p:cNvPr id="2" name="Group 1">
+            <a:extLst>
+              <a:ext uri="{FF2B5EF4-FFF2-40B4-BE49-F238E27FC236}">
+                <a16:creationId xmlns:a16="http://schemas.microsoft.com/office/drawing/2014/main" id="{A8F1FE63-BF9D-A633-83C2-F938E42D75E5}"/>
+              </a:ext>
+            </a:extLst>
+          </p:cNvPr>
+          <p:cNvGrpSpPr/>
+          <p:nvPr/>
+        </p:nvGrpSpPr>
+        <p:grpSpPr>
+          <a:xfrm>
+            <a:off x="792480" y="1505160"/>
+            <a:ext cx="10607040" cy="4731600"/>
+            <a:chOff x="792480" y="1505160"/>
+            <a:chExt cx="10607040" cy="4731600"/>
+          </a:xfrm>
+        </p:grpSpPr>
+        <p:sp>
+          <p:nvSpPr>
+            <p:cNvPr id="60" name="Rectangle: Rounded Corners 59">
+              <a:extLst>
+                <a:ext uri="{FF2B5EF4-FFF2-40B4-BE49-F238E27FC236}">
+                  <a16:creationId xmlns:a16="http://schemas.microsoft.com/office/drawing/2014/main" id="{E9B3774F-8DAE-A819-10F2-3DA435183F27}"/>
+                </a:ext>
+              </a:extLst>
+            </p:cNvPr>
+            <p:cNvSpPr/>
+            <p:nvPr/>
+          </p:nvSpPr>
+          <p:spPr>
+            <a:xfrm>
+              <a:off x="792480" y="1505160"/>
+              <a:ext cx="10607040" cy="4731600"/>
+            </a:xfrm>
+            <a:prstGeom prst="roundRect">
+              <a:avLst>
+                <a:gd name="adj" fmla="val 11343"/>
+              </a:avLst>
+            </a:prstGeom>
+            <a:solidFill>
+              <a:schemeClr val="tx1">
+                <a:alpha val="85000"/>
+              </a:schemeClr>
+            </a:solidFill>
+            <a:ln>
+              <a:noFill/>
+            </a:ln>
+          </p:spPr>
+          <p:style>
+            <a:lnRef idx="2">
+              <a:schemeClr val="accent1">
+                <a:shade val="15000"/>
+              </a:schemeClr>
+            </a:lnRef>
+            <a:fillRef idx="1">
+              <a:schemeClr val="accent1"/>
+            </a:fillRef>
+            <a:effectRef idx="0">
+              <a:schemeClr val="accent1"/>
+            </a:effectRef>
+            <a:fontRef idx="minor">
+              <a:schemeClr val="lt1"/>
+            </a:fontRef>
+          </p:style>
+          <p:txBody>
+            <a:bodyPr rtlCol="0" anchor="ctr"/>
+            <a:lstStyle/>
+            <a:p>
+              <a:pPr algn="ctr"/>
+              <a:endParaRPr lang="en-US" dirty="0"/>
+            </a:p>
+          </p:txBody>
+        </p:sp>
+        <p:sp>
+          <p:nvSpPr>
+            <p:cNvPr id="61" name="TextBox 60">
+              <a:extLst>
+                <a:ext uri="{FF2B5EF4-FFF2-40B4-BE49-F238E27FC236}">
+                  <a16:creationId xmlns:a16="http://schemas.microsoft.com/office/drawing/2014/main" id="{60D7838E-359C-7A45-A714-969588FACED6}"/>
+                </a:ext>
+              </a:extLst>
+            </p:cNvPr>
+            <p:cNvSpPr txBox="1"/>
+            <p:nvPr/>
+          </p:nvSpPr>
+          <p:spPr>
+            <a:xfrm>
+              <a:off x="1397194" y="1747302"/>
+              <a:ext cx="6863721" cy="4247317"/>
+            </a:xfrm>
+            <a:prstGeom prst="rect">
+              <a:avLst/>
+            </a:prstGeom>
+            <a:noFill/>
+          </p:spPr>
+          <p:txBody>
+            <a:bodyPr wrap="square" rtlCol="0">
+              <a:spAutoFit/>
+            </a:bodyPr>
+            <a:lstStyle/>
+            <a:p>
+              <a:pPr marL="685800" indent="-685800">
+                <a:buFont typeface="Wingdings" panose="05000000000000000000" pitchFamily="2" charset="2"/>
+                <a:buChar char="q"/>
+              </a:pPr>
+              <a:r>
+                <a:rPr lang="en-US" sz="3000" dirty="0">
+                  <a:solidFill>
+                    <a:schemeClr val="bg1"/>
+                  </a:solidFill>
+                  <a:latin typeface="Bahnschrift" panose="020B0502040204020203" pitchFamily="34" charset="0"/>
+                </a:rPr>
+                <a:t>POINT 1</a:t>
+              </a:r>
+            </a:p>
+            <a:p>
+              <a:pPr marL="685800" indent="-685800">
+                <a:buFont typeface="Wingdings" panose="05000000000000000000" pitchFamily="2" charset="2"/>
+                <a:buChar char="q"/>
+              </a:pPr>
+              <a:endParaRPr lang="en-US" sz="3000" dirty="0">
+                <a:solidFill>
+                  <a:schemeClr val="bg1"/>
+                </a:solidFill>
+                <a:latin typeface="Bahnschrift" panose="020B0502040204020203" pitchFamily="34" charset="0"/>
+              </a:endParaRPr>
+            </a:p>
+            <a:p>
+              <a:pPr marL="685800" indent="-685800">
+                <a:buFont typeface="Wingdings" panose="05000000000000000000" pitchFamily="2" charset="2"/>
+                <a:buChar char="q"/>
+              </a:pPr>
+              <a:r>
+                <a:rPr lang="en-US" sz="3000" dirty="0">
+                  <a:solidFill>
+                    <a:schemeClr val="bg1"/>
+                  </a:solidFill>
+                  <a:latin typeface="Bahnschrift" panose="020B0502040204020203" pitchFamily="34" charset="0"/>
+                </a:rPr>
+                <a:t>POINT 2</a:t>
+              </a:r>
+            </a:p>
+            <a:p>
+              <a:pPr marL="685800" indent="-685800">
+                <a:buFont typeface="Wingdings" panose="05000000000000000000" pitchFamily="2" charset="2"/>
+                <a:buChar char="q"/>
+              </a:pPr>
+              <a:endParaRPr lang="en-US" sz="3000" dirty="0">
+                <a:solidFill>
+                  <a:schemeClr val="bg1"/>
+                </a:solidFill>
+                <a:latin typeface="Bahnschrift" panose="020B0502040204020203" pitchFamily="34" charset="0"/>
+              </a:endParaRPr>
+            </a:p>
+            <a:p>
+              <a:pPr marL="685800" indent="-685800">
+                <a:buFont typeface="Wingdings" panose="05000000000000000000" pitchFamily="2" charset="2"/>
+                <a:buChar char="q"/>
+              </a:pPr>
+              <a:r>
+                <a:rPr lang="en-US" sz="3000" dirty="0">
+                  <a:solidFill>
+                    <a:schemeClr val="bg1"/>
+                  </a:solidFill>
+                  <a:latin typeface="Bahnschrift" panose="020B0502040204020203" pitchFamily="34" charset="0"/>
+                </a:rPr>
+                <a:t>POINT 3</a:t>
+              </a:r>
+            </a:p>
+            <a:p>
+              <a:pPr marL="685800" indent="-685800">
+                <a:buFont typeface="Wingdings" panose="05000000000000000000" pitchFamily="2" charset="2"/>
+                <a:buChar char="q"/>
+              </a:pPr>
+              <a:endParaRPr lang="en-US" sz="3000" dirty="0">
+                <a:solidFill>
+                  <a:schemeClr val="bg1"/>
+                </a:solidFill>
+                <a:latin typeface="Bahnschrift" panose="020B0502040204020203" pitchFamily="34" charset="0"/>
+              </a:endParaRPr>
+            </a:p>
+            <a:p>
+              <a:pPr marL="685800" indent="-685800">
+                <a:buFont typeface="Wingdings" panose="05000000000000000000" pitchFamily="2" charset="2"/>
+                <a:buChar char="q"/>
+              </a:pPr>
+              <a:r>
+                <a:rPr lang="en-US" sz="3000" dirty="0">
+                  <a:solidFill>
+                    <a:schemeClr val="bg1"/>
+                  </a:solidFill>
+                  <a:latin typeface="Bahnschrift" panose="020B0502040204020203" pitchFamily="34" charset="0"/>
+                </a:rPr>
+                <a:t>POINT 4</a:t>
+              </a:r>
+            </a:p>
+            <a:p>
+              <a:pPr marL="685800" indent="-685800">
+                <a:buFont typeface="Wingdings" panose="05000000000000000000" pitchFamily="2" charset="2"/>
+                <a:buChar char="q"/>
+              </a:pPr>
+              <a:endParaRPr lang="en-US" sz="3000" dirty="0">
+                <a:solidFill>
+                  <a:schemeClr val="bg1"/>
+                </a:solidFill>
+                <a:latin typeface="Bahnschrift" panose="020B0502040204020203" pitchFamily="34" charset="0"/>
+              </a:endParaRPr>
+            </a:p>
+            <a:p>
+              <a:pPr marL="685800" indent="-685800">
+                <a:buFont typeface="Wingdings" panose="05000000000000000000" pitchFamily="2" charset="2"/>
+                <a:buChar char="q"/>
+              </a:pPr>
+              <a:r>
+                <a:rPr lang="en-US" sz="3000" dirty="0">
+                  <a:solidFill>
+                    <a:schemeClr val="bg1"/>
+                  </a:solidFill>
+                  <a:latin typeface="Bahnschrift" panose="020B0502040204020203" pitchFamily="34" charset="0"/>
+                </a:rPr>
+                <a:t>POINT 5</a:t>
+              </a:r>
+            </a:p>
+          </p:txBody>
+        </p:sp>
+      </p:grpSp>
+      <p:grpSp>
+        <p:nvGrpSpPr>
+          <p:cNvPr id="3" name="Group 2">
+            <a:extLst>
+              <a:ext uri="{FF2B5EF4-FFF2-40B4-BE49-F238E27FC236}">
+                <a16:creationId xmlns:a16="http://schemas.microsoft.com/office/drawing/2014/main" id="{EFA4CA51-A08F-F46A-1A37-71CF2598F61B}"/>
+              </a:ext>
+            </a:extLst>
+          </p:cNvPr>
+          <p:cNvGrpSpPr/>
+          <p:nvPr/>
+        </p:nvGrpSpPr>
+        <p:grpSpPr>
+          <a:xfrm>
+            <a:off x="-706543" y="0"/>
+            <a:ext cx="5750983" cy="1127760"/>
+            <a:chOff x="-706543" y="0"/>
+            <a:chExt cx="5750983" cy="1127760"/>
+          </a:xfrm>
+        </p:grpSpPr>
+        <p:sp>
+          <p:nvSpPr>
+            <p:cNvPr id="4" name="Rectangle: Diagonal Corners Rounded 3">
+              <a:extLst>
+                <a:ext uri="{FF2B5EF4-FFF2-40B4-BE49-F238E27FC236}">
+                  <a16:creationId xmlns:a16="http://schemas.microsoft.com/office/drawing/2014/main" id="{A33328B2-7642-4BD9-F296-C0CDA6E14543}"/>
+                </a:ext>
+              </a:extLst>
+            </p:cNvPr>
+            <p:cNvSpPr/>
+            <p:nvPr/>
+          </p:nvSpPr>
+          <p:spPr>
+            <a:xfrm>
+              <a:off x="-706543" y="0"/>
+              <a:ext cx="5334818" cy="1127760"/>
+            </a:xfrm>
+            <a:prstGeom prst="round2DiagRect">
+              <a:avLst>
+                <a:gd name="adj1" fmla="val 26488"/>
+                <a:gd name="adj2" fmla="val 0"/>
+              </a:avLst>
+            </a:prstGeom>
+            <a:solidFill>
+              <a:schemeClr val="tx1">
+                <a:alpha val="85000"/>
+              </a:schemeClr>
+            </a:solidFill>
+            <a:ln>
+              <a:noFill/>
+            </a:ln>
+          </p:spPr>
+          <p:style>
+            <a:lnRef idx="2">
+              <a:schemeClr val="accent1">
+                <a:shade val="15000"/>
+              </a:schemeClr>
+            </a:lnRef>
+            <a:fillRef idx="1">
+              <a:schemeClr val="accent1"/>
+            </a:fillRef>
+            <a:effectRef idx="0">
+              <a:schemeClr val="accent1"/>
+            </a:effectRef>
+            <a:fontRef idx="minor">
+              <a:schemeClr val="lt1"/>
+            </a:fontRef>
+          </p:style>
+          <p:txBody>
+            <a:bodyPr rtlCol="0" anchor="ctr"/>
+            <a:lstStyle/>
+            <a:p>
+              <a:pPr algn="ctr"/>
+              <a:endParaRPr lang="en-US" dirty="0"/>
+            </a:p>
+          </p:txBody>
+        </p:sp>
+        <p:sp>
+          <p:nvSpPr>
+            <p:cNvPr id="5" name="TextBox 4">
+              <a:extLst>
+                <a:ext uri="{FF2B5EF4-FFF2-40B4-BE49-F238E27FC236}">
+                  <a16:creationId xmlns:a16="http://schemas.microsoft.com/office/drawing/2014/main" id="{CCDE92FB-E492-B9DC-2485-9CB36B427F68}"/>
+                </a:ext>
+              </a:extLst>
+            </p:cNvPr>
+            <p:cNvSpPr txBox="1"/>
+            <p:nvPr/>
+          </p:nvSpPr>
+          <p:spPr>
+            <a:xfrm>
+              <a:off x="121920" y="95388"/>
+              <a:ext cx="4922520" cy="861774"/>
+            </a:xfrm>
+            <a:prstGeom prst="rect">
+              <a:avLst/>
+            </a:prstGeom>
+            <a:noFill/>
+          </p:spPr>
+          <p:txBody>
+            <a:bodyPr wrap="square" rtlCol="0">
+              <a:spAutoFit/>
+            </a:bodyPr>
+            <a:lstStyle/>
+            <a:p>
+              <a:r>
+                <a:rPr lang="en-US" sz="5000" dirty="0">
+                  <a:solidFill>
+                    <a:schemeClr val="bg1"/>
+                  </a:solidFill>
+                  <a:latin typeface="Bahnschrift" panose="020B0502040204020203" pitchFamily="34" charset="0"/>
+                </a:rPr>
+                <a:t>SAMPLE TEXT</a:t>
+              </a:r>
+            </a:p>
+          </p:txBody>
+        </p:sp>
+      </p:grpSp>
+    </p:spTree>
+    <p:extLst>
+      <p:ext uri="{BB962C8B-B14F-4D97-AF65-F5344CB8AC3E}">
+        <p14:creationId xmlns:p14="http://schemas.microsoft.com/office/powerpoint/2010/main" val="1548248821"/>
+      </p:ext>
+    </p:extLst>
+  </p:cSld>
+  <p:clrMapOvr>
+    <a:masterClrMapping/>
+  </p:clrMapOvr>
+</p:sld>
+</file>
+
+<file path=ppt/slides/slide6.xml><?xml version="1.0" encoding="utf-8"?>
+<p:sld xmlns:a="http://schemas.openxmlformats.org/drawingml/2006/main" xmlns:r="http://schemas.openxmlformats.org/officeDocument/2006/relationships" xmlns:p="http://schemas.openxmlformats.org/presentationml/2006/main">
+  <p:cSld>
+    <p:bg>
+      <p:bgPr>
+        <a:solidFill>
+          <a:srgbClr val="E69936"/>
+        </a:solidFill>
+        <a:effectLst/>
+      </p:bgPr>
+    </p:bg>
+    <p:spTree>
+      <p:nvGrpSpPr>
+        <p:cNvPr id="1" name=""/>
+        <p:cNvGrpSpPr/>
+        <p:nvPr/>
+      </p:nvGrpSpPr>
+      <p:grpSpPr>
+        <a:xfrm>
+          <a:off x="0" y="0"/>
+          <a:ext cx="0" cy="0"/>
+          <a:chOff x="0" y="0"/>
+          <a:chExt cx="0" cy="0"/>
+        </a:xfrm>
+      </p:grpSpPr>
+      <p:pic>
+        <p:nvPicPr>
+          <p:cNvPr id="3" name="Picture 2">
+            <a:extLst>
+              <a:ext uri="{FF2B5EF4-FFF2-40B4-BE49-F238E27FC236}">
+                <a16:creationId xmlns:a16="http://schemas.microsoft.com/office/drawing/2014/main" id="{E0902B6B-27CA-75C3-F0B0-777BA7DC26B4}"/>
+              </a:ext>
+            </a:extLst>
+          </p:cNvPr>
+          <p:cNvPicPr>
+            <a:picLocks noChangeAspect="1"/>
+          </p:cNvPicPr>
+          <p:nvPr/>
+        </p:nvPicPr>
+        <p:blipFill>
+          <a:blip r:embed="rId2">
+            <a:extLst>
+              <a:ext uri="{28A0092B-C50C-407E-A947-70E740481C1C}">
+                <a14:useLocalDpi xmlns:a14="http://schemas.microsoft.com/office/drawing/2010/main" val="0"/>
+              </a:ext>
+            </a:extLst>
+          </a:blip>
+          <a:stretch>
+            <a:fillRect/>
+          </a:stretch>
+        </p:blipFill>
+        <p:spPr>
+          <a:xfrm>
+            <a:off x="0" y="0"/>
+            <a:ext cx="12192000" cy="6857999"/>
+          </a:xfrm>
+          <a:prstGeom prst="rect">
+            <a:avLst/>
+          </a:prstGeom>
+        </p:spPr>
+      </p:pic>
+      <p:sp>
+        <p:nvSpPr>
+          <p:cNvPr id="4" name="TextBox 3">
+            <a:extLst>
+              <a:ext uri="{FF2B5EF4-FFF2-40B4-BE49-F238E27FC236}">
+                <a16:creationId xmlns:a16="http://schemas.microsoft.com/office/drawing/2014/main" id="{17C3B33E-C0E0-D55A-D3FC-91B6A2749891}"/>
+              </a:ext>
+            </a:extLst>
+          </p:cNvPr>
+          <p:cNvSpPr txBox="1"/>
+          <p:nvPr/>
+        </p:nvSpPr>
+        <p:spPr>
+          <a:xfrm>
+            <a:off x="7656945" y="5809673"/>
+            <a:ext cx="3325091" cy="707886"/>
+          </a:xfrm>
+          <a:prstGeom prst="rect">
+            <a:avLst/>
+          </a:prstGeom>
+          <a:noFill/>
+        </p:spPr>
+        <p:txBody>
+          <a:bodyPr wrap="square" rtlCol="0">
+            <a:spAutoFit/>
+          </a:bodyPr>
+          <a:lstStyle/>
+          <a:p>
+            <a:pPr algn="ctr"/>
+            <a:r>
+              <a:rPr lang="en-US" sz="4000" b="1" i="1" dirty="0">
+                <a:solidFill>
+                  <a:schemeClr val="bg1"/>
+                </a:solidFill>
+                <a:latin typeface="Comic Sans MS" panose="030F0702030302020204" pitchFamily="66" charset="0"/>
+              </a:rPr>
+              <a:t>e</a:t>
+            </a:r>
+            <a:r>
+              <a:rPr lang="en-US" sz="4000" b="1" dirty="0">
+                <a:solidFill>
+                  <a:schemeClr val="bg1"/>
+                </a:solidFill>
+                <a:latin typeface="Comic Sans MS" panose="030F0702030302020204" pitchFamily="66" charset="0"/>
+              </a:rPr>
+              <a:t>-Conductor</a:t>
+            </a:r>
+          </a:p>
+        </p:txBody>
+      </p:sp>
+      <p:pic>
+        <p:nvPicPr>
+          <p:cNvPr id="6" name="Picture 5">
+            <a:extLst>
+              <a:ext uri="{FF2B5EF4-FFF2-40B4-BE49-F238E27FC236}">
+                <a16:creationId xmlns:a16="http://schemas.microsoft.com/office/drawing/2014/main" id="{3CB9336F-37A3-E08A-1E64-4101CE44E857}"/>
+              </a:ext>
+            </a:extLst>
+          </p:cNvPr>
+          <p:cNvPicPr>
+            <a:picLocks noChangeAspect="1"/>
+          </p:cNvPicPr>
+          <p:nvPr/>
+        </p:nvPicPr>
+        <p:blipFill>
+          <a:blip r:embed="rId3">
+            <a:extLst>
+              <a:ext uri="{28A0092B-C50C-407E-A947-70E740481C1C}">
+                <a14:useLocalDpi xmlns:a14="http://schemas.microsoft.com/office/drawing/2010/main" val="0"/>
+              </a:ext>
+            </a:extLst>
+          </a:blip>
+          <a:stretch>
+            <a:fillRect/>
+          </a:stretch>
+        </p:blipFill>
+        <p:spPr>
+          <a:xfrm>
+            <a:off x="4002041" y="1365657"/>
+            <a:ext cx="1451404" cy="815902"/>
+          </a:xfrm>
+          <a:prstGeom prst="rect">
+            <a:avLst/>
+          </a:prstGeom>
+        </p:spPr>
+      </p:pic>
+      <p:pic>
+        <p:nvPicPr>
+          <p:cNvPr id="8" name="Graphic 7" descr="Marker">
+            <a:extLst>
+              <a:ext uri="{FF2B5EF4-FFF2-40B4-BE49-F238E27FC236}">
+                <a16:creationId xmlns:a16="http://schemas.microsoft.com/office/drawing/2014/main" id="{D11F031D-04D8-E342-CFEB-CBF0107B7E6A}"/>
+              </a:ext>
+            </a:extLst>
+          </p:cNvPr>
+          <p:cNvPicPr>
+            <a:picLocks noChangeAspect="1"/>
+          </p:cNvPicPr>
+          <p:nvPr/>
+        </p:nvPicPr>
+        <p:blipFill>
+          <a:blip r:embed="rId4">
+            <a:extLst>
+              <a:ext uri="{28A0092B-C50C-407E-A947-70E740481C1C}">
+                <a14:useLocalDpi xmlns:a14="http://schemas.microsoft.com/office/drawing/2010/main" val="0"/>
+              </a:ext>
+              <a:ext uri="{96DAC541-7B7A-43D3-8B79-37D633B846F1}">
+                <asvg:svgBlip xmlns:asvg="http://schemas.microsoft.com/office/drawing/2016/SVG/main" r:embed="rId5"/>
+              </a:ext>
+            </a:extLst>
+          </a:blip>
+          <a:stretch>
+            <a:fillRect/>
+          </a:stretch>
+        </p:blipFill>
+        <p:spPr>
+          <a:xfrm>
+            <a:off x="10113296" y="1893453"/>
+            <a:ext cx="1011383" cy="1011383"/>
+          </a:xfrm>
+          <a:prstGeom prst="rect">
+            <a:avLst/>
+          </a:prstGeom>
+        </p:spPr>
+      </p:pic>
+      <p:pic>
+        <p:nvPicPr>
+          <p:cNvPr id="9" name="Graphic 8" descr="Marker">
+            <a:extLst>
+              <a:ext uri="{FF2B5EF4-FFF2-40B4-BE49-F238E27FC236}">
+                <a16:creationId xmlns:a16="http://schemas.microsoft.com/office/drawing/2014/main" id="{6BD5986C-0C1A-FBD8-7A33-D9C8AA4482BF}"/>
+              </a:ext>
+            </a:extLst>
+          </p:cNvPr>
+          <p:cNvPicPr>
+            <a:picLocks noChangeAspect="1"/>
+          </p:cNvPicPr>
+          <p:nvPr/>
+        </p:nvPicPr>
+        <p:blipFill>
+          <a:blip r:embed="rId6">
+            <a:extLst>
+              <a:ext uri="{28A0092B-C50C-407E-A947-70E740481C1C}">
+                <a14:useLocalDpi xmlns:a14="http://schemas.microsoft.com/office/drawing/2010/main" val="0"/>
+              </a:ext>
+              <a:ext uri="{96DAC541-7B7A-43D3-8B79-37D633B846F1}">
+                <asvg:svgBlip xmlns:asvg="http://schemas.microsoft.com/office/drawing/2016/SVG/main" r:embed="rId7"/>
+              </a:ext>
+            </a:extLst>
+          </a:blip>
+          <a:stretch>
+            <a:fillRect/>
+          </a:stretch>
+        </p:blipFill>
+        <p:spPr>
+          <a:xfrm>
+            <a:off x="3395506" y="615009"/>
+            <a:ext cx="1011383" cy="1011383"/>
+          </a:xfrm>
+          <a:prstGeom prst="rect">
+            <a:avLst/>
+          </a:prstGeom>
+        </p:spPr>
+      </p:pic>
+      <p:pic>
+        <p:nvPicPr>
+          <p:cNvPr id="10" name="Graphic 9" descr="Marker">
+            <a:extLst>
+              <a:ext uri="{FF2B5EF4-FFF2-40B4-BE49-F238E27FC236}">
+                <a16:creationId xmlns:a16="http://schemas.microsoft.com/office/drawing/2014/main" id="{0B14C3D5-494B-9877-3389-2043D2D586FD}"/>
+              </a:ext>
+            </a:extLst>
+          </p:cNvPr>
+          <p:cNvPicPr>
+            <a:picLocks noChangeAspect="1"/>
+          </p:cNvPicPr>
+          <p:nvPr/>
+        </p:nvPicPr>
+        <p:blipFill>
+          <a:blip r:embed="rId8">
+            <a:extLst>
+              <a:ext uri="{28A0092B-C50C-407E-A947-70E740481C1C}">
+                <a14:useLocalDpi xmlns:a14="http://schemas.microsoft.com/office/drawing/2010/main" val="0"/>
+              </a:ext>
+              <a:ext uri="{96DAC541-7B7A-43D3-8B79-37D633B846F1}">
+                <asvg:svgBlip xmlns:asvg="http://schemas.microsoft.com/office/drawing/2016/SVG/main" r:embed="rId9"/>
+              </a:ext>
+            </a:extLst>
+          </a:blip>
+          <a:stretch>
+            <a:fillRect/>
+          </a:stretch>
+        </p:blipFill>
+        <p:spPr>
+          <a:xfrm>
+            <a:off x="8513592" y="3851563"/>
+            <a:ext cx="1011383" cy="1011383"/>
+          </a:xfrm>
+          <a:prstGeom prst="rect">
+            <a:avLst/>
+          </a:prstGeom>
+        </p:spPr>
+      </p:pic>
+      <p:pic>
+        <p:nvPicPr>
+          <p:cNvPr id="11" name="Graphic 10" descr="Marker">
+            <a:extLst>
+              <a:ext uri="{FF2B5EF4-FFF2-40B4-BE49-F238E27FC236}">
+                <a16:creationId xmlns:a16="http://schemas.microsoft.com/office/drawing/2014/main" id="{A788E96A-9755-28DA-610C-81A45A4D5040}"/>
+              </a:ext>
+            </a:extLst>
+          </p:cNvPr>
+          <p:cNvPicPr>
+            <a:picLocks noChangeAspect="1"/>
+          </p:cNvPicPr>
+          <p:nvPr/>
+        </p:nvPicPr>
+        <p:blipFill>
+          <a:blip r:embed="rId8">
+            <a:extLst>
+              <a:ext uri="{28A0092B-C50C-407E-A947-70E740481C1C}">
+                <a14:useLocalDpi xmlns:a14="http://schemas.microsoft.com/office/drawing/2010/main" val="0"/>
+              </a:ext>
+              <a:ext uri="{96DAC541-7B7A-43D3-8B79-37D633B846F1}">
+                <asvg:svgBlip xmlns:asvg="http://schemas.microsoft.com/office/drawing/2016/SVG/main" r:embed="rId9"/>
+              </a:ext>
+            </a:extLst>
+          </a:blip>
+          <a:stretch>
+            <a:fillRect/>
+          </a:stretch>
+        </p:blipFill>
+        <p:spPr>
+          <a:xfrm>
+            <a:off x="5818910" y="2181559"/>
+            <a:ext cx="1011383" cy="1011383"/>
+          </a:xfrm>
+          <a:prstGeom prst="rect">
+            <a:avLst/>
+          </a:prstGeom>
+        </p:spPr>
+      </p:pic>
+      <p:pic>
+        <p:nvPicPr>
+          <p:cNvPr id="12" name="Graphic 11" descr="Marker">
+            <a:extLst>
+              <a:ext uri="{FF2B5EF4-FFF2-40B4-BE49-F238E27FC236}">
+                <a16:creationId xmlns:a16="http://schemas.microsoft.com/office/drawing/2014/main" id="{F2C76ED5-787D-998D-5388-202CD7D5830E}"/>
+              </a:ext>
+            </a:extLst>
+          </p:cNvPr>
+          <p:cNvPicPr>
+            <a:picLocks noChangeAspect="1"/>
+          </p:cNvPicPr>
+          <p:nvPr/>
+        </p:nvPicPr>
+        <p:blipFill>
+          <a:blip r:embed="rId8">
+            <a:extLst>
+              <a:ext uri="{28A0092B-C50C-407E-A947-70E740481C1C}">
+                <a14:useLocalDpi xmlns:a14="http://schemas.microsoft.com/office/drawing/2010/main" val="0"/>
+              </a:ext>
+              <a:ext uri="{96DAC541-7B7A-43D3-8B79-37D633B846F1}">
+                <asvg:svgBlip xmlns:asvg="http://schemas.microsoft.com/office/drawing/2016/SVG/main" r:embed="rId9"/>
+              </a:ext>
+            </a:extLst>
+          </a:blip>
+          <a:stretch>
+            <a:fillRect/>
+          </a:stretch>
+        </p:blipFill>
+        <p:spPr>
+          <a:xfrm>
+            <a:off x="995192" y="3547216"/>
+            <a:ext cx="1011383" cy="1011383"/>
+          </a:xfrm>
+          <a:prstGeom prst="rect">
+            <a:avLst/>
+          </a:prstGeom>
+        </p:spPr>
+      </p:pic>
+    </p:spTree>
+    <p:extLst>
+      <p:ext uri="{BB962C8B-B14F-4D97-AF65-F5344CB8AC3E}">
+        <p14:creationId xmlns:p14="http://schemas.microsoft.com/office/powerpoint/2010/main" val="2713147652"/>
+      </p:ext>
+    </p:extLst>
+  </p:cSld>
+  <p:clrMapOvr>
+    <a:masterClrMapping/>
+  </p:clrMapOvr>
+  <p:timing>
+    <p:tnLst>
+      <p:par>
+        <p:cTn id="1" dur="indefinite" restart="never" nodeType="tmRoot">
+          <p:childTnLst>
+            <p:seq concurrent="1" nextAc="seek">
+              <p:cTn id="2" dur="indefinite" nodeType="mainSeq">
+                <p:childTnLst>
+                  <p:par>
+                    <p:cTn id="3" fill="hold">
+                      <p:stCondLst>
+                        <p:cond delay="indefinite"/>
+                      </p:stCondLst>
+                      <p:childTnLst>
+                        <p:par>
+                          <p:cTn id="4" fill="hold">
+                            <p:stCondLst>
+                              <p:cond delay="0"/>
+                            </p:stCondLst>
+                            <p:childTnLst>
+                              <p:par>
+                                <p:cTn id="5" presetID="63" presetClass="path" presetSubtype="0" accel="50000" decel="50000" fill="hold" nodeType="clickEffect">
+                                  <p:stCondLst>
+                                    <p:cond delay="0"/>
+                                  </p:stCondLst>
+                                  <p:childTnLst>
+                                    <p:animMotion origin="layout" path="M -4.16667E-7 -4.81481E-6 L 0.4638 -4.81481E-6 " pathEditMode="fixed" rAng="0" ptsTypes="AA">
+                                      <p:cBhvr>
+                                        <p:cTn id="6" dur="2000" fill="hold"/>
+                                        <p:tgtEl>
+                                          <p:spTgt spid="6"/>
+                                        </p:tgtEl>
+                                        <p:attrNameLst>
+                                          <p:attrName>ppt_x</p:attrName>
+                                          <p:attrName>ppt_y</p:attrName>
+                                        </p:attrNameLst>
+                                      </p:cBhvr>
+                                      <p:rCtr x="23190" y="0"/>
+                                    </p:animMotion>
+                                  </p:childTnLst>
+                                </p:cTn>
+                              </p:par>
+                            </p:childTnLst>
+                          </p:cTn>
+                        </p:par>
+                      </p:childTnLst>
+                    </p:cTn>
+                  </p:par>
+                </p:childTnLst>
+              </p:cTn>
+              <p:prevCondLst>
+                <p:cond evt="onPrev" delay="0">
+                  <p:tgtEl>
+                    <p:sldTgt/>
+                  </p:tgtEl>
+                </p:cond>
+              </p:prevCondLst>
+              <p:nextCondLst>
+                <p:cond evt="onNext" delay="0">
+                  <p:tgtEl>
+                    <p:sldTgt/>
+                  </p:tgtEl>
+                </p:cond>
+              </p:nextCondLst>
+            </p:seq>
+          </p:childTnLst>
+        </p:cTn>
+      </p:par>
+    </p:tnLst>
+  </p:timing>
+</p:sld>
+</file>
+
+<file path=ppt/slides/slide7.xml><?xml version="1.0" encoding="utf-8"?>
+<p:sld xmlns:a="http://schemas.openxmlformats.org/drawingml/2006/main" xmlns:r="http://schemas.openxmlformats.org/officeDocument/2006/relationships" xmlns:p="http://schemas.openxmlformats.org/presentationml/2006/main">
+  <p:cSld>
+    <p:bg>
+      <p:bgPr>
+        <a:solidFill>
+          <a:srgbClr val="E69936"/>
+        </a:solidFill>
+        <a:effectLst/>
+      </p:bgPr>
+    </p:bg>
+    <p:spTree>
+      <p:nvGrpSpPr>
+        <p:cNvPr id="1" name=""/>
+        <p:cNvGrpSpPr/>
+        <p:nvPr/>
+      </p:nvGrpSpPr>
+      <p:grpSpPr>
+        <a:xfrm>
+          <a:off x="0" y="0"/>
+          <a:ext cx="0" cy="0"/>
+          <a:chOff x="0" y="0"/>
+          <a:chExt cx="0" cy="0"/>
+        </a:xfrm>
+      </p:grpSpPr>
+      <p:pic>
+        <p:nvPicPr>
+          <p:cNvPr id="3" name="Picture 2">
+            <a:extLst>
+              <a:ext uri="{FF2B5EF4-FFF2-40B4-BE49-F238E27FC236}">
+                <a16:creationId xmlns:a16="http://schemas.microsoft.com/office/drawing/2014/main" id="{E0902B6B-27CA-75C3-F0B0-777BA7DC26B4}"/>
+              </a:ext>
+            </a:extLst>
+          </p:cNvPr>
+          <p:cNvPicPr>
+            <a:picLocks noChangeAspect="1"/>
+          </p:cNvPicPr>
+          <p:nvPr/>
+        </p:nvPicPr>
+        <p:blipFill>
+          <a:blip r:embed="rId2">
+            <a:extLst>
+              <a:ext uri="{28A0092B-C50C-407E-A947-70E740481C1C}">
+                <a14:useLocalDpi xmlns:a14="http://schemas.microsoft.com/office/drawing/2010/main" val="0"/>
+              </a:ext>
+            </a:extLst>
+          </a:blip>
+          <a:stretch>
+            <a:fillRect/>
+          </a:stretch>
+        </p:blipFill>
+        <p:spPr>
+          <a:xfrm>
+            <a:off x="0" y="0"/>
+            <a:ext cx="12192000" cy="6857999"/>
+          </a:xfrm>
+          <a:prstGeom prst="rect">
+            <a:avLst/>
+          </a:prstGeom>
+        </p:spPr>
+      </p:pic>
+      <p:sp>
+        <p:nvSpPr>
+          <p:cNvPr id="4" name="TextBox 3">
+            <a:extLst>
+              <a:ext uri="{FF2B5EF4-FFF2-40B4-BE49-F238E27FC236}">
+                <a16:creationId xmlns:a16="http://schemas.microsoft.com/office/drawing/2014/main" id="{17C3B33E-C0E0-D55A-D3FC-91B6A2749891}"/>
+              </a:ext>
+            </a:extLst>
+          </p:cNvPr>
+          <p:cNvSpPr txBox="1"/>
+          <p:nvPr/>
+        </p:nvSpPr>
+        <p:spPr>
+          <a:xfrm>
+            <a:off x="7656945" y="5809673"/>
+            <a:ext cx="3325091" cy="707886"/>
+          </a:xfrm>
+          <a:prstGeom prst="rect">
+            <a:avLst/>
+          </a:prstGeom>
+          <a:noFill/>
+        </p:spPr>
+        <p:txBody>
+          <a:bodyPr wrap="square" rtlCol="0">
+            <a:spAutoFit/>
+          </a:bodyPr>
+          <a:lstStyle/>
+          <a:p>
+            <a:pPr algn="ctr"/>
+            <a:r>
+              <a:rPr lang="en-US" sz="4000" b="1" i="1" dirty="0">
+                <a:solidFill>
+                  <a:schemeClr val="bg1"/>
+                </a:solidFill>
+                <a:latin typeface="Comic Sans MS" panose="030F0702030302020204" pitchFamily="66" charset="0"/>
+              </a:rPr>
+              <a:t>e</a:t>
+            </a:r>
+            <a:r>
+              <a:rPr lang="en-US" sz="4000" b="1" dirty="0">
+                <a:solidFill>
+                  <a:schemeClr val="bg1"/>
+                </a:solidFill>
+                <a:latin typeface="Comic Sans MS" panose="030F0702030302020204" pitchFamily="66" charset="0"/>
+              </a:rPr>
+              <a:t>-Conductor</a:t>
+            </a:r>
+          </a:p>
+        </p:txBody>
+      </p:sp>
+      <p:pic>
+        <p:nvPicPr>
+          <p:cNvPr id="6" name="Picture 5">
+            <a:extLst>
+              <a:ext uri="{FF2B5EF4-FFF2-40B4-BE49-F238E27FC236}">
+                <a16:creationId xmlns:a16="http://schemas.microsoft.com/office/drawing/2014/main" id="{3CB9336F-37A3-E08A-1E64-4101CE44E857}"/>
+              </a:ext>
+            </a:extLst>
+          </p:cNvPr>
+          <p:cNvPicPr>
+            <a:picLocks noChangeAspect="1"/>
+          </p:cNvPicPr>
+          <p:nvPr/>
+        </p:nvPicPr>
+        <p:blipFill>
+          <a:blip r:embed="rId3">
+            <a:extLst>
+              <a:ext uri="{28A0092B-C50C-407E-A947-70E740481C1C}">
+                <a14:useLocalDpi xmlns:a14="http://schemas.microsoft.com/office/drawing/2010/main" val="0"/>
+              </a:ext>
+            </a:extLst>
+          </a:blip>
+          <a:stretch>
+            <a:fillRect/>
+          </a:stretch>
+        </p:blipFill>
+        <p:spPr>
+          <a:xfrm flipH="1">
+            <a:off x="9673275" y="3021048"/>
+            <a:ext cx="1451404" cy="815902"/>
+          </a:xfrm>
+          <a:prstGeom prst="rect">
+            <a:avLst/>
+          </a:prstGeom>
+        </p:spPr>
+      </p:pic>
+      <p:pic>
+        <p:nvPicPr>
+          <p:cNvPr id="8" name="Graphic 7" descr="Marker">
+            <a:extLst>
+              <a:ext uri="{FF2B5EF4-FFF2-40B4-BE49-F238E27FC236}">
+                <a16:creationId xmlns:a16="http://schemas.microsoft.com/office/drawing/2014/main" id="{D11F031D-04D8-E342-CFEB-CBF0107B7E6A}"/>
+              </a:ext>
+            </a:extLst>
+          </p:cNvPr>
+          <p:cNvPicPr>
+            <a:picLocks noChangeAspect="1"/>
+          </p:cNvPicPr>
+          <p:nvPr/>
+        </p:nvPicPr>
+        <p:blipFill>
+          <a:blip r:embed="rId4">
+            <a:extLst>
+              <a:ext uri="{28A0092B-C50C-407E-A947-70E740481C1C}">
+                <a14:useLocalDpi xmlns:a14="http://schemas.microsoft.com/office/drawing/2010/main" val="0"/>
+              </a:ext>
+              <a:ext uri="{96DAC541-7B7A-43D3-8B79-37D633B846F1}">
+                <asvg:svgBlip xmlns:asvg="http://schemas.microsoft.com/office/drawing/2016/SVG/main" r:embed="rId5"/>
+              </a:ext>
+            </a:extLst>
+          </a:blip>
+          <a:stretch>
+            <a:fillRect/>
+          </a:stretch>
+        </p:blipFill>
+        <p:spPr>
+          <a:xfrm>
+            <a:off x="10113296" y="1893453"/>
+            <a:ext cx="1011383" cy="1011383"/>
+          </a:xfrm>
+          <a:prstGeom prst="rect">
+            <a:avLst/>
+          </a:prstGeom>
+        </p:spPr>
+      </p:pic>
+      <p:pic>
+        <p:nvPicPr>
+          <p:cNvPr id="9" name="Graphic 8" descr="Marker">
+            <a:extLst>
+              <a:ext uri="{FF2B5EF4-FFF2-40B4-BE49-F238E27FC236}">
+                <a16:creationId xmlns:a16="http://schemas.microsoft.com/office/drawing/2014/main" id="{6BD5986C-0C1A-FBD8-7A33-D9C8AA4482BF}"/>
+              </a:ext>
+            </a:extLst>
+          </p:cNvPr>
+          <p:cNvPicPr>
+            <a:picLocks noChangeAspect="1"/>
+          </p:cNvPicPr>
+          <p:nvPr/>
+        </p:nvPicPr>
+        <p:blipFill>
+          <a:blip r:embed="rId6">
+            <a:extLst>
+              <a:ext uri="{28A0092B-C50C-407E-A947-70E740481C1C}">
+                <a14:useLocalDpi xmlns:a14="http://schemas.microsoft.com/office/drawing/2010/main" val="0"/>
+              </a:ext>
+              <a:ext uri="{96DAC541-7B7A-43D3-8B79-37D633B846F1}">
+                <asvg:svgBlip xmlns:asvg="http://schemas.microsoft.com/office/drawing/2016/SVG/main" r:embed="rId7"/>
+              </a:ext>
+            </a:extLst>
+          </a:blip>
+          <a:stretch>
+            <a:fillRect/>
+          </a:stretch>
+        </p:blipFill>
+        <p:spPr>
+          <a:xfrm>
+            <a:off x="3395506" y="615009"/>
+            <a:ext cx="1011383" cy="1011383"/>
+          </a:xfrm>
+          <a:prstGeom prst="rect">
+            <a:avLst/>
+          </a:prstGeom>
+        </p:spPr>
+      </p:pic>
+      <p:pic>
+        <p:nvPicPr>
+          <p:cNvPr id="10" name="Graphic 9" descr="Marker">
+            <a:extLst>
+              <a:ext uri="{FF2B5EF4-FFF2-40B4-BE49-F238E27FC236}">
+                <a16:creationId xmlns:a16="http://schemas.microsoft.com/office/drawing/2014/main" id="{0B14C3D5-494B-9877-3389-2043D2D586FD}"/>
+              </a:ext>
+            </a:extLst>
+          </p:cNvPr>
+          <p:cNvPicPr>
+            <a:picLocks noChangeAspect="1"/>
+          </p:cNvPicPr>
+          <p:nvPr/>
+        </p:nvPicPr>
+        <p:blipFill>
+          <a:blip r:embed="rId8">
+            <a:extLst>
+              <a:ext uri="{28A0092B-C50C-407E-A947-70E740481C1C}">
+                <a14:useLocalDpi xmlns:a14="http://schemas.microsoft.com/office/drawing/2010/main" val="0"/>
+              </a:ext>
+              <a:ext uri="{96DAC541-7B7A-43D3-8B79-37D633B846F1}">
+                <asvg:svgBlip xmlns:asvg="http://schemas.microsoft.com/office/drawing/2016/SVG/main" r:embed="rId9"/>
+              </a:ext>
+            </a:extLst>
+          </a:blip>
+          <a:stretch>
+            <a:fillRect/>
+          </a:stretch>
+        </p:blipFill>
+        <p:spPr>
+          <a:xfrm>
+            <a:off x="8513592" y="3851563"/>
+            <a:ext cx="1011383" cy="1011383"/>
+          </a:xfrm>
+          <a:prstGeom prst="rect">
+            <a:avLst/>
+          </a:prstGeom>
+        </p:spPr>
+      </p:pic>
+      <p:pic>
+        <p:nvPicPr>
+          <p:cNvPr id="11" name="Graphic 10" descr="Marker">
+            <a:extLst>
+              <a:ext uri="{FF2B5EF4-FFF2-40B4-BE49-F238E27FC236}">
+                <a16:creationId xmlns:a16="http://schemas.microsoft.com/office/drawing/2014/main" id="{A788E96A-9755-28DA-610C-81A45A4D5040}"/>
+              </a:ext>
+            </a:extLst>
+          </p:cNvPr>
+          <p:cNvPicPr>
+            <a:picLocks noChangeAspect="1"/>
+          </p:cNvPicPr>
+          <p:nvPr/>
+        </p:nvPicPr>
+        <p:blipFill>
+          <a:blip r:embed="rId8">
+            <a:extLst>
+              <a:ext uri="{28A0092B-C50C-407E-A947-70E740481C1C}">
+                <a14:useLocalDpi xmlns:a14="http://schemas.microsoft.com/office/drawing/2010/main" val="0"/>
+              </a:ext>
+              <a:ext uri="{96DAC541-7B7A-43D3-8B79-37D633B846F1}">
+                <asvg:svgBlip xmlns:asvg="http://schemas.microsoft.com/office/drawing/2016/SVG/main" r:embed="rId9"/>
+              </a:ext>
+            </a:extLst>
+          </a:blip>
+          <a:stretch>
+            <a:fillRect/>
+          </a:stretch>
+        </p:blipFill>
+        <p:spPr>
+          <a:xfrm>
+            <a:off x="5818910" y="2181559"/>
+            <a:ext cx="1011383" cy="1011383"/>
+          </a:xfrm>
+          <a:prstGeom prst="rect">
+            <a:avLst/>
+          </a:prstGeom>
+        </p:spPr>
+      </p:pic>
+      <p:pic>
+        <p:nvPicPr>
+          <p:cNvPr id="12" name="Graphic 11" descr="Marker">
+            <a:extLst>
+              <a:ext uri="{FF2B5EF4-FFF2-40B4-BE49-F238E27FC236}">
+                <a16:creationId xmlns:a16="http://schemas.microsoft.com/office/drawing/2014/main" id="{F2C76ED5-787D-998D-5388-202CD7D5830E}"/>
+              </a:ext>
+            </a:extLst>
+          </p:cNvPr>
+          <p:cNvPicPr>
+            <a:picLocks noChangeAspect="1"/>
+          </p:cNvPicPr>
+          <p:nvPr/>
+        </p:nvPicPr>
+        <p:blipFill>
+          <a:blip r:embed="rId8">
+            <a:extLst>
+              <a:ext uri="{28A0092B-C50C-407E-A947-70E740481C1C}">
+                <a14:useLocalDpi xmlns:a14="http://schemas.microsoft.com/office/drawing/2010/main" val="0"/>
+              </a:ext>
+              <a:ext uri="{96DAC541-7B7A-43D3-8B79-37D633B846F1}">
+                <asvg:svgBlip xmlns:asvg="http://schemas.microsoft.com/office/drawing/2016/SVG/main" r:embed="rId9"/>
+              </a:ext>
+            </a:extLst>
+          </a:blip>
+          <a:stretch>
+            <a:fillRect/>
+          </a:stretch>
+        </p:blipFill>
+        <p:spPr>
+          <a:xfrm>
+            <a:off x="995192" y="3547216"/>
+            <a:ext cx="1011383" cy="1011383"/>
+          </a:xfrm>
+          <a:prstGeom prst="rect">
+            <a:avLst/>
+          </a:prstGeom>
+        </p:spPr>
+      </p:pic>
+    </p:spTree>
+    <p:extLst>
+      <p:ext uri="{BB962C8B-B14F-4D97-AF65-F5344CB8AC3E}">
+        <p14:creationId xmlns:p14="http://schemas.microsoft.com/office/powerpoint/2010/main" val="1251229434"/>
+      </p:ext>
+    </p:extLst>
+  </p:cSld>
+  <p:clrMapOvr>
+    <a:masterClrMapping/>
+  </p:clrMapOvr>
+  <p:timing>
+    <p:tnLst>
+      <p:par>
+        <p:cTn id="1" dur="indefinite" restart="never" nodeType="tmRoot">
+          <p:childTnLst>
+            <p:seq concurrent="1" nextAc="seek">
+              <p:cTn id="2" dur="indefinite" nodeType="mainSeq">
+                <p:childTnLst>
+                  <p:par>
+                    <p:cTn id="3" fill="hold">
+                      <p:stCondLst>
+                        <p:cond delay="indefinite"/>
+                      </p:stCondLst>
+                      <p:childTnLst>
+                        <p:par>
+                          <p:cTn id="4" fill="hold">
+                            <p:stCondLst>
+                              <p:cond delay="0"/>
+                            </p:stCondLst>
+                            <p:childTnLst>
+                              <p:par>
+                                <p:cTn id="5" presetID="35" presetClass="path" presetSubtype="0" accel="50000" decel="50000" fill="hold" nodeType="clickEffect">
+                                  <p:stCondLst>
+                                    <p:cond delay="0"/>
+                                  </p:stCondLst>
+                                  <p:childTnLst>
+                                    <p:animMotion origin="layout" path="M -4.58333E-6 0 L -0.30312 0 " pathEditMode="relative" rAng="0" ptsTypes="AA">
+                                      <p:cBhvr>
+                                        <p:cTn id="6" dur="2000" fill="hold"/>
+                                        <p:tgtEl>
+                                          <p:spTgt spid="6"/>
+                                        </p:tgtEl>
+                                        <p:attrNameLst>
+                                          <p:attrName>ppt_x</p:attrName>
+                                          <p:attrName>ppt_y</p:attrName>
+                                        </p:attrNameLst>
+                                      </p:cBhvr>
+                                      <p:rCtr x="-15156" y="0"/>
+                                    </p:animMotion>
+                                  </p:childTnLst>
+                                </p:cTn>
+                              </p:par>
+                            </p:childTnLst>
+                          </p:cTn>
+                        </p:par>
+                      </p:childTnLst>
+                    </p:cTn>
+                  </p:par>
+                </p:childTnLst>
+              </p:cTn>
+              <p:prevCondLst>
+                <p:cond evt="onPrev" delay="0">
+                  <p:tgtEl>
+                    <p:sldTgt/>
+                  </p:tgtEl>
+                </p:cond>
+              </p:prevCondLst>
+              <p:nextCondLst>
+                <p:cond evt="onNext" delay="0">
+                  <p:tgtEl>
+                    <p:sldTgt/>
+                  </p:tgtEl>
+                </p:cond>
+              </p:nextCondLst>
+            </p:seq>
+          </p:childTnLst>
+        </p:cTn>
+      </p:par>
+    </p:tnLst>
+  </p:timing>
+</p:sld>
+</file>
+
+<file path=ppt/slides/slide8.xml><?xml version="1.0" encoding="utf-8"?>
+<p:sld xmlns:a="http://schemas.openxmlformats.org/drawingml/2006/main" xmlns:r="http://schemas.openxmlformats.org/officeDocument/2006/relationships" xmlns:p="http://schemas.openxmlformats.org/presentationml/2006/main">
+  <p:cSld>
+    <p:bg>
+      <p:bgPr>
+        <a:solidFill>
+          <a:srgbClr val="E69936"/>
+        </a:solidFill>
+        <a:effectLst/>
+      </p:bgPr>
+    </p:bg>
+    <p:spTree>
+      <p:nvGrpSpPr>
+        <p:cNvPr id="1" name=""/>
+        <p:cNvGrpSpPr/>
+        <p:nvPr/>
+      </p:nvGrpSpPr>
+      <p:grpSpPr>
+        <a:xfrm>
+          <a:off x="0" y="0"/>
+          <a:ext cx="0" cy="0"/>
+          <a:chOff x="0" y="0"/>
+          <a:chExt cx="0" cy="0"/>
+        </a:xfrm>
+      </p:grpSpPr>
+      <p:pic>
+        <p:nvPicPr>
+          <p:cNvPr id="3" name="Picture 2">
+            <a:extLst>
+              <a:ext uri="{FF2B5EF4-FFF2-40B4-BE49-F238E27FC236}">
+                <a16:creationId xmlns:a16="http://schemas.microsoft.com/office/drawing/2014/main" id="{E0902B6B-27CA-75C3-F0B0-777BA7DC26B4}"/>
+              </a:ext>
+            </a:extLst>
+          </p:cNvPr>
+          <p:cNvPicPr>
+            <a:picLocks noChangeAspect="1"/>
+          </p:cNvPicPr>
+          <p:nvPr/>
+        </p:nvPicPr>
+        <p:blipFill>
+          <a:blip r:embed="rId2">
+            <a:extLst>
+              <a:ext uri="{28A0092B-C50C-407E-A947-70E740481C1C}">
+                <a14:useLocalDpi xmlns:a14="http://schemas.microsoft.com/office/drawing/2010/main" val="0"/>
+              </a:ext>
+            </a:extLst>
+          </a:blip>
+          <a:stretch>
+            <a:fillRect/>
+          </a:stretch>
+        </p:blipFill>
+        <p:spPr>
+          <a:xfrm>
+            <a:off x="0" y="0"/>
+            <a:ext cx="12192000" cy="6857999"/>
+          </a:xfrm>
+          <a:prstGeom prst="rect">
+            <a:avLst/>
+          </a:prstGeom>
+        </p:spPr>
+      </p:pic>
+      <p:sp>
+        <p:nvSpPr>
+          <p:cNvPr id="4" name="TextBox 3">
+            <a:extLst>
+              <a:ext uri="{FF2B5EF4-FFF2-40B4-BE49-F238E27FC236}">
+                <a16:creationId xmlns:a16="http://schemas.microsoft.com/office/drawing/2014/main" id="{17C3B33E-C0E0-D55A-D3FC-91B6A2749891}"/>
+              </a:ext>
+            </a:extLst>
+          </p:cNvPr>
+          <p:cNvSpPr txBox="1"/>
+          <p:nvPr/>
+        </p:nvSpPr>
+        <p:spPr>
+          <a:xfrm>
+            <a:off x="7656945" y="5809673"/>
+            <a:ext cx="3325091" cy="707886"/>
+          </a:xfrm>
+          <a:prstGeom prst="rect">
+            <a:avLst/>
+          </a:prstGeom>
+          <a:noFill/>
+        </p:spPr>
+        <p:txBody>
+          <a:bodyPr wrap="square" rtlCol="0">
+            <a:spAutoFit/>
+          </a:bodyPr>
+          <a:lstStyle/>
+          <a:p>
+            <a:pPr algn="ctr"/>
+            <a:r>
+              <a:rPr lang="en-US" sz="4000" b="1" i="1" dirty="0">
+                <a:solidFill>
+                  <a:schemeClr val="bg1"/>
+                </a:solidFill>
+                <a:latin typeface="Comic Sans MS" panose="030F0702030302020204" pitchFamily="66" charset="0"/>
+              </a:rPr>
+              <a:t>e</a:t>
+            </a:r>
+            <a:r>
+              <a:rPr lang="en-US" sz="4000" b="1" dirty="0">
+                <a:solidFill>
+                  <a:schemeClr val="bg1"/>
+                </a:solidFill>
+                <a:latin typeface="Comic Sans MS" panose="030F0702030302020204" pitchFamily="66" charset="0"/>
+              </a:rPr>
+              <a:t>-Conductor</a:t>
+            </a:r>
+          </a:p>
+        </p:txBody>
+      </p:sp>
+      <p:pic>
+        <p:nvPicPr>
+          <p:cNvPr id="6" name="Picture 5">
+            <a:extLst>
+              <a:ext uri="{FF2B5EF4-FFF2-40B4-BE49-F238E27FC236}">
+                <a16:creationId xmlns:a16="http://schemas.microsoft.com/office/drawing/2014/main" id="{3CB9336F-37A3-E08A-1E64-4101CE44E857}"/>
+              </a:ext>
+            </a:extLst>
+          </p:cNvPr>
+          <p:cNvPicPr>
+            <a:picLocks noChangeAspect="1"/>
+          </p:cNvPicPr>
+          <p:nvPr/>
+        </p:nvPicPr>
+        <p:blipFill>
+          <a:blip r:embed="rId3">
+            <a:extLst>
+              <a:ext uri="{28A0092B-C50C-407E-A947-70E740481C1C}">
+                <a14:useLocalDpi xmlns:a14="http://schemas.microsoft.com/office/drawing/2010/main" val="0"/>
+              </a:ext>
+            </a:extLst>
+          </a:blip>
+          <a:stretch>
+            <a:fillRect/>
+          </a:stretch>
+        </p:blipFill>
+        <p:spPr>
+          <a:xfrm flipH="1">
+            <a:off x="4792179" y="3021048"/>
+            <a:ext cx="1451404" cy="815902"/>
+          </a:xfrm>
+          <a:prstGeom prst="rect">
+            <a:avLst/>
+          </a:prstGeom>
+        </p:spPr>
+      </p:pic>
+      <p:pic>
+        <p:nvPicPr>
+          <p:cNvPr id="8" name="Graphic 7" descr="Marker">
+            <a:extLst>
+              <a:ext uri="{FF2B5EF4-FFF2-40B4-BE49-F238E27FC236}">
+                <a16:creationId xmlns:a16="http://schemas.microsoft.com/office/drawing/2014/main" id="{D11F031D-04D8-E342-CFEB-CBF0107B7E6A}"/>
+              </a:ext>
+            </a:extLst>
+          </p:cNvPr>
+          <p:cNvPicPr>
+            <a:picLocks noChangeAspect="1"/>
+          </p:cNvPicPr>
+          <p:nvPr/>
+        </p:nvPicPr>
+        <p:blipFill>
+          <a:blip r:embed="rId4">
+            <a:extLst>
+              <a:ext uri="{28A0092B-C50C-407E-A947-70E740481C1C}">
+                <a14:useLocalDpi xmlns:a14="http://schemas.microsoft.com/office/drawing/2010/main" val="0"/>
+              </a:ext>
+              <a:ext uri="{96DAC541-7B7A-43D3-8B79-37D633B846F1}">
+                <asvg:svgBlip xmlns:asvg="http://schemas.microsoft.com/office/drawing/2016/SVG/main" r:embed="rId5"/>
+              </a:ext>
+            </a:extLst>
+          </a:blip>
+          <a:stretch>
+            <a:fillRect/>
+          </a:stretch>
+        </p:blipFill>
+        <p:spPr>
+          <a:xfrm>
+            <a:off x="10113296" y="1893453"/>
+            <a:ext cx="1011383" cy="1011383"/>
+          </a:xfrm>
+          <a:prstGeom prst="rect">
+            <a:avLst/>
+          </a:prstGeom>
+        </p:spPr>
+      </p:pic>
+      <p:pic>
+        <p:nvPicPr>
+          <p:cNvPr id="9" name="Graphic 8" descr="Marker">
+            <a:extLst>
+              <a:ext uri="{FF2B5EF4-FFF2-40B4-BE49-F238E27FC236}">
+                <a16:creationId xmlns:a16="http://schemas.microsoft.com/office/drawing/2014/main" id="{6BD5986C-0C1A-FBD8-7A33-D9C8AA4482BF}"/>
+              </a:ext>
+            </a:extLst>
+          </p:cNvPr>
+          <p:cNvPicPr>
+            <a:picLocks noChangeAspect="1"/>
+          </p:cNvPicPr>
+          <p:nvPr/>
+        </p:nvPicPr>
+        <p:blipFill>
+          <a:blip r:embed="rId6">
+            <a:extLst>
+              <a:ext uri="{28A0092B-C50C-407E-A947-70E740481C1C}">
+                <a14:useLocalDpi xmlns:a14="http://schemas.microsoft.com/office/drawing/2010/main" val="0"/>
+              </a:ext>
+              <a:ext uri="{96DAC541-7B7A-43D3-8B79-37D633B846F1}">
+                <asvg:svgBlip xmlns:asvg="http://schemas.microsoft.com/office/drawing/2016/SVG/main" r:embed="rId7"/>
+              </a:ext>
+            </a:extLst>
+          </a:blip>
+          <a:stretch>
+            <a:fillRect/>
+          </a:stretch>
+        </p:blipFill>
+        <p:spPr>
+          <a:xfrm>
+            <a:off x="3395506" y="615009"/>
+            <a:ext cx="1011383" cy="1011383"/>
+          </a:xfrm>
+          <a:prstGeom prst="rect">
+            <a:avLst/>
+          </a:prstGeom>
+        </p:spPr>
+      </p:pic>
+      <p:pic>
+        <p:nvPicPr>
+          <p:cNvPr id="10" name="Graphic 9" descr="Marker">
+            <a:extLst>
+              <a:ext uri="{FF2B5EF4-FFF2-40B4-BE49-F238E27FC236}">
+                <a16:creationId xmlns:a16="http://schemas.microsoft.com/office/drawing/2014/main" id="{0B14C3D5-494B-9877-3389-2043D2D586FD}"/>
+              </a:ext>
+            </a:extLst>
+          </p:cNvPr>
+          <p:cNvPicPr>
+            <a:picLocks noChangeAspect="1"/>
+          </p:cNvPicPr>
+          <p:nvPr/>
+        </p:nvPicPr>
+        <p:blipFill>
+          <a:blip r:embed="rId8">
+            <a:extLst>
+              <a:ext uri="{28A0092B-C50C-407E-A947-70E740481C1C}">
+                <a14:useLocalDpi xmlns:a14="http://schemas.microsoft.com/office/drawing/2010/main" val="0"/>
+              </a:ext>
+              <a:ext uri="{96DAC541-7B7A-43D3-8B79-37D633B846F1}">
+                <asvg:svgBlip xmlns:asvg="http://schemas.microsoft.com/office/drawing/2016/SVG/main" r:embed="rId9"/>
+              </a:ext>
+            </a:extLst>
+          </a:blip>
+          <a:stretch>
+            <a:fillRect/>
+          </a:stretch>
+        </p:blipFill>
+        <p:spPr>
+          <a:xfrm>
+            <a:off x="8513592" y="3851563"/>
+            <a:ext cx="1011383" cy="1011383"/>
+          </a:xfrm>
+          <a:prstGeom prst="rect">
+            <a:avLst/>
+          </a:prstGeom>
+        </p:spPr>
+      </p:pic>
+      <p:pic>
+        <p:nvPicPr>
+          <p:cNvPr id="11" name="Graphic 10" descr="Marker">
+            <a:extLst>
+              <a:ext uri="{FF2B5EF4-FFF2-40B4-BE49-F238E27FC236}">
+                <a16:creationId xmlns:a16="http://schemas.microsoft.com/office/drawing/2014/main" id="{A788E96A-9755-28DA-610C-81A45A4D5040}"/>
+              </a:ext>
+            </a:extLst>
+          </p:cNvPr>
+          <p:cNvPicPr>
+            <a:picLocks noChangeAspect="1"/>
+          </p:cNvPicPr>
+          <p:nvPr/>
+        </p:nvPicPr>
+        <p:blipFill>
+          <a:blip r:embed="rId8">
+            <a:extLst>
+              <a:ext uri="{28A0092B-C50C-407E-A947-70E740481C1C}">
+                <a14:useLocalDpi xmlns:a14="http://schemas.microsoft.com/office/drawing/2010/main" val="0"/>
+              </a:ext>
+              <a:ext uri="{96DAC541-7B7A-43D3-8B79-37D633B846F1}">
+                <asvg:svgBlip xmlns:asvg="http://schemas.microsoft.com/office/drawing/2016/SVG/main" r:embed="rId9"/>
+              </a:ext>
+            </a:extLst>
+          </a:blip>
+          <a:stretch>
+            <a:fillRect/>
+          </a:stretch>
+        </p:blipFill>
+        <p:spPr>
+          <a:xfrm>
+            <a:off x="5818910" y="2181559"/>
+            <a:ext cx="1011383" cy="1011383"/>
+          </a:xfrm>
+          <a:prstGeom prst="rect">
+            <a:avLst/>
+          </a:prstGeom>
+        </p:spPr>
+      </p:pic>
+      <p:pic>
+        <p:nvPicPr>
+          <p:cNvPr id="12" name="Graphic 11" descr="Marker">
+            <a:extLst>
+              <a:ext uri="{FF2B5EF4-FFF2-40B4-BE49-F238E27FC236}">
+                <a16:creationId xmlns:a16="http://schemas.microsoft.com/office/drawing/2014/main" id="{F2C76ED5-787D-998D-5388-202CD7D5830E}"/>
+              </a:ext>
+            </a:extLst>
+          </p:cNvPr>
+          <p:cNvPicPr>
+            <a:picLocks noChangeAspect="1"/>
+          </p:cNvPicPr>
+          <p:nvPr/>
+        </p:nvPicPr>
+        <p:blipFill>
+          <a:blip r:embed="rId8">
+            <a:extLst>
+              <a:ext uri="{28A0092B-C50C-407E-A947-70E740481C1C}">
+                <a14:useLocalDpi xmlns:a14="http://schemas.microsoft.com/office/drawing/2010/main" val="0"/>
+              </a:ext>
+              <a:ext uri="{96DAC541-7B7A-43D3-8B79-37D633B846F1}">
+                <asvg:svgBlip xmlns:asvg="http://schemas.microsoft.com/office/drawing/2016/SVG/main" r:embed="rId9"/>
+              </a:ext>
+            </a:extLst>
+          </a:blip>
+          <a:stretch>
+            <a:fillRect/>
+          </a:stretch>
+        </p:blipFill>
+        <p:spPr>
+          <a:xfrm>
+            <a:off x="995192" y="3547216"/>
+            <a:ext cx="1011383" cy="1011383"/>
+          </a:xfrm>
+          <a:prstGeom prst="rect">
+            <a:avLst/>
+          </a:prstGeom>
+        </p:spPr>
+      </p:pic>
+    </p:spTree>
+    <p:extLst>
+      <p:ext uri="{BB962C8B-B14F-4D97-AF65-F5344CB8AC3E}">
+        <p14:creationId xmlns:p14="http://schemas.microsoft.com/office/powerpoint/2010/main" val="1861550110"/>
+      </p:ext>
+    </p:extLst>
+  </p:cSld>
+  <p:clrMapOvr>
+    <a:masterClrMapping/>
+  </p:clrMapOvr>
+  <p:timing>
+    <p:tnLst>
+      <p:par>
+        <p:cTn id="1" dur="indefinite" restart="never" nodeType="tmRoot">
+          <p:childTnLst>
+            <p:seq concurrent="1" nextAc="seek">
+              <p:cTn id="2" dur="indefinite" nodeType="mainSeq">
+                <p:childTnLst>
+                  <p:par>
+                    <p:cTn id="3" fill="hold">
+                      <p:stCondLst>
+                        <p:cond delay="indefinite"/>
+                      </p:stCondLst>
+                      <p:childTnLst>
+                        <p:par>
+                          <p:cTn id="4" fill="hold">
+                            <p:stCondLst>
+                              <p:cond delay="0"/>
+                            </p:stCondLst>
+                            <p:childTnLst>
+                              <p:par>
+                                <p:cTn id="5" presetID="35" presetClass="path" presetSubtype="0" accel="50000" decel="50000" fill="hold" nodeType="clickEffect">
+                                  <p:stCondLst>
+                                    <p:cond delay="0"/>
+                                  </p:stCondLst>
+                                  <p:childTnLst>
+                                    <p:animMotion origin="layout" path="M -4.16667E-6 0 L -0.30312 0 " pathEditMode="relative" rAng="0" ptsTypes="AA">
+                                      <p:cBhvr>
+                                        <p:cTn id="6" dur="2000" fill="hold"/>
+                                        <p:tgtEl>
+                                          <p:spTgt spid="6"/>
+                                        </p:tgtEl>
+                                        <p:attrNameLst>
+                                          <p:attrName>ppt_x</p:attrName>
+                                          <p:attrName>ppt_y</p:attrName>
+                                        </p:attrNameLst>
+                                      </p:cBhvr>
+                                      <p:rCtr x="-15156" y="0"/>
+                                    </p:animMotion>
+                                  </p:childTnLst>
+                                </p:cTn>
+                              </p:par>
+                            </p:childTnLst>
+                          </p:cTn>
+                        </p:par>
+                      </p:childTnLst>
+                    </p:cTn>
+                  </p:par>
+                </p:childTnLst>
+              </p:cTn>
+              <p:prevCondLst>
+                <p:cond evt="onPrev" delay="0">
+                  <p:tgtEl>
+                    <p:sldTgt/>
+                  </p:tgtEl>
+                </p:cond>
+              </p:prevCondLst>
+              <p:nextCondLst>
+                <p:cond evt="onNext" delay="0">
+                  <p:tgtEl>
+                    <p:sldTgt/>
+                  </p:tgtEl>
+                </p:cond>
+              </p:nextCondLst>
+            </p:seq>
+          </p:childTnLst>
+        </p:cTn>
+      </p:par>
+    </p:tnLst>
+  </p:timing>
+</p:sld>
+</file>
+
+<file path=ppt/slides/slide9.xml><?xml version="1.0" encoding="utf-8"?>
+<p:sld xmlns:a="http://schemas.openxmlformats.org/drawingml/2006/main" xmlns:r="http://schemas.openxmlformats.org/officeDocument/2006/relationships" xmlns:p="http://schemas.openxmlformats.org/presentationml/2006/main">
+  <p:cSld>
+    <p:bg>
+      <p:bgPr>
+        <a:solidFill>
+          <a:srgbClr val="E69936"/>
+        </a:solidFill>
+        <a:effectLst/>
+      </p:bgPr>
+    </p:bg>
+    <p:spTree>
+      <p:nvGrpSpPr>
+        <p:cNvPr id="1" name=""/>
+        <p:cNvGrpSpPr/>
+        <p:nvPr/>
+      </p:nvGrpSpPr>
+      <p:grpSpPr>
+        <a:xfrm>
+          <a:off x="0" y="0"/>
+          <a:ext cx="0" cy="0"/>
+          <a:chOff x="0" y="0"/>
+          <a:chExt cx="0" cy="0"/>
+        </a:xfrm>
+      </p:grpSpPr>
+      <p:pic>
+        <p:nvPicPr>
+          <p:cNvPr id="3" name="Picture 2">
+            <a:extLst>
+              <a:ext uri="{FF2B5EF4-FFF2-40B4-BE49-F238E27FC236}">
+                <a16:creationId xmlns:a16="http://schemas.microsoft.com/office/drawing/2014/main" id="{E0902B6B-27CA-75C3-F0B0-777BA7DC26B4}"/>
+              </a:ext>
+            </a:extLst>
+          </p:cNvPr>
+          <p:cNvPicPr>
+            <a:picLocks noChangeAspect="1"/>
+          </p:cNvPicPr>
+          <p:nvPr/>
+        </p:nvPicPr>
+        <p:blipFill>
+          <a:blip r:embed="rId2">
+            <a:extLst>
+              <a:ext uri="{28A0092B-C50C-407E-A947-70E740481C1C}">
+                <a14:useLocalDpi xmlns:a14="http://schemas.microsoft.com/office/drawing/2010/main" val="0"/>
+              </a:ext>
+            </a:extLst>
+          </a:blip>
+          <a:stretch>
+            <a:fillRect/>
+          </a:stretch>
+        </p:blipFill>
+        <p:spPr>
+          <a:xfrm>
+            <a:off x="0" y="0"/>
+            <a:ext cx="12192000" cy="6857999"/>
+          </a:xfrm>
+          <a:prstGeom prst="rect">
+            <a:avLst/>
+          </a:prstGeom>
+        </p:spPr>
+      </p:pic>
+      <p:sp>
+        <p:nvSpPr>
+          <p:cNvPr id="4" name="TextBox 3">
+            <a:extLst>
+              <a:ext uri="{FF2B5EF4-FFF2-40B4-BE49-F238E27FC236}">
+                <a16:creationId xmlns:a16="http://schemas.microsoft.com/office/drawing/2014/main" id="{17C3B33E-C0E0-D55A-D3FC-91B6A2749891}"/>
+              </a:ext>
+            </a:extLst>
+          </p:cNvPr>
+          <p:cNvSpPr txBox="1"/>
+          <p:nvPr/>
+        </p:nvSpPr>
+        <p:spPr>
+          <a:xfrm>
+            <a:off x="7656945" y="5809673"/>
+            <a:ext cx="3325091" cy="707886"/>
+          </a:xfrm>
+          <a:prstGeom prst="rect">
+            <a:avLst/>
+          </a:prstGeom>
+          <a:noFill/>
+        </p:spPr>
+        <p:txBody>
+          <a:bodyPr wrap="square" rtlCol="0">
+            <a:spAutoFit/>
+          </a:bodyPr>
+          <a:lstStyle/>
+          <a:p>
+            <a:pPr algn="ctr"/>
+            <a:r>
+              <a:rPr lang="en-US" sz="4000" b="1" i="1" dirty="0">
+                <a:solidFill>
+                  <a:schemeClr val="bg1"/>
+                </a:solidFill>
+                <a:latin typeface="Comic Sans MS" panose="030F0702030302020204" pitchFamily="66" charset="0"/>
+              </a:rPr>
+              <a:t>e</a:t>
+            </a:r>
+            <a:r>
+              <a:rPr lang="en-US" sz="4000" b="1" dirty="0">
+                <a:solidFill>
+                  <a:schemeClr val="bg1"/>
+                </a:solidFill>
+                <a:latin typeface="Comic Sans MS" panose="030F0702030302020204" pitchFamily="66" charset="0"/>
+              </a:rPr>
+              <a:t>-Conductor</a:t>
+            </a:r>
+          </a:p>
+        </p:txBody>
+      </p:sp>
+      <p:pic>
+        <p:nvPicPr>
+          <p:cNvPr id="6" name="Picture 5">
+            <a:extLst>
+              <a:ext uri="{FF2B5EF4-FFF2-40B4-BE49-F238E27FC236}">
+                <a16:creationId xmlns:a16="http://schemas.microsoft.com/office/drawing/2014/main" id="{3CB9336F-37A3-E08A-1E64-4101CE44E857}"/>
+              </a:ext>
+            </a:extLst>
+          </p:cNvPr>
+          <p:cNvPicPr>
+            <a:picLocks noChangeAspect="1"/>
+          </p:cNvPicPr>
+          <p:nvPr/>
+        </p:nvPicPr>
+        <p:blipFill>
+          <a:blip r:embed="rId3">
+            <a:extLst>
+              <a:ext uri="{28A0092B-C50C-407E-A947-70E740481C1C}">
+                <a14:useLocalDpi xmlns:a14="http://schemas.microsoft.com/office/drawing/2010/main" val="0"/>
+              </a:ext>
+            </a:extLst>
+          </a:blip>
+          <a:stretch>
+            <a:fillRect/>
+          </a:stretch>
+        </p:blipFill>
+        <p:spPr>
+          <a:xfrm>
+            <a:off x="1250346" y="4663819"/>
+            <a:ext cx="1451404" cy="815902"/>
+          </a:xfrm>
+          <a:prstGeom prst="rect">
+            <a:avLst/>
+          </a:prstGeom>
+        </p:spPr>
+      </p:pic>
+      <p:pic>
+        <p:nvPicPr>
+          <p:cNvPr id="8" name="Graphic 7" descr="Marker">
+            <a:extLst>
+              <a:ext uri="{FF2B5EF4-FFF2-40B4-BE49-F238E27FC236}">
+                <a16:creationId xmlns:a16="http://schemas.microsoft.com/office/drawing/2014/main" id="{D11F031D-04D8-E342-CFEB-CBF0107B7E6A}"/>
+              </a:ext>
+            </a:extLst>
+          </p:cNvPr>
+          <p:cNvPicPr>
+            <a:picLocks noChangeAspect="1"/>
+          </p:cNvPicPr>
+          <p:nvPr/>
+        </p:nvPicPr>
+        <p:blipFill>
+          <a:blip r:embed="rId4">
+            <a:extLst>
+              <a:ext uri="{28A0092B-C50C-407E-A947-70E740481C1C}">
+                <a14:useLocalDpi xmlns:a14="http://schemas.microsoft.com/office/drawing/2010/main" val="0"/>
+              </a:ext>
+              <a:ext uri="{96DAC541-7B7A-43D3-8B79-37D633B846F1}">
+                <asvg:svgBlip xmlns:asvg="http://schemas.microsoft.com/office/drawing/2016/SVG/main" r:embed="rId5"/>
+              </a:ext>
+            </a:extLst>
+          </a:blip>
+          <a:stretch>
+            <a:fillRect/>
+          </a:stretch>
+        </p:blipFill>
+        <p:spPr>
+          <a:xfrm>
+            <a:off x="10113296" y="1893453"/>
+            <a:ext cx="1011383" cy="1011383"/>
+          </a:xfrm>
+          <a:prstGeom prst="rect">
+            <a:avLst/>
+          </a:prstGeom>
+        </p:spPr>
+      </p:pic>
+      <p:pic>
+        <p:nvPicPr>
+          <p:cNvPr id="9" name="Graphic 8" descr="Marker">
+            <a:extLst>
+              <a:ext uri="{FF2B5EF4-FFF2-40B4-BE49-F238E27FC236}">
+                <a16:creationId xmlns:a16="http://schemas.microsoft.com/office/drawing/2014/main" id="{6BD5986C-0C1A-FBD8-7A33-D9C8AA4482BF}"/>
+              </a:ext>
+            </a:extLst>
+          </p:cNvPr>
+          <p:cNvPicPr>
+            <a:picLocks noChangeAspect="1"/>
+          </p:cNvPicPr>
+          <p:nvPr/>
+        </p:nvPicPr>
+        <p:blipFill>
+          <a:blip r:embed="rId6">
+            <a:extLst>
+              <a:ext uri="{28A0092B-C50C-407E-A947-70E740481C1C}">
+                <a14:useLocalDpi xmlns:a14="http://schemas.microsoft.com/office/drawing/2010/main" val="0"/>
+              </a:ext>
+              <a:ext uri="{96DAC541-7B7A-43D3-8B79-37D633B846F1}">
+                <asvg:svgBlip xmlns:asvg="http://schemas.microsoft.com/office/drawing/2016/SVG/main" r:embed="rId7"/>
+              </a:ext>
+            </a:extLst>
+          </a:blip>
+          <a:stretch>
+            <a:fillRect/>
+          </a:stretch>
+        </p:blipFill>
+        <p:spPr>
+          <a:xfrm>
+            <a:off x="3395506" y="615009"/>
+            <a:ext cx="1011383" cy="1011383"/>
+          </a:xfrm>
+          <a:prstGeom prst="rect">
+            <a:avLst/>
+          </a:prstGeom>
+        </p:spPr>
+      </p:pic>
+      <p:pic>
+        <p:nvPicPr>
+          <p:cNvPr id="10" name="Graphic 9" descr="Marker">
+            <a:extLst>
+              <a:ext uri="{FF2B5EF4-FFF2-40B4-BE49-F238E27FC236}">
+                <a16:creationId xmlns:a16="http://schemas.microsoft.com/office/drawing/2014/main" id="{0B14C3D5-494B-9877-3389-2043D2D586FD}"/>
+              </a:ext>
+            </a:extLst>
+          </p:cNvPr>
+          <p:cNvPicPr>
+            <a:picLocks noChangeAspect="1"/>
+          </p:cNvPicPr>
+          <p:nvPr/>
+        </p:nvPicPr>
+        <p:blipFill>
+          <a:blip r:embed="rId8">
+            <a:extLst>
+              <a:ext uri="{28A0092B-C50C-407E-A947-70E740481C1C}">
+                <a14:useLocalDpi xmlns:a14="http://schemas.microsoft.com/office/drawing/2010/main" val="0"/>
+              </a:ext>
+              <a:ext uri="{96DAC541-7B7A-43D3-8B79-37D633B846F1}">
+                <asvg:svgBlip xmlns:asvg="http://schemas.microsoft.com/office/drawing/2016/SVG/main" r:embed="rId9"/>
+              </a:ext>
+            </a:extLst>
+          </a:blip>
+          <a:stretch>
+            <a:fillRect/>
+          </a:stretch>
+        </p:blipFill>
+        <p:spPr>
+          <a:xfrm>
+            <a:off x="8513592" y="3851563"/>
+            <a:ext cx="1011383" cy="1011383"/>
+          </a:xfrm>
+          <a:prstGeom prst="rect">
+            <a:avLst/>
+          </a:prstGeom>
+        </p:spPr>
+      </p:pic>
+      <p:pic>
+        <p:nvPicPr>
+          <p:cNvPr id="11" name="Graphic 10" descr="Marker">
+            <a:extLst>
+              <a:ext uri="{FF2B5EF4-FFF2-40B4-BE49-F238E27FC236}">
+                <a16:creationId xmlns:a16="http://schemas.microsoft.com/office/drawing/2014/main" id="{A788E96A-9755-28DA-610C-81A45A4D5040}"/>
+              </a:ext>
+            </a:extLst>
+          </p:cNvPr>
+          <p:cNvPicPr>
+            <a:picLocks noChangeAspect="1"/>
+          </p:cNvPicPr>
+          <p:nvPr/>
+        </p:nvPicPr>
+        <p:blipFill>
+          <a:blip r:embed="rId8">
+            <a:extLst>
+              <a:ext uri="{28A0092B-C50C-407E-A947-70E740481C1C}">
+                <a14:useLocalDpi xmlns:a14="http://schemas.microsoft.com/office/drawing/2010/main" val="0"/>
+              </a:ext>
+              <a:ext uri="{96DAC541-7B7A-43D3-8B79-37D633B846F1}">
+                <asvg:svgBlip xmlns:asvg="http://schemas.microsoft.com/office/drawing/2016/SVG/main" r:embed="rId9"/>
+              </a:ext>
+            </a:extLst>
+          </a:blip>
+          <a:stretch>
+            <a:fillRect/>
+          </a:stretch>
+        </p:blipFill>
+        <p:spPr>
+          <a:xfrm>
+            <a:off x="5818910" y="2181559"/>
+            <a:ext cx="1011383" cy="1011383"/>
+          </a:xfrm>
+          <a:prstGeom prst="rect">
+            <a:avLst/>
+          </a:prstGeom>
+        </p:spPr>
+      </p:pic>
+      <p:pic>
+        <p:nvPicPr>
+          <p:cNvPr id="12" name="Graphic 11" descr="Marker">
+            <a:extLst>
+              <a:ext uri="{FF2B5EF4-FFF2-40B4-BE49-F238E27FC236}">
+                <a16:creationId xmlns:a16="http://schemas.microsoft.com/office/drawing/2014/main" id="{F2C76ED5-787D-998D-5388-202CD7D5830E}"/>
+              </a:ext>
+            </a:extLst>
+          </p:cNvPr>
+          <p:cNvPicPr>
+            <a:picLocks noChangeAspect="1"/>
+          </p:cNvPicPr>
+          <p:nvPr/>
+        </p:nvPicPr>
+        <p:blipFill>
+          <a:blip r:embed="rId8">
+            <a:extLst>
+              <a:ext uri="{28A0092B-C50C-407E-A947-70E740481C1C}">
+                <a14:useLocalDpi xmlns:a14="http://schemas.microsoft.com/office/drawing/2010/main" val="0"/>
+              </a:ext>
+              <a:ext uri="{96DAC541-7B7A-43D3-8B79-37D633B846F1}">
+                <asvg:svgBlip xmlns:asvg="http://schemas.microsoft.com/office/drawing/2016/SVG/main" r:embed="rId9"/>
+              </a:ext>
+            </a:extLst>
+          </a:blip>
+          <a:stretch>
+            <a:fillRect/>
+          </a:stretch>
+        </p:blipFill>
+        <p:spPr>
+          <a:xfrm>
+            <a:off x="995192" y="3547216"/>
+            <a:ext cx="1011383" cy="1011383"/>
+          </a:xfrm>
+          <a:prstGeom prst="rect">
+            <a:avLst/>
+          </a:prstGeom>
+        </p:spPr>
+      </p:pic>
+    </p:spTree>
+    <p:extLst>
+      <p:ext uri="{BB962C8B-B14F-4D97-AF65-F5344CB8AC3E}">
+        <p14:creationId xmlns:p14="http://schemas.microsoft.com/office/powerpoint/2010/main" val="370719485"/>
+      </p:ext>
+    </p:extLst>
+  </p:cSld>
+  <p:clrMapOvr>
+    <a:masterClrMapping/>
+  </p:clrMapOvr>
+  <p:timing>
+    <p:tnLst>
+      <p:par>
+        <p:cTn id="1" dur="indefinite" restart="never" nodeType="tmRoot">
+          <p:childTnLst>
+            <p:seq concurrent="1" nextAc="seek">
+              <p:cTn id="2" dur="indefinite" nodeType="mainSeq">
+                <p:childTnLst>
+                  <p:par>
+                    <p:cTn id="3" fill="hold">
+                      <p:stCondLst>
+                        <p:cond delay="indefinite"/>
+                      </p:stCondLst>
+                      <p:childTnLst>
+                        <p:par>
+                          <p:cTn id="4" fill="hold">
+                            <p:stCondLst>
+                              <p:cond delay="0"/>
+                            </p:stCondLst>
+                            <p:childTnLst>
+                              <p:par>
+                                <p:cTn id="5" presetID="63" presetClass="path" presetSubtype="0" accel="50000" decel="50000" fill="hold" nodeType="clickEffect">
+                                  <p:stCondLst>
+                                    <p:cond delay="0"/>
+                                  </p:stCondLst>
+                                  <p:childTnLst>
+                                    <p:animMotion origin="layout" path="M 6.25E-7 -3.33333E-6 L 0.52422 -3.33333E-6 " pathEditMode="relative" rAng="0" ptsTypes="AA">
+                                      <p:cBhvr>
+                                        <p:cTn id="6" dur="2000" fill="hold"/>
+                                        <p:tgtEl>
+                                          <p:spTgt spid="6"/>
+                                        </p:tgtEl>
+                                        <p:attrNameLst>
+                                          <p:attrName>ppt_x</p:attrName>
+                                          <p:attrName>ppt_y</p:attrName>
+                                        </p:attrNameLst>
+                                      </p:cBhvr>
+                                      <p:rCtr x="26211" y="0"/>
+                                    </p:animMotion>
+                                  </p:childTnLst>
+                                </p:cTn>
+                              </p:par>
+                            </p:childTnLst>
+                          </p:cTn>
+                        </p:par>
+                      </p:childTnLst>
+                    </p:cTn>
+                  </p:par>
+                </p:childTnLst>
+              </p:cTn>
+              <p:prevCondLst>
+                <p:cond evt="onPrev" delay="0">
+                  <p:tgtEl>
+                    <p:sldTgt/>
+                  </p:tgtEl>
+                </p:cond>
+              </p:prevCondLst>
+              <p:nextCondLst>
+                <p:cond evt="onNext" delay="0">
+                  <p:tgtEl>
+                    <p:sldTgt/>
+                  </p:tgtEl>
+                </p:cond>
+              </p:nextCondLst>
+            </p:seq>
+          </p:childTnLst>
+        </p:cTn>
+      </p:par>
+    </p:tnLst>
+  </p:timing>
 </p:sld>
 </file>
 
@@ -4997,4 +10674,594 @@
     </a:ext>
   </a:extLst>
 </a:theme>
+</file>
+
+<file path=ppt/theme/theme2.xml><?xml version="1.0" encoding="utf-8"?>
+<a:theme xmlns:a="http://schemas.openxmlformats.org/drawingml/2006/main" name="Office Theme">
+  <a:themeElements>
+    <a:clrScheme name="Office">
+      <a:dk1>
+        <a:sysClr val="windowText" lastClr="000000"/>
+      </a:dk1>
+      <a:lt1>
+        <a:sysClr val="window" lastClr="FFFFFF"/>
+      </a:lt1>
+      <a:dk2>
+        <a:srgbClr val="44546A"/>
+      </a:dk2>
+      <a:lt2>
+        <a:srgbClr val="E7E6E6"/>
+      </a:lt2>
+      <a:accent1>
+        <a:srgbClr val="4472C4"/>
+      </a:accent1>
+      <a:accent2>
+        <a:srgbClr val="ED7D31"/>
+      </a:accent2>
+      <a:accent3>
+        <a:srgbClr val="A5A5A5"/>
+      </a:accent3>
+      <a:accent4>
+        <a:srgbClr val="FFC000"/>
+      </a:accent4>
+      <a:accent5>
+        <a:srgbClr val="5B9BD5"/>
+      </a:accent5>
+      <a:accent6>
+        <a:srgbClr val="70AD47"/>
+      </a:accent6>
+      <a:hlink>
+        <a:srgbClr val="0563C1"/>
+      </a:hlink>
+      <a:folHlink>
+        <a:srgbClr val="954F72"/>
+      </a:folHlink>
+    </a:clrScheme>
+    <a:fontScheme name="Office">
+      <a:majorFont>
+        <a:latin typeface="Calibri Light" panose="020F0302020204030204"/>
+        <a:ea typeface=""/>
+        <a:cs typeface=""/>
+        <a:font script="Jpan" typeface="游ゴシック Light"/>
+        <a:font script="Hang" typeface="맑은 고딕"/>
+        <a:font script="Hans" typeface="等线 Light"/>
+        <a:font script="Hant" typeface="新細明體"/>
+        <a:font script="Arab" typeface="Times New Roman"/>
+        <a:font script="Hebr" typeface="Times New Roman"/>
+        <a:font script="Thai" typeface="Angsana New"/>
+        <a:font script="Ethi" typeface="Nyala"/>
+        <a:font script="Beng" typeface="Vrinda"/>
+        <a:font script="Gujr" typeface="Shruti"/>
+        <a:font script="Khmr" typeface="MoolBoran"/>
+        <a:font script="Knda" typeface="Tunga"/>
+        <a:font script="Guru" typeface="Raavi"/>
+        <a:font script="Cans" typeface="Euphemia"/>
+        <a:font script="Cher" typeface="Plantagenet Cherokee"/>
+        <a:font script="Yiii" typeface="Microsoft Yi Baiti"/>
+        <a:font script="Tibt" typeface="Microsoft Himalaya"/>
+        <a:font script="Thaa" typeface="MV Boli"/>
+        <a:font script="Deva" typeface="Mangal"/>
+        <a:font script="Telu" typeface="Gautami"/>
+        <a:font script="Taml" typeface="Latha"/>
+        <a:font script="Syrc" typeface="Estrangelo Edessa"/>
+        <a:font script="Orya" typeface="Kalinga"/>
+        <a:font script="Mlym" typeface="Kartika"/>
+        <a:font script="Laoo" typeface="DokChampa"/>
+        <a:font script="Sinh" typeface="Iskoola Pota"/>
+        <a:font script="Mong" typeface="Mongolian Baiti"/>
+        <a:font script="Viet" typeface="Times New Roman"/>
+        <a:font script="Uigh" typeface="Microsoft Uighur"/>
+        <a:font script="Geor" typeface="Sylfaen"/>
+        <a:font script="Armn" typeface="Arial"/>
+        <a:font script="Bugi" typeface="Leelawadee UI"/>
+        <a:font script="Bopo" typeface="Microsoft JhengHei"/>
+        <a:font script="Java" typeface="Javanese Text"/>
+        <a:font script="Lisu" typeface="Segoe UI"/>
+        <a:font script="Mymr" typeface="Myanmar Text"/>
+        <a:font script="Nkoo" typeface="Ebrima"/>
+        <a:font script="Olck" typeface="Nirmala UI"/>
+        <a:font script="Osma" typeface="Ebrima"/>
+        <a:font script="Phag" typeface="Phagspa"/>
+        <a:font script="Syrn" typeface="Estrangelo Edessa"/>
+        <a:font script="Syrj" typeface="Estrangelo Edessa"/>
+        <a:font script="Syre" typeface="Estrangelo Edessa"/>
+        <a:font script="Sora" typeface="Nirmala UI"/>
+        <a:font script="Tale" typeface="Microsoft Tai Le"/>
+        <a:font script="Talu" typeface="Microsoft New Tai Lue"/>
+        <a:font script="Tfng" typeface="Ebrima"/>
+      </a:majorFont>
+      <a:minorFont>
+        <a:latin typeface="Calibri" panose="020F0502020204030204"/>
+        <a:ea typeface=""/>
+        <a:cs typeface=""/>
+        <a:font script="Jpan" typeface="游ゴシック"/>
+        <a:font script="Hang" typeface="맑은 고딕"/>
+        <a:font script="Hans" typeface="等线"/>
+        <a:font script="Hant" typeface="新細明體"/>
+        <a:font script="Arab" typeface="Arial"/>
+        <a:font script="Hebr" typeface="Arial"/>
+        <a:font script="Thai" typeface="Cordia New"/>
+        <a:font script="Ethi" typeface="Nyala"/>
+        <a:font script="Beng" typeface="Vrinda"/>
+        <a:font script="Gujr" typeface="Shruti"/>
+        <a:font script="Khmr" typeface="DaunPenh"/>
+        <a:font script="Knda" typeface="Tunga"/>
+        <a:font script="Guru" typeface="Raavi"/>
+        <a:font script="Cans" typeface="Euphemia"/>
+        <a:font script="Cher" typeface="Plantagenet Cherokee"/>
+        <a:font script="Yiii" typeface="Microsoft Yi Baiti"/>
+        <a:font script="Tibt" typeface="Microsoft Himalaya"/>
+        <a:font script="Thaa" typeface="MV Boli"/>
+        <a:font script="Deva" typeface="Mangal"/>
+        <a:font script="Telu" typeface="Gautami"/>
+        <a:font script="Taml" typeface="Latha"/>
+        <a:font script="Syrc" typeface="Estrangelo Edessa"/>
+        <a:font script="Orya" typeface="Kalinga"/>
+        <a:font script="Mlym" typeface="Kartika"/>
+        <a:font script="Laoo" typeface="DokChampa"/>
+        <a:font script="Sinh" typeface="Iskoola Pota"/>
+        <a:font script="Mong" typeface="Mongolian Baiti"/>
+        <a:font script="Viet" typeface="Arial"/>
+        <a:font script="Uigh" typeface="Microsoft Uighur"/>
+        <a:font script="Geor" typeface="Sylfaen"/>
+        <a:font script="Armn" typeface="Arial"/>
+        <a:font script="Bugi" typeface="Leelawadee UI"/>
+        <a:font script="Bopo" typeface="Microsoft JhengHei"/>
+        <a:font script="Java" typeface="Javanese Text"/>
+        <a:font script="Lisu" typeface="Segoe UI"/>
+        <a:font script="Mymr" typeface="Myanmar Text"/>
+        <a:font script="Nkoo" typeface="Ebrima"/>
+        <a:font script="Olck" typeface="Nirmala UI"/>
+        <a:font script="Osma" typeface="Ebrima"/>
+        <a:font script="Phag" typeface="Phagspa"/>
+        <a:font script="Syrn" typeface="Estrangelo Edessa"/>
+        <a:font script="Syrj" typeface="Estrangelo Edessa"/>
+        <a:font script="Syre" typeface="Estrangelo Edessa"/>
+        <a:font script="Sora" typeface="Nirmala UI"/>
+        <a:font script="Tale" typeface="Microsoft Tai Le"/>
+        <a:font script="Talu" typeface="Microsoft New Tai Lue"/>
+        <a:font script="Tfng" typeface="Ebrima"/>
+      </a:minorFont>
+    </a:fontScheme>
+    <a:fmtScheme name="Office">
+      <a:fillStyleLst>
+        <a:solidFill>
+          <a:schemeClr val="phClr"/>
+        </a:solidFill>
+        <a:gradFill rotWithShape="1">
+          <a:gsLst>
+            <a:gs pos="0">
+              <a:schemeClr val="phClr">
+                <a:lumMod val="110000"/>
+                <a:satMod val="105000"/>
+                <a:tint val="67000"/>
+              </a:schemeClr>
+            </a:gs>
+            <a:gs pos="50000">
+              <a:schemeClr val="phClr">
+                <a:lumMod val="105000"/>
+                <a:satMod val="103000"/>
+                <a:tint val="73000"/>
+              </a:schemeClr>
+            </a:gs>
+            <a:gs pos="100000">
+              <a:schemeClr val="phClr">
+                <a:lumMod val="105000"/>
+                <a:satMod val="109000"/>
+                <a:tint val="81000"/>
+              </a:schemeClr>
+            </a:gs>
+          </a:gsLst>
+          <a:lin ang="5400000" scaled="0"/>
+        </a:gradFill>
+        <a:gradFill rotWithShape="1">
+          <a:gsLst>
+            <a:gs pos="0">
+              <a:schemeClr val="phClr">
+                <a:satMod val="103000"/>
+                <a:lumMod val="102000"/>
+                <a:tint val="94000"/>
+              </a:schemeClr>
+            </a:gs>
+            <a:gs pos="50000">
+              <a:schemeClr val="phClr">
+                <a:satMod val="110000"/>
+                <a:lumMod val="100000"/>
+                <a:shade val="100000"/>
+              </a:schemeClr>
+            </a:gs>
+            <a:gs pos="100000">
+              <a:schemeClr val="phClr">
+                <a:lumMod val="99000"/>
+                <a:satMod val="120000"/>
+                <a:shade val="78000"/>
+              </a:schemeClr>
+            </a:gs>
+          </a:gsLst>
+          <a:lin ang="5400000" scaled="0"/>
+        </a:gradFill>
+      </a:fillStyleLst>
+      <a:lnStyleLst>
+        <a:ln w="6350" cap="flat" cmpd="sng" algn="ctr">
+          <a:solidFill>
+            <a:schemeClr val="phClr"/>
+          </a:solidFill>
+          <a:prstDash val="solid"/>
+          <a:miter lim="800000"/>
+        </a:ln>
+        <a:ln w="12700" cap="flat" cmpd="sng" algn="ctr">
+          <a:solidFill>
+            <a:schemeClr val="phClr"/>
+          </a:solidFill>
+          <a:prstDash val="solid"/>
+          <a:miter lim="800000"/>
+        </a:ln>
+        <a:ln w="19050" cap="flat" cmpd="sng" algn="ctr">
+          <a:solidFill>
+            <a:schemeClr val="phClr"/>
+          </a:solidFill>
+          <a:prstDash val="solid"/>
+          <a:miter lim="800000"/>
+        </a:ln>
+      </a:lnStyleLst>
+      <a:effectStyleLst>
+        <a:effectStyle>
+          <a:effectLst/>
+        </a:effectStyle>
+        <a:effectStyle>
+          <a:effectLst/>
+        </a:effectStyle>
+        <a:effectStyle>
+          <a:effectLst>
+            <a:outerShdw blurRad="57150" dist="19050" dir="5400000" algn="ctr" rotWithShape="0">
+              <a:srgbClr val="000000">
+                <a:alpha val="63000"/>
+              </a:srgbClr>
+            </a:outerShdw>
+          </a:effectLst>
+        </a:effectStyle>
+      </a:effectStyleLst>
+      <a:bgFillStyleLst>
+        <a:solidFill>
+          <a:schemeClr val="phClr"/>
+        </a:solidFill>
+        <a:solidFill>
+          <a:schemeClr val="phClr">
+            <a:tint val="95000"/>
+            <a:satMod val="170000"/>
+          </a:schemeClr>
+        </a:solidFill>
+        <a:gradFill rotWithShape="1">
+          <a:gsLst>
+            <a:gs pos="0">
+              <a:schemeClr val="phClr">
+                <a:tint val="93000"/>
+                <a:satMod val="150000"/>
+                <a:shade val="98000"/>
+                <a:lumMod val="102000"/>
+              </a:schemeClr>
+            </a:gs>
+            <a:gs pos="50000">
+              <a:schemeClr val="phClr">
+                <a:tint val="98000"/>
+                <a:satMod val="130000"/>
+                <a:shade val="90000"/>
+                <a:lumMod val="103000"/>
+              </a:schemeClr>
+            </a:gs>
+            <a:gs pos="100000">
+              <a:schemeClr val="phClr">
+                <a:shade val="63000"/>
+                <a:satMod val="120000"/>
+              </a:schemeClr>
+            </a:gs>
+          </a:gsLst>
+          <a:lin ang="5400000" scaled="0"/>
+        </a:gradFill>
+      </a:bgFillStyleLst>
+    </a:fmtScheme>
+  </a:themeElements>
+  <a:objectDefaults/>
+  <a:extraClrSchemeLst/>
+  <a:extLst>
+    <a:ext uri="{05A4C25C-085E-4340-85A3-A5531E510DB2}">
+      <thm15:themeFamily xmlns:thm15="http://schemas.microsoft.com/office/thememl/2012/main" name="Office Theme" id="{62F939B6-93AF-4DB8-9C6B-D6C7DFDC589F}" vid="{4A3C46E8-61CC-4603-A589-7422A47A8E4A}"/>
+    </a:ext>
+  </a:extLst>
+</a:theme>
+</file>
+
+<file path=ppt/theme/theme3.xml><?xml version="1.0" encoding="utf-8"?>
+<a:theme xmlns:a="http://schemas.openxmlformats.org/drawingml/2006/main" name="Office Theme">
+  <a:themeElements>
+    <a:clrScheme name="Office">
+      <a:dk1>
+        <a:sysClr val="windowText" lastClr="000000"/>
+      </a:dk1>
+      <a:lt1>
+        <a:sysClr val="window" lastClr="FFFFFF"/>
+      </a:lt1>
+      <a:dk2>
+        <a:srgbClr val="44546A"/>
+      </a:dk2>
+      <a:lt2>
+        <a:srgbClr val="E7E6E6"/>
+      </a:lt2>
+      <a:accent1>
+        <a:srgbClr val="4472C4"/>
+      </a:accent1>
+      <a:accent2>
+        <a:srgbClr val="ED7D31"/>
+      </a:accent2>
+      <a:accent3>
+        <a:srgbClr val="A5A5A5"/>
+      </a:accent3>
+      <a:accent4>
+        <a:srgbClr val="FFC000"/>
+      </a:accent4>
+      <a:accent5>
+        <a:srgbClr val="5B9BD5"/>
+      </a:accent5>
+      <a:accent6>
+        <a:srgbClr val="70AD47"/>
+      </a:accent6>
+      <a:hlink>
+        <a:srgbClr val="0563C1"/>
+      </a:hlink>
+      <a:folHlink>
+        <a:srgbClr val="954F72"/>
+      </a:folHlink>
+    </a:clrScheme>
+    <a:fontScheme name="Office">
+      <a:majorFont>
+        <a:latin typeface="Calibri Light" panose="020F0302020204030204"/>
+        <a:ea typeface=""/>
+        <a:cs typeface=""/>
+        <a:font script="Jpan" typeface="游ゴシック Light"/>
+        <a:font script="Hang" typeface="맑은 고딕"/>
+        <a:font script="Hans" typeface="等线 Light"/>
+        <a:font script="Hant" typeface="新細明體"/>
+        <a:font script="Arab" typeface="Times New Roman"/>
+        <a:font script="Hebr" typeface="Times New Roman"/>
+        <a:font script="Thai" typeface="Angsana New"/>
+        <a:font script="Ethi" typeface="Nyala"/>
+        <a:font script="Beng" typeface="Vrinda"/>
+        <a:font script="Gujr" typeface="Shruti"/>
+        <a:font script="Khmr" typeface="MoolBoran"/>
+        <a:font script="Knda" typeface="Tunga"/>
+        <a:font script="Guru" typeface="Raavi"/>
+        <a:font script="Cans" typeface="Euphemia"/>
+        <a:font script="Cher" typeface="Plantagenet Cherokee"/>
+        <a:font script="Yiii" typeface="Microsoft Yi Baiti"/>
+        <a:font script="Tibt" typeface="Microsoft Himalaya"/>
+        <a:font script="Thaa" typeface="MV Boli"/>
+        <a:font script="Deva" typeface="Mangal"/>
+        <a:font script="Telu" typeface="Gautami"/>
+        <a:font script="Taml" typeface="Latha"/>
+        <a:font script="Syrc" typeface="Estrangelo Edessa"/>
+        <a:font script="Orya" typeface="Kalinga"/>
+        <a:font script="Mlym" typeface="Kartika"/>
+        <a:font script="Laoo" typeface="DokChampa"/>
+        <a:font script="Sinh" typeface="Iskoola Pota"/>
+        <a:font script="Mong" typeface="Mongolian Baiti"/>
+        <a:font script="Viet" typeface="Times New Roman"/>
+        <a:font script="Uigh" typeface="Microsoft Uighur"/>
+        <a:font script="Geor" typeface="Sylfaen"/>
+        <a:font script="Armn" typeface="Arial"/>
+        <a:font script="Bugi" typeface="Leelawadee UI"/>
+        <a:font script="Bopo" typeface="Microsoft JhengHei"/>
+        <a:font script="Java" typeface="Javanese Text"/>
+        <a:font script="Lisu" typeface="Segoe UI"/>
+        <a:font script="Mymr" typeface="Myanmar Text"/>
+        <a:font script="Nkoo" typeface="Ebrima"/>
+        <a:font script="Olck" typeface="Nirmala UI"/>
+        <a:font script="Osma" typeface="Ebrima"/>
+        <a:font script="Phag" typeface="Phagspa"/>
+        <a:font script="Syrn" typeface="Estrangelo Edessa"/>
+        <a:font script="Syrj" typeface="Estrangelo Edessa"/>
+        <a:font script="Syre" typeface="Estrangelo Edessa"/>
+        <a:font script="Sora" typeface="Nirmala UI"/>
+        <a:font script="Tale" typeface="Microsoft Tai Le"/>
+        <a:font script="Talu" typeface="Microsoft New Tai Lue"/>
+        <a:font script="Tfng" typeface="Ebrima"/>
+      </a:majorFont>
+      <a:minorFont>
+        <a:latin typeface="Calibri" panose="020F0502020204030204"/>
+        <a:ea typeface=""/>
+        <a:cs typeface=""/>
+        <a:font script="Jpan" typeface="游ゴシック"/>
+        <a:font script="Hang" typeface="맑은 고딕"/>
+        <a:font script="Hans" typeface="等线"/>
+        <a:font script="Hant" typeface="新細明體"/>
+        <a:font script="Arab" typeface="Arial"/>
+        <a:font script="Hebr" typeface="Arial"/>
+        <a:font script="Thai" typeface="Cordia New"/>
+        <a:font script="Ethi" typeface="Nyala"/>
+        <a:font script="Beng" typeface="Vrinda"/>
+        <a:font script="Gujr" typeface="Shruti"/>
+        <a:font script="Khmr" typeface="DaunPenh"/>
+        <a:font script="Knda" typeface="Tunga"/>
+        <a:font script="Guru" typeface="Raavi"/>
+        <a:font script="Cans" typeface="Euphemia"/>
+        <a:font script="Cher" typeface="Plantagenet Cherokee"/>
+        <a:font script="Yiii" typeface="Microsoft Yi Baiti"/>
+        <a:font script="Tibt" typeface="Microsoft Himalaya"/>
+        <a:font script="Thaa" typeface="MV Boli"/>
+        <a:font script="Deva" typeface="Mangal"/>
+        <a:font script="Telu" typeface="Gautami"/>
+        <a:font script="Taml" typeface="Latha"/>
+        <a:font script="Syrc" typeface="Estrangelo Edessa"/>
+        <a:font script="Orya" typeface="Kalinga"/>
+        <a:font script="Mlym" typeface="Kartika"/>
+        <a:font script="Laoo" typeface="DokChampa"/>
+        <a:font script="Sinh" typeface="Iskoola Pota"/>
+        <a:font script="Mong" typeface="Mongolian Baiti"/>
+        <a:font script="Viet" typeface="Arial"/>
+        <a:font script="Uigh" typeface="Microsoft Uighur"/>
+        <a:font script="Geor" typeface="Sylfaen"/>
+        <a:font script="Armn" typeface="Arial"/>
+        <a:font script="Bugi" typeface="Leelawadee UI"/>
+        <a:font script="Bopo" typeface="Microsoft JhengHei"/>
+        <a:font script="Java" typeface="Javanese Text"/>
+        <a:font script="Lisu" typeface="Segoe UI"/>
+        <a:font script="Mymr" typeface="Myanmar Text"/>
+        <a:font script="Nkoo" typeface="Ebrima"/>
+        <a:font script="Olck" typeface="Nirmala UI"/>
+        <a:font script="Osma" typeface="Ebrima"/>
+        <a:font script="Phag" typeface="Phagspa"/>
+        <a:font script="Syrn" typeface="Estrangelo Edessa"/>
+        <a:font script="Syrj" typeface="Estrangelo Edessa"/>
+        <a:font script="Syre" typeface="Estrangelo Edessa"/>
+        <a:font script="Sora" typeface="Nirmala UI"/>
+        <a:font script="Tale" typeface="Microsoft Tai Le"/>
+        <a:font script="Talu" typeface="Microsoft New Tai Lue"/>
+        <a:font script="Tfng" typeface="Ebrima"/>
+      </a:minorFont>
+    </a:fontScheme>
+    <a:fmtScheme name="Office">
+      <a:fillStyleLst>
+        <a:solidFill>
+          <a:schemeClr val="phClr"/>
+        </a:solidFill>
+        <a:gradFill rotWithShape="1">
+          <a:gsLst>
+            <a:gs pos="0">
+              <a:schemeClr val="phClr">
+                <a:lumMod val="110000"/>
+                <a:satMod val="105000"/>
+                <a:tint val="67000"/>
+              </a:schemeClr>
+            </a:gs>
+            <a:gs pos="50000">
+              <a:schemeClr val="phClr">
+                <a:lumMod val="105000"/>
+                <a:satMod val="103000"/>
+                <a:tint val="73000"/>
+              </a:schemeClr>
+            </a:gs>
+            <a:gs pos="100000">
+              <a:schemeClr val="phClr">
+                <a:lumMod val="105000"/>
+                <a:satMod val="109000"/>
+                <a:tint val="81000"/>
+              </a:schemeClr>
+            </a:gs>
+          </a:gsLst>
+          <a:lin ang="5400000" scaled="0"/>
+        </a:gradFill>
+        <a:gradFill rotWithShape="1">
+          <a:gsLst>
+            <a:gs pos="0">
+              <a:schemeClr val="phClr">
+                <a:satMod val="103000"/>
+                <a:lumMod val="102000"/>
+                <a:tint val="94000"/>
+              </a:schemeClr>
+            </a:gs>
+            <a:gs pos="50000">
+              <a:schemeClr val="phClr">
+                <a:satMod val="110000"/>
+                <a:lumMod val="100000"/>
+                <a:shade val="100000"/>
+              </a:schemeClr>
+            </a:gs>
+            <a:gs pos="100000">
+              <a:schemeClr val="phClr">
+                <a:lumMod val="99000"/>
+                <a:satMod val="120000"/>
+                <a:shade val="78000"/>
+              </a:schemeClr>
+            </a:gs>
+          </a:gsLst>
+          <a:lin ang="5400000" scaled="0"/>
+        </a:gradFill>
+      </a:fillStyleLst>
+      <a:lnStyleLst>
+        <a:ln w="6350" cap="flat" cmpd="sng" algn="ctr">
+          <a:solidFill>
+            <a:schemeClr val="phClr"/>
+          </a:solidFill>
+          <a:prstDash val="solid"/>
+          <a:miter lim="800000"/>
+        </a:ln>
+        <a:ln w="12700" cap="flat" cmpd="sng" algn="ctr">
+          <a:solidFill>
+            <a:schemeClr val="phClr"/>
+          </a:solidFill>
+          <a:prstDash val="solid"/>
+          <a:miter lim="800000"/>
+        </a:ln>
+        <a:ln w="19050" cap="flat" cmpd="sng" algn="ctr">
+          <a:solidFill>
+            <a:schemeClr val="phClr"/>
+          </a:solidFill>
+          <a:prstDash val="solid"/>
+          <a:miter lim="800000"/>
+        </a:ln>
+      </a:lnStyleLst>
+      <a:effectStyleLst>
+        <a:effectStyle>
+          <a:effectLst/>
+        </a:effectStyle>
+        <a:effectStyle>
+          <a:effectLst/>
+        </a:effectStyle>
+        <a:effectStyle>
+          <a:effectLst>
+            <a:outerShdw blurRad="57150" dist="19050" dir="5400000" algn="ctr" rotWithShape="0">
+              <a:srgbClr val="000000">
+                <a:alpha val="63000"/>
+              </a:srgbClr>
+            </a:outerShdw>
+          </a:effectLst>
+        </a:effectStyle>
+      </a:effectStyleLst>
+      <a:bgFillStyleLst>
+        <a:solidFill>
+          <a:schemeClr val="phClr"/>
+        </a:solidFill>
+        <a:solidFill>
+          <a:schemeClr val="phClr">
+            <a:tint val="95000"/>
+            <a:satMod val="170000"/>
+          </a:schemeClr>
+        </a:solidFill>
+        <a:gradFill rotWithShape="1">
+          <a:gsLst>
+            <a:gs pos="0">
+              <a:schemeClr val="phClr">
+                <a:tint val="93000"/>
+                <a:satMod val="150000"/>
+                <a:shade val="98000"/>
+                <a:lumMod val="102000"/>
+              </a:schemeClr>
+            </a:gs>
+            <a:gs pos="50000">
+              <a:schemeClr val="phClr">
+                <a:tint val="98000"/>
+                <a:satMod val="130000"/>
+                <a:shade val="90000"/>
+                <a:lumMod val="103000"/>
+              </a:schemeClr>
+            </a:gs>
+            <a:gs pos="100000">
+              <a:schemeClr val="phClr">
+                <a:shade val="63000"/>
+                <a:satMod val="120000"/>
+              </a:schemeClr>
+            </a:gs>
+          </a:gsLst>
+          <a:lin ang="5400000" scaled="0"/>
+        </a:gradFill>
+      </a:bgFillStyleLst>
+    </a:fmtScheme>
+  </a:themeElements>
+  <a:objectDefaults/>
+  <a:extraClrSchemeLst/>
+  <a:extLst>
+    <a:ext uri="{05A4C25C-085E-4340-85A3-A5531E510DB2}">
+      <thm15:themeFamily xmlns:thm15="http://schemas.microsoft.com/office/thememl/2012/main" name="Office Theme" id="{62F939B6-93AF-4DB8-9C6B-D6C7DFDC589F}" vid="{4A3C46E8-61CC-4603-A589-7422A47A8E4A}"/>
+    </a:ext>
+  </a:extLst>
+</a:theme>
 </file>